--- a/Report dei risultati.pptx
+++ b/Report dei risultati.pptx
@@ -6,52 +6,53 @@
     <p:sldMasterId id="2147483671" r:id="rId2"/>
   </p:sldMasterIdLst>
   <p:notesMasterIdLst>
-    <p:notesMasterId r:id="rId15"/>
+    <p:notesMasterId r:id="rId16"/>
   </p:notesMasterIdLst>
   <p:sldIdLst>
     <p:sldId id="256" r:id="rId3"/>
     <p:sldId id="257" r:id="rId4"/>
-    <p:sldId id="258" r:id="rId5"/>
-    <p:sldId id="259" r:id="rId6"/>
-    <p:sldId id="260" r:id="rId7"/>
-    <p:sldId id="261" r:id="rId8"/>
-    <p:sldId id="262" r:id="rId9"/>
-    <p:sldId id="263" r:id="rId10"/>
+    <p:sldId id="259" r:id="rId5"/>
+    <p:sldId id="260" r:id="rId6"/>
+    <p:sldId id="269" r:id="rId7"/>
+    <p:sldId id="262" r:id="rId8"/>
+    <p:sldId id="263" r:id="rId9"/>
+    <p:sldId id="261" r:id="rId10"/>
     <p:sldId id="264" r:id="rId11"/>
     <p:sldId id="265" r:id="rId12"/>
-    <p:sldId id="266" r:id="rId13"/>
-    <p:sldId id="267" r:id="rId14"/>
+    <p:sldId id="268" r:id="rId13"/>
+    <p:sldId id="266" r:id="rId14"/>
+    <p:sldId id="267" r:id="rId15"/>
   </p:sldIdLst>
   <p:sldSz cx="9144000" cy="5715000" type="screen16x10"/>
   <p:notesSz cx="6858000" cy="9144000"/>
   <p:embeddedFontLst>
     <p:embeddedFont>
       <p:font typeface="Calibri" panose="020F0502020204030204" pitchFamily="34" charset="0"/>
-      <p:regular r:id="rId16"/>
-      <p:bold r:id="rId17"/>
-      <p:italic r:id="rId18"/>
-      <p:boldItalic r:id="rId19"/>
+      <p:regular r:id="rId17"/>
+      <p:bold r:id="rId18"/>
+      <p:italic r:id="rId19"/>
+      <p:boldItalic r:id="rId20"/>
     </p:embeddedFont>
     <p:embeddedFont>
       <p:font typeface="Titillium Web" panose="00000500000000000000" pitchFamily="2" charset="0"/>
-      <p:regular r:id="rId20"/>
-      <p:bold r:id="rId21"/>
-      <p:italic r:id="rId22"/>
-      <p:boldItalic r:id="rId23"/>
+      <p:regular r:id="rId21"/>
+      <p:bold r:id="rId22"/>
+      <p:italic r:id="rId23"/>
+      <p:boldItalic r:id="rId24"/>
     </p:embeddedFont>
     <p:embeddedFont>
       <p:font typeface="Titillium Web Light" panose="00000400000000000000" pitchFamily="2" charset="0"/>
-      <p:regular r:id="rId24"/>
-      <p:bold r:id="rId25"/>
-      <p:italic r:id="rId26"/>
-      <p:boldItalic r:id="rId27"/>
+      <p:regular r:id="rId25"/>
+      <p:bold r:id="rId26"/>
+      <p:italic r:id="rId27"/>
+      <p:boldItalic r:id="rId28"/>
     </p:embeddedFont>
     <p:embeddedFont>
       <p:font typeface="Titillium Web SemiBold" panose="00000700000000000000" pitchFamily="2" charset="0"/>
-      <p:regular r:id="rId28"/>
-      <p:bold r:id="rId29"/>
-      <p:italic r:id="rId30"/>
-      <p:boldItalic r:id="rId31"/>
+      <p:regular r:id="rId29"/>
+      <p:bold r:id="rId30"/>
+      <p:italic r:id="rId31"/>
+      <p:boldItalic r:id="rId32"/>
     </p:embeddedFont>
   </p:embeddedFontLst>
   <p:defaultTextStyle>
@@ -865,7 +866,7 @@
         </p:nvSpPr>
         <p:spPr>
           <a:xfrm>
-            <a:off x="686100" y="685800"/>
+            <a:off x="685800" y="685800"/>
             <a:ext cx="5486400" cy="3429000"/>
           </a:xfrm>
           <a:custGeom>
@@ -945,6 +946,115 @@
   <p:cSld>
     <p:spTree>
       <p:nvGrpSpPr>
+        <p:cNvPr id="1" name="Shape 211"/>
+        <p:cNvGrpSpPr/>
+        <p:nvPr/>
+      </p:nvGrpSpPr>
+      <p:grpSpPr>
+        <a:xfrm>
+          <a:off x="0" y="0"/>
+          <a:ext cx="0" cy="0"/>
+          <a:chOff x="0" y="0"/>
+          <a:chExt cx="0" cy="0"/>
+        </a:xfrm>
+      </p:grpSpPr>
+      <p:sp>
+        <p:nvSpPr>
+          <p:cNvPr id="212" name="Google Shape;212;g3623b44869_0_80:notes"/>
+          <p:cNvSpPr>
+            <a:spLocks noGrp="1" noRot="1" noChangeAspect="1"/>
+          </p:cNvSpPr>
+          <p:nvPr>
+            <p:ph type="sldImg" idx="2"/>
+          </p:nvPr>
+        </p:nvSpPr>
+        <p:spPr>
+          <a:xfrm>
+            <a:off x="685800" y="685800"/>
+            <a:ext cx="5486400" cy="3429000"/>
+          </a:xfrm>
+          <a:custGeom>
+            <a:avLst/>
+            <a:gdLst/>
+            <a:ahLst/>
+            <a:cxnLst/>
+            <a:rect l="l" t="t" r="r" b="b"/>
+            <a:pathLst>
+              <a:path w="120000" h="120000" extrusionOk="0">
+                <a:moveTo>
+                  <a:pt x="0" y="0"/>
+                </a:moveTo>
+                <a:lnTo>
+                  <a:pt x="120000" y="0"/>
+                </a:lnTo>
+                <a:lnTo>
+                  <a:pt x="120000" y="120000"/>
+                </a:lnTo>
+                <a:lnTo>
+                  <a:pt x="0" y="120000"/>
+                </a:lnTo>
+                <a:close/>
+              </a:path>
+            </a:pathLst>
+          </a:custGeom>
+        </p:spPr>
+      </p:sp>
+      <p:sp>
+        <p:nvSpPr>
+          <p:cNvPr id="213" name="Google Shape;213;g3623b44869_0_80:notes"/>
+          <p:cNvSpPr txBox="1">
+            <a:spLocks noGrp="1"/>
+          </p:cNvSpPr>
+          <p:nvPr>
+            <p:ph type="body" idx="1"/>
+          </p:nvPr>
+        </p:nvSpPr>
+        <p:spPr>
+          <a:xfrm>
+            <a:off x="685800" y="4343400"/>
+            <a:ext cx="5486400" cy="4114800"/>
+          </a:xfrm>
+          <a:prstGeom prst="rect">
+            <a:avLst/>
+          </a:prstGeom>
+        </p:spPr>
+        <p:txBody>
+          <a:bodyPr spcFirstLastPara="1" wrap="square" lIns="91425" tIns="91425" rIns="91425" bIns="91425" anchor="t" anchorCtr="0">
+            <a:noAutofit/>
+          </a:bodyPr>
+          <a:lstStyle/>
+          <a:p>
+            <a:pPr marL="0" lvl="0" indent="0" algn="l" rtl="0">
+              <a:spcBef>
+                <a:spcPts val="0"/>
+              </a:spcBef>
+              <a:spcAft>
+                <a:spcPts val="0"/>
+              </a:spcAft>
+              <a:buNone/>
+            </a:pPr>
+            <a:endParaRPr/>
+          </a:p>
+        </p:txBody>
+      </p:sp>
+    </p:spTree>
+    <p:extLst>
+      <p:ext uri="{BB962C8B-B14F-4D97-AF65-F5344CB8AC3E}">
+        <p14:creationId xmlns:p14="http://schemas.microsoft.com/office/powerpoint/2010/main" val="4280533219"/>
+      </p:ext>
+    </p:extLst>
+  </p:cSld>
+  <p:clrMapOvr>
+    <a:masterClrMapping/>
+  </p:clrMapOvr>
+</p:notes>
+</file>
+
+<file path=ppt/notesSlides/notesSlide12.xml><?xml version="1.0" encoding="utf-8"?>
+<p:notes xmlns:a="http://schemas.openxmlformats.org/drawingml/2006/main" xmlns:r="http://schemas.openxmlformats.org/officeDocument/2006/relationships" xmlns:p="http://schemas.openxmlformats.org/presentationml/2006/main" showMasterSp="0" showMasterPhAnim="0">
+  <p:cSld>
+    <p:spTree>
+      <p:nvGrpSpPr>
         <p:cNvPr id="1" name="Shape 240"/>
         <p:cNvGrpSpPr/>
         <p:nvPr/>
@@ -969,7 +1079,7 @@
         </p:nvSpPr>
         <p:spPr>
           <a:xfrm>
-            <a:off x="686100" y="685800"/>
+            <a:off x="685800" y="685800"/>
             <a:ext cx="5486400" cy="3429000"/>
           </a:xfrm>
           <a:custGeom>
@@ -1044,7 +1154,7 @@
 </p:notes>
 </file>
 
-<file path=ppt/notesSlides/notesSlide12.xml><?xml version="1.0" encoding="utf-8"?>
+<file path=ppt/notesSlides/notesSlide13.xml><?xml version="1.0" encoding="utf-8"?>
 <p:notes xmlns:a="http://schemas.openxmlformats.org/drawingml/2006/main" xmlns:r="http://schemas.openxmlformats.org/officeDocument/2006/relationships" xmlns:p="http://schemas.openxmlformats.org/presentationml/2006/main" showMasterSp="0" showMasterPhAnim="0">
   <p:cSld>
     <p:spTree>
@@ -1073,7 +1183,7 @@
         </p:nvSpPr>
         <p:spPr>
           <a:xfrm>
-            <a:off x="686100" y="685800"/>
+            <a:off x="685800" y="685800"/>
             <a:ext cx="5486400" cy="3429000"/>
           </a:xfrm>
           <a:custGeom>
@@ -1257,110 +1367,6 @@
   <p:cSld>
     <p:spTree>
       <p:nvGrpSpPr>
-        <p:cNvPr id="1" name="Shape 102"/>
-        <p:cNvGrpSpPr/>
-        <p:nvPr/>
-      </p:nvGrpSpPr>
-      <p:grpSpPr>
-        <a:xfrm>
-          <a:off x="0" y="0"/>
-          <a:ext cx="0" cy="0"/>
-          <a:chOff x="0" y="0"/>
-          <a:chExt cx="0" cy="0"/>
-        </a:xfrm>
-      </p:grpSpPr>
-      <p:sp>
-        <p:nvSpPr>
-          <p:cNvPr id="103" name="Google Shape;103;g351b5d350a_0_50:notes"/>
-          <p:cNvSpPr>
-            <a:spLocks noGrp="1" noRot="1" noChangeAspect="1"/>
-          </p:cNvSpPr>
-          <p:nvPr>
-            <p:ph type="sldImg" idx="2"/>
-          </p:nvPr>
-        </p:nvSpPr>
-        <p:spPr>
-          <a:xfrm>
-            <a:off x="686104" y="685800"/>
-            <a:ext cx="5486400" cy="3429000"/>
-          </a:xfrm>
-          <a:custGeom>
-            <a:avLst/>
-            <a:gdLst/>
-            <a:ahLst/>
-            <a:cxnLst/>
-            <a:rect l="l" t="t" r="r" b="b"/>
-            <a:pathLst>
-              <a:path w="120000" h="120000" extrusionOk="0">
-                <a:moveTo>
-                  <a:pt x="0" y="0"/>
-                </a:moveTo>
-                <a:lnTo>
-                  <a:pt x="120000" y="0"/>
-                </a:lnTo>
-                <a:lnTo>
-                  <a:pt x="120000" y="120000"/>
-                </a:lnTo>
-                <a:lnTo>
-                  <a:pt x="0" y="120000"/>
-                </a:lnTo>
-                <a:close/>
-              </a:path>
-            </a:pathLst>
-          </a:custGeom>
-        </p:spPr>
-      </p:sp>
-      <p:sp>
-        <p:nvSpPr>
-          <p:cNvPr id="104" name="Google Shape;104;g351b5d350a_0_50:notes"/>
-          <p:cNvSpPr txBox="1">
-            <a:spLocks noGrp="1"/>
-          </p:cNvSpPr>
-          <p:nvPr>
-            <p:ph type="body" idx="1"/>
-          </p:nvPr>
-        </p:nvSpPr>
-        <p:spPr>
-          <a:xfrm>
-            <a:off x="685800" y="4343400"/>
-            <a:ext cx="5486400" cy="4114800"/>
-          </a:xfrm>
-          <a:prstGeom prst="rect">
-            <a:avLst/>
-          </a:prstGeom>
-        </p:spPr>
-        <p:txBody>
-          <a:bodyPr spcFirstLastPara="1" wrap="square" lIns="91425" tIns="91425" rIns="91425" bIns="91425" anchor="t" anchorCtr="0">
-            <a:noAutofit/>
-          </a:bodyPr>
-          <a:lstStyle/>
-          <a:p>
-            <a:pPr marL="0" lvl="0" indent="0" algn="l" rtl="0">
-              <a:spcBef>
-                <a:spcPts val="0"/>
-              </a:spcBef>
-              <a:spcAft>
-                <a:spcPts val="0"/>
-              </a:spcAft>
-              <a:buNone/>
-            </a:pPr>
-            <a:endParaRPr/>
-          </a:p>
-        </p:txBody>
-      </p:sp>
-    </p:spTree>
-  </p:cSld>
-  <p:clrMapOvr>
-    <a:masterClrMapping/>
-  </p:clrMapOvr>
-</p:notes>
-</file>
-
-<file path=ppt/notesSlides/notesSlide4.xml><?xml version="1.0" encoding="utf-8"?>
-<p:notes xmlns:a="http://schemas.openxmlformats.org/drawingml/2006/main" xmlns:r="http://schemas.openxmlformats.org/officeDocument/2006/relationships" xmlns:p="http://schemas.openxmlformats.org/presentationml/2006/main" showMasterSp="0" showMasterPhAnim="0">
-  <p:cSld>
-    <p:spTree>
-      <p:nvGrpSpPr>
         <p:cNvPr id="1" name="Shape 126"/>
         <p:cNvGrpSpPr/>
         <p:nvPr/>
@@ -1385,7 +1391,7 @@
         </p:nvSpPr>
         <p:spPr>
           <a:xfrm>
-            <a:off x="686104" y="685800"/>
+            <a:off x="685800" y="685800"/>
             <a:ext cx="5486400" cy="3429000"/>
           </a:xfrm>
           <a:custGeom>
@@ -1460,7 +1466,7 @@
 </p:notes>
 </file>
 
-<file path=ppt/notesSlides/notesSlide5.xml><?xml version="1.0" encoding="utf-8"?>
+<file path=ppt/notesSlides/notesSlide4.xml><?xml version="1.0" encoding="utf-8"?>
 <p:notes xmlns:a="http://schemas.openxmlformats.org/drawingml/2006/main" xmlns:r="http://schemas.openxmlformats.org/officeDocument/2006/relationships" xmlns:p="http://schemas.openxmlformats.org/presentationml/2006/main" showMasterSp="0" showMasterPhAnim="0">
   <p:cSld>
     <p:spTree>
@@ -1489,7 +1495,7 @@
         </p:nvSpPr>
         <p:spPr>
           <a:xfrm>
-            <a:off x="686100" y="685800"/>
+            <a:off x="685800" y="685800"/>
             <a:ext cx="5486400" cy="3429000"/>
           </a:xfrm>
           <a:custGeom>
@@ -1564,7 +1570,7 @@
 </p:notes>
 </file>
 
-<file path=ppt/notesSlides/notesSlide6.xml><?xml version="1.0" encoding="utf-8"?>
+<file path=ppt/notesSlides/notesSlide5.xml><?xml version="1.0" encoding="utf-8"?>
 <p:notes xmlns:a="http://schemas.openxmlformats.org/drawingml/2006/main" xmlns:r="http://schemas.openxmlformats.org/officeDocument/2006/relationships" xmlns:p="http://schemas.openxmlformats.org/presentationml/2006/main" showMasterSp="0" showMasterPhAnim="0">
   <p:cSld>
     <p:spTree>
@@ -1593,7 +1599,7 @@
         </p:nvSpPr>
         <p:spPr>
           <a:xfrm>
-            <a:off x="686100" y="685800"/>
+            <a:off x="685800" y="685800"/>
             <a:ext cx="5486400" cy="3429000"/>
           </a:xfrm>
           <a:custGeom>
@@ -1661,6 +1667,11 @@
         </p:txBody>
       </p:sp>
     </p:spTree>
+    <p:extLst>
+      <p:ext uri="{BB962C8B-B14F-4D97-AF65-F5344CB8AC3E}">
+        <p14:creationId xmlns:p14="http://schemas.microsoft.com/office/powerpoint/2010/main" val="304145621"/>
+      </p:ext>
+    </p:extLst>
   </p:cSld>
   <p:clrMapOvr>
     <a:masterClrMapping/>
@@ -1668,7 +1679,7 @@
 </p:notes>
 </file>
 
-<file path=ppt/notesSlides/notesSlide7.xml><?xml version="1.0" encoding="utf-8"?>
+<file path=ppt/notesSlides/notesSlide6.xml><?xml version="1.0" encoding="utf-8"?>
 <p:notes xmlns:a="http://schemas.openxmlformats.org/drawingml/2006/main" xmlns:r="http://schemas.openxmlformats.org/officeDocument/2006/relationships" xmlns:p="http://schemas.openxmlformats.org/presentationml/2006/main" showMasterSp="0" showMasterPhAnim="0">
   <p:cSld>
     <p:spTree>
@@ -1697,7 +1708,7 @@
         </p:nvSpPr>
         <p:spPr>
           <a:xfrm>
-            <a:off x="686100" y="685800"/>
+            <a:off x="685800" y="685800"/>
             <a:ext cx="5486400" cy="3429000"/>
           </a:xfrm>
           <a:custGeom>
@@ -1772,7 +1783,7 @@
 </p:notes>
 </file>
 
-<file path=ppt/notesSlides/notesSlide8.xml><?xml version="1.0" encoding="utf-8"?>
+<file path=ppt/notesSlides/notesSlide7.xml><?xml version="1.0" encoding="utf-8"?>
 <p:notes xmlns:a="http://schemas.openxmlformats.org/drawingml/2006/main" xmlns:r="http://schemas.openxmlformats.org/officeDocument/2006/relationships" xmlns:p="http://schemas.openxmlformats.org/presentationml/2006/main" showMasterSp="0" showMasterPhAnim="0">
   <p:cSld>
     <p:spTree>
@@ -1801,7 +1812,7 @@
         </p:nvSpPr>
         <p:spPr>
           <a:xfrm>
-            <a:off x="686100" y="685800"/>
+            <a:off x="685800" y="685800"/>
             <a:ext cx="5486400" cy="3429000"/>
           </a:xfrm>
           <a:custGeom>
@@ -1876,6 +1887,110 @@
 </p:notes>
 </file>
 
+<file path=ppt/notesSlides/notesSlide8.xml><?xml version="1.0" encoding="utf-8"?>
+<p:notes xmlns:a="http://schemas.openxmlformats.org/drawingml/2006/main" xmlns:r="http://schemas.openxmlformats.org/officeDocument/2006/relationships" xmlns:p="http://schemas.openxmlformats.org/presentationml/2006/main" showMasterSp="0" showMasterPhAnim="0">
+  <p:cSld>
+    <p:spTree>
+      <p:nvGrpSpPr>
+        <p:cNvPr id="1" name="Shape 155"/>
+        <p:cNvGrpSpPr/>
+        <p:nvPr/>
+      </p:nvGrpSpPr>
+      <p:grpSpPr>
+        <a:xfrm>
+          <a:off x="0" y="0"/>
+          <a:ext cx="0" cy="0"/>
+          <a:chOff x="0" y="0"/>
+          <a:chExt cx="0" cy="0"/>
+        </a:xfrm>
+      </p:grpSpPr>
+      <p:sp>
+        <p:nvSpPr>
+          <p:cNvPr id="156" name="Google Shape;156;g3623b44869_0_4:notes"/>
+          <p:cNvSpPr>
+            <a:spLocks noGrp="1" noRot="1" noChangeAspect="1"/>
+          </p:cNvSpPr>
+          <p:nvPr>
+            <p:ph type="sldImg" idx="2"/>
+          </p:nvPr>
+        </p:nvSpPr>
+        <p:spPr>
+          <a:xfrm>
+            <a:off x="685800" y="685800"/>
+            <a:ext cx="5486400" cy="3429000"/>
+          </a:xfrm>
+          <a:custGeom>
+            <a:avLst/>
+            <a:gdLst/>
+            <a:ahLst/>
+            <a:cxnLst/>
+            <a:rect l="l" t="t" r="r" b="b"/>
+            <a:pathLst>
+              <a:path w="120000" h="120000" extrusionOk="0">
+                <a:moveTo>
+                  <a:pt x="0" y="0"/>
+                </a:moveTo>
+                <a:lnTo>
+                  <a:pt x="120000" y="0"/>
+                </a:lnTo>
+                <a:lnTo>
+                  <a:pt x="120000" y="120000"/>
+                </a:lnTo>
+                <a:lnTo>
+                  <a:pt x="0" y="120000"/>
+                </a:lnTo>
+                <a:close/>
+              </a:path>
+            </a:pathLst>
+          </a:custGeom>
+        </p:spPr>
+      </p:sp>
+      <p:sp>
+        <p:nvSpPr>
+          <p:cNvPr id="157" name="Google Shape;157;g3623b44869_0_4:notes"/>
+          <p:cNvSpPr txBox="1">
+            <a:spLocks noGrp="1"/>
+          </p:cNvSpPr>
+          <p:nvPr>
+            <p:ph type="body" idx="1"/>
+          </p:nvPr>
+        </p:nvSpPr>
+        <p:spPr>
+          <a:xfrm>
+            <a:off x="685800" y="4343400"/>
+            <a:ext cx="5486400" cy="4114800"/>
+          </a:xfrm>
+          <a:prstGeom prst="rect">
+            <a:avLst/>
+          </a:prstGeom>
+        </p:spPr>
+        <p:txBody>
+          <a:bodyPr spcFirstLastPara="1" wrap="square" lIns="91425" tIns="91425" rIns="91425" bIns="91425" anchor="t" anchorCtr="0">
+            <a:noAutofit/>
+          </a:bodyPr>
+          <a:lstStyle/>
+          <a:p>
+            <a:pPr marL="0" lvl="0" indent="0" algn="l" rtl="0">
+              <a:spcBef>
+                <a:spcPts val="0"/>
+              </a:spcBef>
+              <a:spcAft>
+                <a:spcPts val="0"/>
+              </a:spcAft>
+              <a:buNone/>
+            </a:pPr>
+            <a:endParaRPr/>
+          </a:p>
+        </p:txBody>
+      </p:sp>
+    </p:spTree>
+  </p:cSld>
+  <p:clrMapOvr>
+    <a:masterClrMapping/>
+  </p:clrMapOvr>
+</p:notes>
+</file>
+
 <file path=ppt/notesSlides/notesSlide9.xml><?xml version="1.0" encoding="utf-8"?>
 <p:notes xmlns:a="http://schemas.openxmlformats.org/drawingml/2006/main" xmlns:r="http://schemas.openxmlformats.org/officeDocument/2006/relationships" xmlns:p="http://schemas.openxmlformats.org/presentationml/2006/main" showMasterSp="0" showMasterPhAnim="0">
   <p:cSld>
@@ -1905,7 +2020,7 @@
         </p:nvSpPr>
         <p:spPr>
           <a:xfrm>
-            <a:off x="686100" y="685800"/>
+            <a:off x="685800" y="685800"/>
             <a:ext cx="5486400" cy="3429000"/>
           </a:xfrm>
           <a:custGeom>
@@ -13388,8 +13503,8 @@
         </p:nvSpPr>
         <p:spPr>
           <a:xfrm>
-            <a:off x="1694546" y="2815864"/>
-            <a:ext cx="5754900" cy="926400"/>
+            <a:off x="1694546" y="2330344"/>
+            <a:ext cx="5754900" cy="527156"/>
           </a:xfrm>
           <a:prstGeom prst="rect">
             <a:avLst/>
@@ -13423,7 +13538,7 @@
               <a:buNone/>
             </a:pPr>
             <a:r>
-              <a:rPr lang="it-IT" sz="2200" dirty="0">
+              <a:rPr lang="it-IT" sz="1800" dirty="0">
                 <a:solidFill>
                   <a:srgbClr val="FFFFFF"/>
                 </a:solidFill>
@@ -13434,7 +13549,7 @@
               </a:rPr>
               <a:t>Caso di studio – Gruppo 26</a:t>
             </a:r>
-            <a:endParaRPr sz="2200" dirty="0">
+            <a:endParaRPr sz="1800" dirty="0">
               <a:solidFill>
                 <a:srgbClr val="FFFFFF"/>
               </a:solidFill>
@@ -13613,7 +13728,7 @@
         </p:nvSpPr>
         <p:spPr>
           <a:xfrm>
-            <a:off x="3232132" y="3617197"/>
+            <a:off x="3232131" y="2912998"/>
             <a:ext cx="2679729" cy="1169551"/>
           </a:xfrm>
           <a:prstGeom prst="rect">
@@ -13703,70 +13818,6 @@
               </a:rPr>
               <a:t>Volpe Giuseppe</a:t>
             </a:r>
-          </a:p>
-        </p:txBody>
-      </p:sp>
-      <p:sp>
-        <p:nvSpPr>
-          <p:cNvPr id="13" name="Google Shape;79;p25">
-            <a:extLst>
-              <a:ext uri="{FF2B5EF4-FFF2-40B4-BE49-F238E27FC236}">
-                <a16:creationId xmlns:a16="http://schemas.microsoft.com/office/drawing/2014/main" id="{858B56D8-D022-EAAC-755C-0A8BBBA05F25}"/>
-              </a:ext>
-            </a:extLst>
-          </p:cNvPr>
-          <p:cNvSpPr txBox="1"/>
-          <p:nvPr/>
-        </p:nvSpPr>
-        <p:spPr>
-          <a:xfrm>
-            <a:off x="2573914" y="2438563"/>
-            <a:ext cx="3996171" cy="249460"/>
-          </a:xfrm>
-          <a:prstGeom prst="rect">
-            <a:avLst/>
-          </a:prstGeom>
-          <a:noFill/>
-          <a:ln>
-            <a:noFill/>
-          </a:ln>
-        </p:spPr>
-        <p:txBody>
-          <a:bodyPr spcFirstLastPara="1" wrap="square" lIns="91425" tIns="91425" rIns="91425" bIns="91425" anchor="ctr" anchorCtr="0">
-            <a:noAutofit/>
-          </a:bodyPr>
-          <a:lstStyle/>
-          <a:p>
-            <a:pPr marL="0" lvl="0" indent="0" algn="ctr" rtl="0">
-              <a:spcBef>
-                <a:spcPts val="0"/>
-              </a:spcBef>
-              <a:spcAft>
-                <a:spcPts val="0"/>
-              </a:spcAft>
-              <a:buNone/>
-            </a:pPr>
-            <a:r>
-              <a:rPr lang="it-IT" sz="1800" i="1" dirty="0">
-                <a:solidFill>
-                  <a:srgbClr val="FFFFFF"/>
-                </a:solidFill>
-                <a:latin typeface="Titillium Web"/>
-                <a:ea typeface="Titillium Web"/>
-                <a:cs typeface="Titillium Web"/>
-                <a:sym typeface="Titillium Web"/>
-              </a:rPr>
-              <a:t>Sito Università degli Studi di Firenze</a:t>
-            </a:r>
-            <a:endParaRPr sz="1800" i="1" dirty="0">
-              <a:solidFill>
-                <a:srgbClr val="FFFFFF"/>
-              </a:solidFill>
-              <a:latin typeface="Titillium Web"/>
-              <a:ea typeface="Titillium Web"/>
-              <a:cs typeface="Titillium Web"/>
-              <a:sym typeface="Titillium Web"/>
-            </a:endParaRPr>
           </a:p>
         </p:txBody>
       </p:sp>
@@ -13792,7 +13843,7 @@
         </p:blipFill>
         <p:spPr>
           <a:xfrm>
-            <a:off x="188714" y="365545"/>
+            <a:off x="0" y="32097"/>
             <a:ext cx="6328862" cy="812260"/>
           </a:xfrm>
           <a:prstGeom prst="rect">
@@ -15775,6 +15826,1469 @@
 <file path=ppt/slides/slide11.xml><?xml version="1.0" encoding="utf-8"?>
 <p:sld xmlns:a="http://schemas.openxmlformats.org/drawingml/2006/main" xmlns:r="http://schemas.openxmlformats.org/officeDocument/2006/relationships" xmlns:p="http://schemas.openxmlformats.org/presentationml/2006/main">
   <p:cSld>
+    <p:bg>
+      <p:bgPr>
+        <a:solidFill>
+          <a:srgbClr val="FFFFFF"/>
+        </a:solidFill>
+        <a:effectLst/>
+      </p:bgPr>
+    </p:bg>
+    <p:spTree>
+      <p:nvGrpSpPr>
+        <p:cNvPr id="1" name="Shape 214"/>
+        <p:cNvGrpSpPr/>
+        <p:nvPr/>
+      </p:nvGrpSpPr>
+      <p:grpSpPr>
+        <a:xfrm>
+          <a:off x="0" y="0"/>
+          <a:ext cx="0" cy="0"/>
+          <a:chOff x="0" y="0"/>
+          <a:chExt cx="0" cy="0"/>
+        </a:xfrm>
+      </p:grpSpPr>
+      <p:sp>
+        <p:nvSpPr>
+          <p:cNvPr id="215" name="Google Shape;215;p34"/>
+          <p:cNvSpPr txBox="1">
+            <a:spLocks noGrp="1"/>
+          </p:cNvSpPr>
+          <p:nvPr>
+            <p:ph type="sldNum" idx="12"/>
+          </p:nvPr>
+        </p:nvSpPr>
+        <p:spPr>
+          <a:xfrm>
+            <a:off x="8472458" y="5181352"/>
+            <a:ext cx="548700" cy="437400"/>
+          </a:xfrm>
+          <a:prstGeom prst="rect">
+            <a:avLst/>
+          </a:prstGeom>
+        </p:spPr>
+        <p:txBody>
+          <a:bodyPr spcFirstLastPara="1" wrap="square" lIns="91425" tIns="91425" rIns="91425" bIns="91425" anchor="ctr" anchorCtr="0">
+            <a:noAutofit/>
+          </a:bodyPr>
+          <a:lstStyle/>
+          <a:p>
+            <a:pPr marL="0" lvl="0" indent="0" algn="r" rtl="0">
+              <a:spcBef>
+                <a:spcPts val="0"/>
+              </a:spcBef>
+              <a:spcAft>
+                <a:spcPts val="0"/>
+              </a:spcAft>
+              <a:buNone/>
+            </a:pPr>
+            <a:fld id="{00000000-1234-1234-1234-123412341234}" type="slidenum">
+              <a:rPr lang="it"/>
+              <a:t>11</a:t>
+            </a:fld>
+            <a:endParaRPr/>
+          </a:p>
+        </p:txBody>
+      </p:sp>
+      <p:sp>
+        <p:nvSpPr>
+          <p:cNvPr id="216" name="Google Shape;216;p34"/>
+          <p:cNvSpPr txBox="1"/>
+          <p:nvPr/>
+        </p:nvSpPr>
+        <p:spPr>
+          <a:xfrm>
+            <a:off x="284625" y="354450"/>
+            <a:ext cx="3881100" cy="311400"/>
+          </a:xfrm>
+          <a:prstGeom prst="rect">
+            <a:avLst/>
+          </a:prstGeom>
+          <a:noFill/>
+          <a:ln>
+            <a:noFill/>
+          </a:ln>
+        </p:spPr>
+        <p:txBody>
+          <a:bodyPr spcFirstLastPara="1" wrap="square" lIns="91425" tIns="91425" rIns="91425" bIns="91425" anchor="ctr" anchorCtr="0">
+            <a:noAutofit/>
+          </a:bodyPr>
+          <a:lstStyle/>
+          <a:p>
+            <a:pPr marL="0" lvl="0" indent="0" algn="l" rtl="0">
+              <a:spcBef>
+                <a:spcPts val="0"/>
+              </a:spcBef>
+              <a:spcAft>
+                <a:spcPts val="0"/>
+              </a:spcAft>
+              <a:buNone/>
+            </a:pPr>
+            <a:r>
+              <a:rPr lang="it" sz="1200">
+                <a:solidFill>
+                  <a:srgbClr val="0066CC"/>
+                </a:solidFill>
+                <a:latin typeface="Titillium Web SemiBold"/>
+                <a:ea typeface="Titillium Web SemiBold"/>
+                <a:cs typeface="Titillium Web SemiBold"/>
+                <a:sym typeface="Titillium Web SemiBold"/>
+              </a:rPr>
+              <a:t>Elenco dei task con relativo criterio di successo</a:t>
+            </a:r>
+            <a:endParaRPr sz="1200">
+              <a:solidFill>
+                <a:srgbClr val="0066CC"/>
+              </a:solidFill>
+              <a:latin typeface="Titillium Web SemiBold"/>
+              <a:ea typeface="Titillium Web SemiBold"/>
+              <a:cs typeface="Titillium Web SemiBold"/>
+              <a:sym typeface="Titillium Web SemiBold"/>
+            </a:endParaRPr>
+          </a:p>
+        </p:txBody>
+      </p:sp>
+      <p:sp>
+        <p:nvSpPr>
+          <p:cNvPr id="217" name="Google Shape;217;p34"/>
+          <p:cNvSpPr txBox="1"/>
+          <p:nvPr/>
+        </p:nvSpPr>
+        <p:spPr>
+          <a:xfrm>
+            <a:off x="3083925" y="4685300"/>
+            <a:ext cx="4409400" cy="566700"/>
+          </a:xfrm>
+          <a:prstGeom prst="rect">
+            <a:avLst/>
+          </a:prstGeom>
+          <a:noFill/>
+          <a:ln>
+            <a:noFill/>
+          </a:ln>
+        </p:spPr>
+        <p:txBody>
+          <a:bodyPr spcFirstLastPara="1" wrap="square" lIns="91425" tIns="91425" rIns="91425" bIns="91425" anchor="t" anchorCtr="0">
+            <a:noAutofit/>
+          </a:bodyPr>
+          <a:lstStyle/>
+          <a:p>
+            <a:pPr marL="0" lvl="0" indent="0" algn="l" rtl="0">
+              <a:lnSpc>
+                <a:spcPct val="115000"/>
+              </a:lnSpc>
+              <a:spcBef>
+                <a:spcPts val="0"/>
+              </a:spcBef>
+              <a:spcAft>
+                <a:spcPts val="0"/>
+              </a:spcAft>
+              <a:buNone/>
+            </a:pPr>
+            <a:r>
+              <a:rPr lang="it" sz="800" b="1">
+                <a:solidFill>
+                  <a:srgbClr val="0056CB"/>
+                </a:solidFill>
+                <a:latin typeface="Titillium Web"/>
+                <a:ea typeface="Titillium Web"/>
+                <a:cs typeface="Titillium Web"/>
+                <a:sym typeface="Titillium Web"/>
+              </a:rPr>
+              <a:t>* </a:t>
+            </a:r>
+            <a:r>
+              <a:rPr lang="it" sz="800">
+                <a:solidFill>
+                  <a:srgbClr val="0056CB"/>
+                </a:solidFill>
+                <a:latin typeface="Titillium Web"/>
+                <a:ea typeface="Titillium Web"/>
+                <a:cs typeface="Titillium Web"/>
+                <a:sym typeface="Titillium Web"/>
+              </a:rPr>
+              <a:t>Per </a:t>
+            </a:r>
+            <a:r>
+              <a:rPr lang="it" sz="800" b="1">
+                <a:solidFill>
+                  <a:srgbClr val="0056CB"/>
+                </a:solidFill>
+                <a:latin typeface="Titillium Web"/>
+                <a:ea typeface="Titillium Web"/>
+                <a:cs typeface="Titillium Web"/>
+                <a:sym typeface="Titillium Web"/>
+              </a:rPr>
+              <a:t>“criterio di successo 1”</a:t>
+            </a:r>
+            <a:r>
+              <a:rPr lang="it" sz="800">
+                <a:solidFill>
+                  <a:srgbClr val="0056CB"/>
+                </a:solidFill>
+                <a:latin typeface="Titillium Web"/>
+                <a:ea typeface="Titillium Web"/>
+                <a:cs typeface="Titillium Web"/>
+                <a:sym typeface="Titillium Web"/>
+              </a:rPr>
+              <a:t> si intende ogni pagina che soddisfi il task o ogni frammento di informazione che deve essere letto o capito in quella pagina; </a:t>
+            </a:r>
+            <a:endParaRPr sz="800">
+              <a:solidFill>
+                <a:srgbClr val="0056CB"/>
+              </a:solidFill>
+              <a:latin typeface="Titillium Web"/>
+              <a:ea typeface="Titillium Web"/>
+              <a:cs typeface="Titillium Web"/>
+              <a:sym typeface="Titillium Web"/>
+            </a:endParaRPr>
+          </a:p>
+          <a:p>
+            <a:pPr marL="0" lvl="0" indent="0" algn="l" rtl="0">
+              <a:lnSpc>
+                <a:spcPct val="115000"/>
+              </a:lnSpc>
+              <a:spcBef>
+                <a:spcPts val="0"/>
+              </a:spcBef>
+              <a:spcAft>
+                <a:spcPts val="0"/>
+              </a:spcAft>
+              <a:buNone/>
+            </a:pPr>
+            <a:endParaRPr sz="800">
+              <a:solidFill>
+                <a:srgbClr val="0056CB"/>
+              </a:solidFill>
+              <a:latin typeface="Titillium Web"/>
+              <a:ea typeface="Titillium Web"/>
+              <a:cs typeface="Titillium Web"/>
+              <a:sym typeface="Titillium Web"/>
+            </a:endParaRPr>
+          </a:p>
+          <a:p>
+            <a:pPr marL="0" lvl="0" indent="0" algn="l" rtl="0">
+              <a:lnSpc>
+                <a:spcPct val="115000"/>
+              </a:lnSpc>
+              <a:spcBef>
+                <a:spcPts val="0"/>
+              </a:spcBef>
+              <a:spcAft>
+                <a:spcPts val="0"/>
+              </a:spcAft>
+              <a:buNone/>
+            </a:pPr>
+            <a:r>
+              <a:rPr lang="it" sz="800">
+                <a:solidFill>
+                  <a:srgbClr val="0056CB"/>
+                </a:solidFill>
+                <a:latin typeface="Titillium Web"/>
+                <a:ea typeface="Titillium Web"/>
+                <a:cs typeface="Titillium Web"/>
+                <a:sym typeface="Titillium Web"/>
+              </a:rPr>
+              <a:t>** Per </a:t>
+            </a:r>
+            <a:r>
+              <a:rPr lang="it" sz="800" b="1">
+                <a:solidFill>
+                  <a:srgbClr val="0056CB"/>
+                </a:solidFill>
+                <a:latin typeface="Titillium Web"/>
+                <a:ea typeface="Titillium Web"/>
+                <a:cs typeface="Titillium Web"/>
+                <a:sym typeface="Titillium Web"/>
+              </a:rPr>
+              <a:t>“criterio di successo 2”</a:t>
+            </a:r>
+            <a:r>
+              <a:rPr lang="it" sz="800">
+                <a:solidFill>
+                  <a:srgbClr val="0056CB"/>
+                </a:solidFill>
+                <a:latin typeface="Titillium Web"/>
+                <a:ea typeface="Titillium Web"/>
+                <a:cs typeface="Titillium Web"/>
+                <a:sym typeface="Titillium Web"/>
+              </a:rPr>
+              <a:t> ogni azione eseguita all'interno di quella pagina che sia necessaria e sufficiente per considerare il task riuscito. </a:t>
+            </a:r>
+            <a:endParaRPr sz="800">
+              <a:solidFill>
+                <a:srgbClr val="0056CB"/>
+              </a:solidFill>
+              <a:latin typeface="Titillium Web"/>
+              <a:ea typeface="Titillium Web"/>
+              <a:cs typeface="Titillium Web"/>
+              <a:sym typeface="Titillium Web"/>
+            </a:endParaRPr>
+          </a:p>
+          <a:p>
+            <a:pPr marL="0" lvl="0" indent="0" algn="l" rtl="0">
+              <a:lnSpc>
+                <a:spcPct val="115000"/>
+              </a:lnSpc>
+              <a:spcBef>
+                <a:spcPts val="0"/>
+              </a:spcBef>
+              <a:spcAft>
+                <a:spcPts val="0"/>
+              </a:spcAft>
+              <a:buNone/>
+            </a:pPr>
+            <a:endParaRPr sz="800">
+              <a:solidFill>
+                <a:srgbClr val="0056CB"/>
+              </a:solidFill>
+              <a:latin typeface="Titillium Web"/>
+              <a:ea typeface="Titillium Web"/>
+              <a:cs typeface="Titillium Web"/>
+              <a:sym typeface="Titillium Web"/>
+            </a:endParaRPr>
+          </a:p>
+          <a:p>
+            <a:pPr marL="0" lvl="0" indent="0" algn="l" rtl="0">
+              <a:lnSpc>
+                <a:spcPct val="115000"/>
+              </a:lnSpc>
+              <a:spcBef>
+                <a:spcPts val="0"/>
+              </a:spcBef>
+              <a:spcAft>
+                <a:spcPts val="0"/>
+              </a:spcAft>
+              <a:buNone/>
+            </a:pPr>
+            <a:endParaRPr sz="800">
+              <a:solidFill>
+                <a:srgbClr val="0056CB"/>
+              </a:solidFill>
+              <a:latin typeface="Titillium Web"/>
+              <a:ea typeface="Titillium Web"/>
+              <a:cs typeface="Titillium Web"/>
+              <a:sym typeface="Titillium Web"/>
+            </a:endParaRPr>
+          </a:p>
+          <a:p>
+            <a:pPr marL="0" lvl="0" indent="0" algn="l" rtl="0">
+              <a:lnSpc>
+                <a:spcPct val="115000"/>
+              </a:lnSpc>
+              <a:spcBef>
+                <a:spcPts val="0"/>
+              </a:spcBef>
+              <a:spcAft>
+                <a:spcPts val="0"/>
+              </a:spcAft>
+              <a:buNone/>
+            </a:pPr>
+            <a:endParaRPr sz="800">
+              <a:solidFill>
+                <a:srgbClr val="0056CB"/>
+              </a:solidFill>
+              <a:latin typeface="Titillium Web"/>
+              <a:ea typeface="Titillium Web"/>
+              <a:cs typeface="Titillium Web"/>
+              <a:sym typeface="Titillium Web"/>
+            </a:endParaRPr>
+          </a:p>
+          <a:p>
+            <a:pPr marL="0" lvl="0" indent="0" algn="l" rtl="0">
+              <a:lnSpc>
+                <a:spcPct val="115000"/>
+              </a:lnSpc>
+              <a:spcBef>
+                <a:spcPts val="0"/>
+              </a:spcBef>
+              <a:spcAft>
+                <a:spcPts val="0"/>
+              </a:spcAft>
+              <a:buNone/>
+            </a:pPr>
+            <a:endParaRPr sz="800">
+              <a:solidFill>
+                <a:srgbClr val="0056CB"/>
+              </a:solidFill>
+              <a:latin typeface="Titillium Web"/>
+              <a:ea typeface="Titillium Web"/>
+              <a:cs typeface="Titillium Web"/>
+              <a:sym typeface="Titillium Web"/>
+            </a:endParaRPr>
+          </a:p>
+          <a:p>
+            <a:pPr marL="0" lvl="0" indent="0" algn="l" rtl="0">
+              <a:lnSpc>
+                <a:spcPct val="115000"/>
+              </a:lnSpc>
+              <a:spcBef>
+                <a:spcPts val="0"/>
+              </a:spcBef>
+              <a:spcAft>
+                <a:spcPts val="0"/>
+              </a:spcAft>
+              <a:buNone/>
+            </a:pPr>
+            <a:endParaRPr sz="800">
+              <a:solidFill>
+                <a:srgbClr val="0056CB"/>
+              </a:solidFill>
+              <a:latin typeface="Titillium Web"/>
+              <a:ea typeface="Titillium Web"/>
+              <a:cs typeface="Titillium Web"/>
+              <a:sym typeface="Titillium Web"/>
+            </a:endParaRPr>
+          </a:p>
+          <a:p>
+            <a:pPr marL="0" lvl="0" indent="0" algn="l" rtl="0">
+              <a:lnSpc>
+                <a:spcPct val="115000"/>
+              </a:lnSpc>
+              <a:spcBef>
+                <a:spcPts val="0"/>
+              </a:spcBef>
+              <a:spcAft>
+                <a:spcPts val="0"/>
+              </a:spcAft>
+              <a:buNone/>
+            </a:pPr>
+            <a:endParaRPr sz="800">
+              <a:solidFill>
+                <a:srgbClr val="0056CB"/>
+              </a:solidFill>
+              <a:latin typeface="Titillium Web"/>
+              <a:ea typeface="Titillium Web"/>
+              <a:cs typeface="Titillium Web"/>
+              <a:sym typeface="Titillium Web"/>
+            </a:endParaRPr>
+          </a:p>
+          <a:p>
+            <a:pPr marL="0" lvl="0" indent="0" algn="l" rtl="0">
+              <a:lnSpc>
+                <a:spcPct val="115000"/>
+              </a:lnSpc>
+              <a:spcBef>
+                <a:spcPts val="0"/>
+              </a:spcBef>
+              <a:spcAft>
+                <a:spcPts val="0"/>
+              </a:spcAft>
+              <a:buNone/>
+            </a:pPr>
+            <a:r>
+              <a:rPr lang="it" sz="800">
+                <a:solidFill>
+                  <a:srgbClr val="0056CB"/>
+                </a:solidFill>
+                <a:latin typeface="Titillium Web"/>
+                <a:ea typeface="Titillium Web"/>
+                <a:cs typeface="Titillium Web"/>
+                <a:sym typeface="Titillium Web"/>
+              </a:rPr>
+              <a:t> </a:t>
+            </a:r>
+            <a:endParaRPr sz="800">
+              <a:solidFill>
+                <a:srgbClr val="0056CB"/>
+              </a:solidFill>
+              <a:latin typeface="Titillium Web"/>
+              <a:ea typeface="Titillium Web"/>
+              <a:cs typeface="Titillium Web"/>
+              <a:sym typeface="Titillium Web"/>
+            </a:endParaRPr>
+          </a:p>
+        </p:txBody>
+      </p:sp>
+      <p:sp>
+        <p:nvSpPr>
+          <p:cNvPr id="218" name="Google Shape;218;p34"/>
+          <p:cNvSpPr txBox="1"/>
+          <p:nvPr/>
+        </p:nvSpPr>
+        <p:spPr>
+          <a:xfrm>
+            <a:off x="360825" y="1699400"/>
+            <a:ext cx="1813500" cy="739800"/>
+          </a:xfrm>
+          <a:prstGeom prst="rect">
+            <a:avLst/>
+          </a:prstGeom>
+          <a:noFill/>
+          <a:ln>
+            <a:noFill/>
+          </a:ln>
+        </p:spPr>
+        <p:txBody>
+          <a:bodyPr spcFirstLastPara="1" wrap="square" lIns="91425" tIns="91425" rIns="91425" bIns="91425" anchor="t" anchorCtr="0">
+            <a:noAutofit/>
+          </a:bodyPr>
+          <a:lstStyle/>
+          <a:p>
+            <a:pPr marL="0" lvl="0" indent="0" algn="l" rtl="0">
+              <a:spcBef>
+                <a:spcPts val="0"/>
+              </a:spcBef>
+              <a:spcAft>
+                <a:spcPts val="0"/>
+              </a:spcAft>
+              <a:buNone/>
+            </a:pPr>
+            <a:r>
+              <a:rPr lang="it" sz="900">
+                <a:solidFill>
+                  <a:srgbClr val="5A6772"/>
+                </a:solidFill>
+                <a:latin typeface="Titillium Web"/>
+                <a:ea typeface="Titillium Web"/>
+                <a:cs typeface="Titillium Web"/>
+                <a:sym typeface="Titillium Web"/>
+              </a:rPr>
+              <a:t>Descrivi qui il criterio di successo….</a:t>
+            </a:r>
+            <a:endParaRPr sz="900">
+              <a:solidFill>
+                <a:srgbClr val="5A6772"/>
+              </a:solidFill>
+              <a:latin typeface="Titillium Web SemiBold"/>
+              <a:ea typeface="Titillium Web SemiBold"/>
+              <a:cs typeface="Titillium Web SemiBold"/>
+              <a:sym typeface="Titillium Web SemiBold"/>
+            </a:endParaRPr>
+          </a:p>
+        </p:txBody>
+      </p:sp>
+      <p:sp>
+        <p:nvSpPr>
+          <p:cNvPr id="219" name="Google Shape;219;p34"/>
+          <p:cNvSpPr txBox="1"/>
+          <p:nvPr/>
+        </p:nvSpPr>
+        <p:spPr>
+          <a:xfrm>
+            <a:off x="320500" y="1425500"/>
+            <a:ext cx="1894200" cy="359700"/>
+          </a:xfrm>
+          <a:prstGeom prst="rect">
+            <a:avLst/>
+          </a:prstGeom>
+          <a:noFill/>
+          <a:ln>
+            <a:noFill/>
+          </a:ln>
+        </p:spPr>
+        <p:txBody>
+          <a:bodyPr spcFirstLastPara="1" wrap="square" lIns="91425" tIns="91425" rIns="91425" bIns="91425" anchor="t" anchorCtr="0">
+            <a:noAutofit/>
+          </a:bodyPr>
+          <a:lstStyle/>
+          <a:p>
+            <a:pPr marL="0" lvl="0" indent="0" algn="l" rtl="0">
+              <a:lnSpc>
+                <a:spcPct val="115000"/>
+              </a:lnSpc>
+              <a:spcBef>
+                <a:spcPts val="0"/>
+              </a:spcBef>
+              <a:spcAft>
+                <a:spcPts val="0"/>
+              </a:spcAft>
+              <a:buNone/>
+            </a:pPr>
+            <a:r>
+              <a:rPr lang="it" sz="1000" b="1">
+                <a:solidFill>
+                  <a:srgbClr val="00B8CD"/>
+                </a:solidFill>
+                <a:latin typeface="Titillium Web"/>
+                <a:ea typeface="Titillium Web"/>
+                <a:cs typeface="Titillium Web"/>
+                <a:sym typeface="Titillium Web"/>
+              </a:rPr>
+              <a:t>CRITERIO DI SUCCESSO 1*</a:t>
+            </a:r>
+            <a:endParaRPr sz="1000" b="1">
+              <a:solidFill>
+                <a:srgbClr val="00B8CD"/>
+              </a:solidFill>
+              <a:latin typeface="Titillium Web"/>
+              <a:ea typeface="Titillium Web"/>
+              <a:cs typeface="Titillium Web"/>
+              <a:sym typeface="Titillium Web"/>
+            </a:endParaRPr>
+          </a:p>
+          <a:p>
+            <a:pPr marL="0" lvl="0" indent="0" algn="l" rtl="0">
+              <a:lnSpc>
+                <a:spcPct val="115000"/>
+              </a:lnSpc>
+              <a:spcBef>
+                <a:spcPts val="0"/>
+              </a:spcBef>
+              <a:spcAft>
+                <a:spcPts val="0"/>
+              </a:spcAft>
+              <a:buNone/>
+            </a:pPr>
+            <a:endParaRPr sz="1000">
+              <a:solidFill>
+                <a:srgbClr val="5A6772"/>
+              </a:solidFill>
+              <a:latin typeface="Titillium Web SemiBold"/>
+              <a:ea typeface="Titillium Web SemiBold"/>
+              <a:cs typeface="Titillium Web SemiBold"/>
+              <a:sym typeface="Titillium Web SemiBold"/>
+            </a:endParaRPr>
+          </a:p>
+        </p:txBody>
+      </p:sp>
+      <p:sp>
+        <p:nvSpPr>
+          <p:cNvPr id="220" name="Google Shape;220;p34"/>
+          <p:cNvSpPr txBox="1"/>
+          <p:nvPr/>
+        </p:nvSpPr>
+        <p:spPr>
+          <a:xfrm>
+            <a:off x="320500" y="899625"/>
+            <a:ext cx="1128300" cy="359700"/>
+          </a:xfrm>
+          <a:prstGeom prst="rect">
+            <a:avLst/>
+          </a:prstGeom>
+          <a:noFill/>
+          <a:ln>
+            <a:noFill/>
+          </a:ln>
+        </p:spPr>
+        <p:txBody>
+          <a:bodyPr spcFirstLastPara="1" wrap="square" lIns="91425" tIns="91425" rIns="91425" bIns="91425" anchor="t" anchorCtr="0">
+            <a:noAutofit/>
+          </a:bodyPr>
+          <a:lstStyle/>
+          <a:p>
+            <a:pPr marL="0" lvl="0" indent="0" algn="l" rtl="0">
+              <a:lnSpc>
+                <a:spcPct val="115000"/>
+              </a:lnSpc>
+              <a:spcBef>
+                <a:spcPts val="0"/>
+              </a:spcBef>
+              <a:spcAft>
+                <a:spcPts val="0"/>
+              </a:spcAft>
+              <a:buNone/>
+            </a:pPr>
+            <a:r>
+              <a:rPr lang="it" sz="2400" b="1" dirty="0">
+                <a:solidFill>
+                  <a:srgbClr val="0056CB"/>
+                </a:solidFill>
+                <a:latin typeface="Titillium Web"/>
+                <a:ea typeface="Titillium Web"/>
+                <a:cs typeface="Titillium Web"/>
+                <a:sym typeface="Titillium Web"/>
+              </a:rPr>
+              <a:t>TASK 4</a:t>
+            </a:r>
+            <a:endParaRPr sz="2400" b="1" dirty="0">
+              <a:solidFill>
+                <a:srgbClr val="0056CB"/>
+              </a:solidFill>
+              <a:latin typeface="Titillium Web"/>
+              <a:ea typeface="Titillium Web"/>
+              <a:cs typeface="Titillium Web"/>
+              <a:sym typeface="Titillium Web"/>
+            </a:endParaRPr>
+          </a:p>
+          <a:p>
+            <a:pPr marL="0" lvl="0" indent="0" algn="l" rtl="0">
+              <a:lnSpc>
+                <a:spcPct val="115000"/>
+              </a:lnSpc>
+              <a:spcBef>
+                <a:spcPts val="0"/>
+              </a:spcBef>
+              <a:spcAft>
+                <a:spcPts val="0"/>
+              </a:spcAft>
+              <a:buNone/>
+            </a:pPr>
+            <a:endParaRPr sz="2400" dirty="0">
+              <a:solidFill>
+                <a:srgbClr val="0056CB"/>
+              </a:solidFill>
+              <a:latin typeface="Titillium Web SemiBold"/>
+              <a:ea typeface="Titillium Web SemiBold"/>
+              <a:cs typeface="Titillium Web SemiBold"/>
+              <a:sym typeface="Titillium Web SemiBold"/>
+            </a:endParaRPr>
+          </a:p>
+        </p:txBody>
+      </p:sp>
+      <p:sp>
+        <p:nvSpPr>
+          <p:cNvPr id="221" name="Google Shape;221;p34"/>
+          <p:cNvSpPr txBox="1"/>
+          <p:nvPr/>
+        </p:nvSpPr>
+        <p:spPr>
+          <a:xfrm>
+            <a:off x="360825" y="3354150"/>
+            <a:ext cx="1813500" cy="739800"/>
+          </a:xfrm>
+          <a:prstGeom prst="rect">
+            <a:avLst/>
+          </a:prstGeom>
+          <a:noFill/>
+          <a:ln>
+            <a:noFill/>
+          </a:ln>
+        </p:spPr>
+        <p:txBody>
+          <a:bodyPr spcFirstLastPara="1" wrap="square" lIns="91425" tIns="91425" rIns="91425" bIns="91425" anchor="t" anchorCtr="0">
+            <a:noAutofit/>
+          </a:bodyPr>
+          <a:lstStyle/>
+          <a:p>
+            <a:pPr marL="0" lvl="0" indent="0" algn="l" rtl="0">
+              <a:spcBef>
+                <a:spcPts val="0"/>
+              </a:spcBef>
+              <a:spcAft>
+                <a:spcPts val="0"/>
+              </a:spcAft>
+              <a:buNone/>
+            </a:pPr>
+            <a:r>
+              <a:rPr lang="it" sz="900">
+                <a:solidFill>
+                  <a:srgbClr val="5A6772"/>
+                </a:solidFill>
+                <a:latin typeface="Titillium Web"/>
+                <a:ea typeface="Titillium Web"/>
+                <a:cs typeface="Titillium Web"/>
+                <a:sym typeface="Titillium Web"/>
+              </a:rPr>
+              <a:t>Descrivi qui il criterio di successo….</a:t>
+            </a:r>
+            <a:endParaRPr sz="900">
+              <a:solidFill>
+                <a:srgbClr val="5A6772"/>
+              </a:solidFill>
+              <a:latin typeface="Titillium Web SemiBold"/>
+              <a:ea typeface="Titillium Web SemiBold"/>
+              <a:cs typeface="Titillium Web SemiBold"/>
+              <a:sym typeface="Titillium Web SemiBold"/>
+            </a:endParaRPr>
+          </a:p>
+          <a:p>
+            <a:pPr marL="0" lvl="0" indent="0" algn="l" rtl="0">
+              <a:spcBef>
+                <a:spcPts val="0"/>
+              </a:spcBef>
+              <a:spcAft>
+                <a:spcPts val="0"/>
+              </a:spcAft>
+              <a:buNone/>
+            </a:pPr>
+            <a:endParaRPr sz="900">
+              <a:solidFill>
+                <a:srgbClr val="5A6772"/>
+              </a:solidFill>
+              <a:latin typeface="Titillium Web"/>
+              <a:ea typeface="Titillium Web"/>
+              <a:cs typeface="Titillium Web"/>
+              <a:sym typeface="Titillium Web"/>
+            </a:endParaRPr>
+          </a:p>
+        </p:txBody>
+      </p:sp>
+      <p:sp>
+        <p:nvSpPr>
+          <p:cNvPr id="222" name="Google Shape;222;p34"/>
+          <p:cNvSpPr txBox="1"/>
+          <p:nvPr/>
+        </p:nvSpPr>
+        <p:spPr>
+          <a:xfrm>
+            <a:off x="320500" y="3080250"/>
+            <a:ext cx="1894200" cy="359700"/>
+          </a:xfrm>
+          <a:prstGeom prst="rect">
+            <a:avLst/>
+          </a:prstGeom>
+          <a:noFill/>
+          <a:ln>
+            <a:noFill/>
+          </a:ln>
+        </p:spPr>
+        <p:txBody>
+          <a:bodyPr spcFirstLastPara="1" wrap="square" lIns="91425" tIns="91425" rIns="91425" bIns="91425" anchor="t" anchorCtr="0">
+            <a:noAutofit/>
+          </a:bodyPr>
+          <a:lstStyle/>
+          <a:p>
+            <a:pPr marL="0" lvl="0" indent="0" algn="l" rtl="0">
+              <a:lnSpc>
+                <a:spcPct val="115000"/>
+              </a:lnSpc>
+              <a:spcBef>
+                <a:spcPts val="0"/>
+              </a:spcBef>
+              <a:spcAft>
+                <a:spcPts val="0"/>
+              </a:spcAft>
+              <a:buNone/>
+            </a:pPr>
+            <a:r>
+              <a:rPr lang="it" sz="1000" b="1">
+                <a:solidFill>
+                  <a:srgbClr val="00B8CD"/>
+                </a:solidFill>
+                <a:latin typeface="Titillium Web"/>
+                <a:ea typeface="Titillium Web"/>
+                <a:cs typeface="Titillium Web"/>
+                <a:sym typeface="Titillium Web"/>
+              </a:rPr>
+              <a:t>CRITERIO DI SUCCESSO 2**</a:t>
+            </a:r>
+            <a:endParaRPr sz="1000" b="1">
+              <a:solidFill>
+                <a:srgbClr val="00B8CD"/>
+              </a:solidFill>
+              <a:latin typeface="Titillium Web"/>
+              <a:ea typeface="Titillium Web"/>
+              <a:cs typeface="Titillium Web"/>
+              <a:sym typeface="Titillium Web"/>
+            </a:endParaRPr>
+          </a:p>
+          <a:p>
+            <a:pPr marL="0" lvl="0" indent="0" algn="l" rtl="0">
+              <a:lnSpc>
+                <a:spcPct val="115000"/>
+              </a:lnSpc>
+              <a:spcBef>
+                <a:spcPts val="0"/>
+              </a:spcBef>
+              <a:spcAft>
+                <a:spcPts val="0"/>
+              </a:spcAft>
+              <a:buNone/>
+            </a:pPr>
+            <a:endParaRPr sz="1000">
+              <a:solidFill>
+                <a:srgbClr val="5A6772"/>
+              </a:solidFill>
+              <a:latin typeface="Titillium Web SemiBold"/>
+              <a:ea typeface="Titillium Web SemiBold"/>
+              <a:cs typeface="Titillium Web SemiBold"/>
+              <a:sym typeface="Titillium Web SemiBold"/>
+            </a:endParaRPr>
+          </a:p>
+        </p:txBody>
+      </p:sp>
+      <p:cxnSp>
+        <p:nvCxnSpPr>
+          <p:cNvPr id="223" name="Google Shape;223;p34"/>
+          <p:cNvCxnSpPr/>
+          <p:nvPr/>
+        </p:nvCxnSpPr>
+        <p:spPr>
+          <a:xfrm>
+            <a:off x="413450" y="1411460"/>
+            <a:ext cx="1793400" cy="0"/>
+          </a:xfrm>
+          <a:prstGeom prst="straightConnector1">
+            <a:avLst/>
+          </a:prstGeom>
+          <a:noFill/>
+          <a:ln w="9525" cap="flat" cmpd="sng">
+            <a:solidFill>
+              <a:srgbClr val="0056CB"/>
+            </a:solidFill>
+            <a:prstDash val="solid"/>
+            <a:round/>
+            <a:headEnd type="none" w="med" len="med"/>
+            <a:tailEnd type="none" w="med" len="med"/>
+          </a:ln>
+        </p:spPr>
+      </p:cxnSp>
+      <p:sp>
+        <p:nvSpPr>
+          <p:cNvPr id="224" name="Google Shape;224;p34"/>
+          <p:cNvSpPr txBox="1"/>
+          <p:nvPr/>
+        </p:nvSpPr>
+        <p:spPr>
+          <a:xfrm>
+            <a:off x="3044475" y="1699400"/>
+            <a:ext cx="1813500" cy="739800"/>
+          </a:xfrm>
+          <a:prstGeom prst="rect">
+            <a:avLst/>
+          </a:prstGeom>
+          <a:noFill/>
+          <a:ln>
+            <a:noFill/>
+          </a:ln>
+        </p:spPr>
+        <p:txBody>
+          <a:bodyPr spcFirstLastPara="1" wrap="square" lIns="91425" tIns="91425" rIns="91425" bIns="91425" anchor="t" anchorCtr="0">
+            <a:noAutofit/>
+          </a:bodyPr>
+          <a:lstStyle/>
+          <a:p>
+            <a:pPr marL="0" lvl="0" indent="0" algn="l" rtl="0">
+              <a:spcBef>
+                <a:spcPts val="0"/>
+              </a:spcBef>
+              <a:spcAft>
+                <a:spcPts val="0"/>
+              </a:spcAft>
+              <a:buNone/>
+            </a:pPr>
+            <a:r>
+              <a:rPr lang="it" sz="900" dirty="0">
+                <a:solidFill>
+                  <a:srgbClr val="5A6772"/>
+                </a:solidFill>
+                <a:latin typeface="Titillium Web"/>
+                <a:ea typeface="Titillium Web"/>
+                <a:cs typeface="Titillium Web"/>
+                <a:sym typeface="Titillium Web"/>
+              </a:rPr>
+              <a:t>Descrivi qui il criterio di successo….</a:t>
+            </a:r>
+            <a:endParaRPr sz="900" dirty="0">
+              <a:solidFill>
+                <a:srgbClr val="5A6772"/>
+              </a:solidFill>
+              <a:latin typeface="Titillium Web SemiBold"/>
+              <a:ea typeface="Titillium Web SemiBold"/>
+              <a:cs typeface="Titillium Web SemiBold"/>
+              <a:sym typeface="Titillium Web SemiBold"/>
+            </a:endParaRPr>
+          </a:p>
+          <a:p>
+            <a:pPr marL="0" lvl="0" indent="0" algn="l" rtl="0">
+              <a:spcBef>
+                <a:spcPts val="0"/>
+              </a:spcBef>
+              <a:spcAft>
+                <a:spcPts val="0"/>
+              </a:spcAft>
+              <a:buNone/>
+            </a:pPr>
+            <a:endParaRPr sz="900" dirty="0">
+              <a:solidFill>
+                <a:srgbClr val="5A6772"/>
+              </a:solidFill>
+              <a:latin typeface="Titillium Web"/>
+              <a:ea typeface="Titillium Web"/>
+              <a:cs typeface="Titillium Web"/>
+              <a:sym typeface="Titillium Web"/>
+            </a:endParaRPr>
+          </a:p>
+        </p:txBody>
+      </p:sp>
+      <p:sp>
+        <p:nvSpPr>
+          <p:cNvPr id="225" name="Google Shape;225;p34"/>
+          <p:cNvSpPr txBox="1"/>
+          <p:nvPr/>
+        </p:nvSpPr>
+        <p:spPr>
+          <a:xfrm>
+            <a:off x="3004150" y="1425500"/>
+            <a:ext cx="1964700" cy="359700"/>
+          </a:xfrm>
+          <a:prstGeom prst="rect">
+            <a:avLst/>
+          </a:prstGeom>
+          <a:noFill/>
+          <a:ln>
+            <a:noFill/>
+          </a:ln>
+        </p:spPr>
+        <p:txBody>
+          <a:bodyPr spcFirstLastPara="1" wrap="square" lIns="91425" tIns="91425" rIns="91425" bIns="91425" anchor="t" anchorCtr="0">
+            <a:noAutofit/>
+          </a:bodyPr>
+          <a:lstStyle/>
+          <a:p>
+            <a:pPr marL="0" lvl="0" indent="0" algn="l" rtl="0">
+              <a:lnSpc>
+                <a:spcPct val="115000"/>
+              </a:lnSpc>
+              <a:spcBef>
+                <a:spcPts val="0"/>
+              </a:spcBef>
+              <a:spcAft>
+                <a:spcPts val="0"/>
+              </a:spcAft>
+              <a:buNone/>
+            </a:pPr>
+            <a:r>
+              <a:rPr lang="it" sz="1000" b="1">
+                <a:solidFill>
+                  <a:srgbClr val="00B8CD"/>
+                </a:solidFill>
+                <a:latin typeface="Titillium Web"/>
+                <a:ea typeface="Titillium Web"/>
+                <a:cs typeface="Titillium Web"/>
+                <a:sym typeface="Titillium Web"/>
+              </a:rPr>
+              <a:t>CRITERIO DI SUCCESSO 1*</a:t>
+            </a:r>
+            <a:endParaRPr sz="1000" b="1">
+              <a:solidFill>
+                <a:srgbClr val="00B8CD"/>
+              </a:solidFill>
+              <a:latin typeface="Titillium Web"/>
+              <a:ea typeface="Titillium Web"/>
+              <a:cs typeface="Titillium Web"/>
+              <a:sym typeface="Titillium Web"/>
+            </a:endParaRPr>
+          </a:p>
+          <a:p>
+            <a:pPr marL="0" lvl="0" indent="0" algn="l" rtl="0">
+              <a:lnSpc>
+                <a:spcPct val="115000"/>
+              </a:lnSpc>
+              <a:spcBef>
+                <a:spcPts val="0"/>
+              </a:spcBef>
+              <a:spcAft>
+                <a:spcPts val="0"/>
+              </a:spcAft>
+              <a:buNone/>
+            </a:pPr>
+            <a:endParaRPr sz="1000" b="1">
+              <a:solidFill>
+                <a:srgbClr val="00B8CD"/>
+              </a:solidFill>
+              <a:latin typeface="Titillium Web"/>
+              <a:ea typeface="Titillium Web"/>
+              <a:cs typeface="Titillium Web"/>
+              <a:sym typeface="Titillium Web"/>
+            </a:endParaRPr>
+          </a:p>
+          <a:p>
+            <a:pPr marL="0" lvl="0" indent="0" algn="l" rtl="0">
+              <a:lnSpc>
+                <a:spcPct val="115000"/>
+              </a:lnSpc>
+              <a:spcBef>
+                <a:spcPts val="0"/>
+              </a:spcBef>
+              <a:spcAft>
+                <a:spcPts val="0"/>
+              </a:spcAft>
+              <a:buNone/>
+            </a:pPr>
+            <a:endParaRPr sz="1000">
+              <a:solidFill>
+                <a:srgbClr val="5A6772"/>
+              </a:solidFill>
+              <a:latin typeface="Titillium Web SemiBold"/>
+              <a:ea typeface="Titillium Web SemiBold"/>
+              <a:cs typeface="Titillium Web SemiBold"/>
+              <a:sym typeface="Titillium Web SemiBold"/>
+            </a:endParaRPr>
+          </a:p>
+        </p:txBody>
+      </p:sp>
+      <p:sp>
+        <p:nvSpPr>
+          <p:cNvPr id="226" name="Google Shape;226;p34"/>
+          <p:cNvSpPr txBox="1"/>
+          <p:nvPr/>
+        </p:nvSpPr>
+        <p:spPr>
+          <a:xfrm>
+            <a:off x="3004150" y="899625"/>
+            <a:ext cx="1128300" cy="359700"/>
+          </a:xfrm>
+          <a:prstGeom prst="rect">
+            <a:avLst/>
+          </a:prstGeom>
+          <a:noFill/>
+          <a:ln>
+            <a:noFill/>
+          </a:ln>
+        </p:spPr>
+        <p:txBody>
+          <a:bodyPr spcFirstLastPara="1" wrap="square" lIns="91425" tIns="91425" rIns="91425" bIns="91425" anchor="t" anchorCtr="0">
+            <a:noAutofit/>
+          </a:bodyPr>
+          <a:lstStyle/>
+          <a:p>
+            <a:pPr marL="0" lvl="0" indent="0" algn="l" rtl="0">
+              <a:lnSpc>
+                <a:spcPct val="115000"/>
+              </a:lnSpc>
+              <a:spcBef>
+                <a:spcPts val="0"/>
+              </a:spcBef>
+              <a:spcAft>
+                <a:spcPts val="0"/>
+              </a:spcAft>
+              <a:buNone/>
+            </a:pPr>
+            <a:r>
+              <a:rPr lang="it" sz="2400" b="1" dirty="0">
+                <a:solidFill>
+                  <a:srgbClr val="0056CB"/>
+                </a:solidFill>
+                <a:latin typeface="Titillium Web"/>
+                <a:ea typeface="Titillium Web"/>
+                <a:cs typeface="Titillium Web"/>
+                <a:sym typeface="Titillium Web"/>
+              </a:rPr>
+              <a:t>TASK 5</a:t>
+            </a:r>
+            <a:endParaRPr sz="2400" b="1" dirty="0">
+              <a:solidFill>
+                <a:srgbClr val="0056CB"/>
+              </a:solidFill>
+              <a:latin typeface="Titillium Web"/>
+              <a:ea typeface="Titillium Web"/>
+              <a:cs typeface="Titillium Web"/>
+              <a:sym typeface="Titillium Web"/>
+            </a:endParaRPr>
+          </a:p>
+          <a:p>
+            <a:pPr marL="0" lvl="0" indent="0" algn="l" rtl="0">
+              <a:lnSpc>
+                <a:spcPct val="115000"/>
+              </a:lnSpc>
+              <a:spcBef>
+                <a:spcPts val="0"/>
+              </a:spcBef>
+              <a:spcAft>
+                <a:spcPts val="0"/>
+              </a:spcAft>
+              <a:buNone/>
+            </a:pPr>
+            <a:endParaRPr sz="2400" dirty="0">
+              <a:solidFill>
+                <a:srgbClr val="0056CB"/>
+              </a:solidFill>
+              <a:latin typeface="Titillium Web SemiBold"/>
+              <a:ea typeface="Titillium Web SemiBold"/>
+              <a:cs typeface="Titillium Web SemiBold"/>
+              <a:sym typeface="Titillium Web SemiBold"/>
+            </a:endParaRPr>
+          </a:p>
+        </p:txBody>
+      </p:sp>
+      <p:sp>
+        <p:nvSpPr>
+          <p:cNvPr id="227" name="Google Shape;227;p34"/>
+          <p:cNvSpPr txBox="1"/>
+          <p:nvPr/>
+        </p:nvSpPr>
+        <p:spPr>
+          <a:xfrm>
+            <a:off x="3044475" y="3354150"/>
+            <a:ext cx="1813500" cy="739800"/>
+          </a:xfrm>
+          <a:prstGeom prst="rect">
+            <a:avLst/>
+          </a:prstGeom>
+          <a:noFill/>
+          <a:ln>
+            <a:noFill/>
+          </a:ln>
+        </p:spPr>
+        <p:txBody>
+          <a:bodyPr spcFirstLastPara="1" wrap="square" lIns="91425" tIns="91425" rIns="91425" bIns="91425" anchor="t" anchorCtr="0">
+            <a:noAutofit/>
+          </a:bodyPr>
+          <a:lstStyle/>
+          <a:p>
+            <a:pPr marL="0" lvl="0" indent="0" algn="l" rtl="0">
+              <a:spcBef>
+                <a:spcPts val="0"/>
+              </a:spcBef>
+              <a:spcAft>
+                <a:spcPts val="0"/>
+              </a:spcAft>
+              <a:buNone/>
+            </a:pPr>
+            <a:r>
+              <a:rPr lang="it" sz="900">
+                <a:solidFill>
+                  <a:srgbClr val="5A6772"/>
+                </a:solidFill>
+                <a:latin typeface="Titillium Web"/>
+                <a:ea typeface="Titillium Web"/>
+                <a:cs typeface="Titillium Web"/>
+                <a:sym typeface="Titillium Web"/>
+              </a:rPr>
+              <a:t>Descrivi qui il criterio di successo….</a:t>
+            </a:r>
+            <a:endParaRPr sz="900">
+              <a:solidFill>
+                <a:srgbClr val="5A6772"/>
+              </a:solidFill>
+              <a:latin typeface="Titillium Web SemiBold"/>
+              <a:ea typeface="Titillium Web SemiBold"/>
+              <a:cs typeface="Titillium Web SemiBold"/>
+              <a:sym typeface="Titillium Web SemiBold"/>
+            </a:endParaRPr>
+          </a:p>
+          <a:p>
+            <a:pPr marL="0" lvl="0" indent="0" algn="l" rtl="0">
+              <a:spcBef>
+                <a:spcPts val="0"/>
+              </a:spcBef>
+              <a:spcAft>
+                <a:spcPts val="0"/>
+              </a:spcAft>
+              <a:buNone/>
+            </a:pPr>
+            <a:endParaRPr sz="900">
+              <a:solidFill>
+                <a:srgbClr val="5A6772"/>
+              </a:solidFill>
+              <a:latin typeface="Titillium Web"/>
+              <a:ea typeface="Titillium Web"/>
+              <a:cs typeface="Titillium Web"/>
+              <a:sym typeface="Titillium Web"/>
+            </a:endParaRPr>
+          </a:p>
+        </p:txBody>
+      </p:sp>
+      <p:sp>
+        <p:nvSpPr>
+          <p:cNvPr id="228" name="Google Shape;228;p34"/>
+          <p:cNvSpPr txBox="1"/>
+          <p:nvPr/>
+        </p:nvSpPr>
+        <p:spPr>
+          <a:xfrm>
+            <a:off x="3004150" y="3080250"/>
+            <a:ext cx="2248500" cy="359700"/>
+          </a:xfrm>
+          <a:prstGeom prst="rect">
+            <a:avLst/>
+          </a:prstGeom>
+          <a:noFill/>
+          <a:ln>
+            <a:noFill/>
+          </a:ln>
+        </p:spPr>
+        <p:txBody>
+          <a:bodyPr spcFirstLastPara="1" wrap="square" lIns="91425" tIns="91425" rIns="91425" bIns="91425" anchor="t" anchorCtr="0">
+            <a:noAutofit/>
+          </a:bodyPr>
+          <a:lstStyle/>
+          <a:p>
+            <a:pPr marL="0" lvl="0" indent="0" algn="l" rtl="0">
+              <a:lnSpc>
+                <a:spcPct val="115000"/>
+              </a:lnSpc>
+              <a:spcBef>
+                <a:spcPts val="0"/>
+              </a:spcBef>
+              <a:spcAft>
+                <a:spcPts val="0"/>
+              </a:spcAft>
+              <a:buNone/>
+            </a:pPr>
+            <a:r>
+              <a:rPr lang="it" sz="1000" b="1">
+                <a:solidFill>
+                  <a:srgbClr val="00B8CD"/>
+                </a:solidFill>
+                <a:latin typeface="Titillium Web"/>
+                <a:ea typeface="Titillium Web"/>
+                <a:cs typeface="Titillium Web"/>
+                <a:sym typeface="Titillium Web"/>
+              </a:rPr>
+              <a:t>CRITERIO DI SUCCESSO 2**</a:t>
+            </a:r>
+            <a:endParaRPr sz="1000" b="1">
+              <a:solidFill>
+                <a:srgbClr val="00B8CD"/>
+              </a:solidFill>
+              <a:latin typeface="Titillium Web"/>
+              <a:ea typeface="Titillium Web"/>
+              <a:cs typeface="Titillium Web"/>
+              <a:sym typeface="Titillium Web"/>
+            </a:endParaRPr>
+          </a:p>
+          <a:p>
+            <a:pPr marL="0" lvl="0" indent="0" algn="l" rtl="0">
+              <a:lnSpc>
+                <a:spcPct val="115000"/>
+              </a:lnSpc>
+              <a:spcBef>
+                <a:spcPts val="0"/>
+              </a:spcBef>
+              <a:spcAft>
+                <a:spcPts val="0"/>
+              </a:spcAft>
+              <a:buNone/>
+            </a:pPr>
+            <a:endParaRPr sz="1000" b="1">
+              <a:solidFill>
+                <a:srgbClr val="00B8CD"/>
+              </a:solidFill>
+              <a:latin typeface="Titillium Web"/>
+              <a:ea typeface="Titillium Web"/>
+              <a:cs typeface="Titillium Web"/>
+              <a:sym typeface="Titillium Web"/>
+            </a:endParaRPr>
+          </a:p>
+          <a:p>
+            <a:pPr marL="0" lvl="0" indent="0" algn="l" rtl="0">
+              <a:lnSpc>
+                <a:spcPct val="115000"/>
+              </a:lnSpc>
+              <a:spcBef>
+                <a:spcPts val="0"/>
+              </a:spcBef>
+              <a:spcAft>
+                <a:spcPts val="0"/>
+              </a:spcAft>
+              <a:buNone/>
+            </a:pPr>
+            <a:endParaRPr sz="1000">
+              <a:solidFill>
+                <a:srgbClr val="5A6772"/>
+              </a:solidFill>
+              <a:latin typeface="Titillium Web SemiBold"/>
+              <a:ea typeface="Titillium Web SemiBold"/>
+              <a:cs typeface="Titillium Web SemiBold"/>
+              <a:sym typeface="Titillium Web SemiBold"/>
+            </a:endParaRPr>
+          </a:p>
+        </p:txBody>
+      </p:sp>
+      <p:cxnSp>
+        <p:nvCxnSpPr>
+          <p:cNvPr id="234" name="Google Shape;234;p34"/>
+          <p:cNvCxnSpPr/>
+          <p:nvPr/>
+        </p:nvCxnSpPr>
+        <p:spPr>
+          <a:xfrm>
+            <a:off x="3091618" y="1411460"/>
+            <a:ext cx="1793400" cy="0"/>
+          </a:xfrm>
+          <a:prstGeom prst="straightConnector1">
+            <a:avLst/>
+          </a:prstGeom>
+          <a:noFill/>
+          <a:ln w="9525" cap="flat" cmpd="sng">
+            <a:solidFill>
+              <a:srgbClr val="0056CB"/>
+            </a:solidFill>
+            <a:prstDash val="solid"/>
+            <a:round/>
+            <a:headEnd type="none" w="med" len="med"/>
+            <a:tailEnd type="none" w="med" len="med"/>
+          </a:ln>
+        </p:spPr>
+      </p:cxnSp>
+      <p:cxnSp>
+        <p:nvCxnSpPr>
+          <p:cNvPr id="236" name="Google Shape;236;p34"/>
+          <p:cNvCxnSpPr/>
+          <p:nvPr/>
+        </p:nvCxnSpPr>
+        <p:spPr>
+          <a:xfrm>
+            <a:off x="413450" y="3057510"/>
+            <a:ext cx="1793400" cy="0"/>
+          </a:xfrm>
+          <a:prstGeom prst="straightConnector1">
+            <a:avLst/>
+          </a:prstGeom>
+          <a:noFill/>
+          <a:ln w="9525" cap="flat" cmpd="sng">
+            <a:solidFill>
+              <a:srgbClr val="0056CB"/>
+            </a:solidFill>
+            <a:prstDash val="solid"/>
+            <a:round/>
+            <a:headEnd type="none" w="med" len="med"/>
+            <a:tailEnd type="none" w="med" len="med"/>
+          </a:ln>
+        </p:spPr>
+      </p:cxnSp>
+      <p:cxnSp>
+        <p:nvCxnSpPr>
+          <p:cNvPr id="237" name="Google Shape;237;p34"/>
+          <p:cNvCxnSpPr/>
+          <p:nvPr/>
+        </p:nvCxnSpPr>
+        <p:spPr>
+          <a:xfrm>
+            <a:off x="3091618" y="3057510"/>
+            <a:ext cx="1793400" cy="0"/>
+          </a:xfrm>
+          <a:prstGeom prst="straightConnector1">
+            <a:avLst/>
+          </a:prstGeom>
+          <a:noFill/>
+          <a:ln w="9525" cap="flat" cmpd="sng">
+            <a:solidFill>
+              <a:srgbClr val="0056CB"/>
+            </a:solidFill>
+            <a:prstDash val="solid"/>
+            <a:round/>
+            <a:headEnd type="none" w="med" len="med"/>
+            <a:tailEnd type="none" w="med" len="med"/>
+          </a:ln>
+        </p:spPr>
+      </p:cxnSp>
+      <p:pic>
+        <p:nvPicPr>
+          <p:cNvPr id="239" name="Google Shape;239;p34"/>
+          <p:cNvPicPr preferRelativeResize="0"/>
+          <p:nvPr/>
+        </p:nvPicPr>
+        <p:blipFill rotWithShape="1">
+          <a:blip r:embed="rId3">
+            <a:alphaModFix/>
+          </a:blip>
+          <a:srcRect/>
+          <a:stretch/>
+        </p:blipFill>
+        <p:spPr>
+          <a:xfrm>
+            <a:off x="308563" y="5083900"/>
+            <a:ext cx="1448532" cy="305456"/>
+          </a:xfrm>
+          <a:prstGeom prst="rect">
+            <a:avLst/>
+          </a:prstGeom>
+          <a:noFill/>
+          <a:ln>
+            <a:noFill/>
+          </a:ln>
+        </p:spPr>
+      </p:pic>
+    </p:spTree>
+    <p:extLst>
+      <p:ext uri="{BB962C8B-B14F-4D97-AF65-F5344CB8AC3E}">
+        <p14:creationId xmlns:p14="http://schemas.microsoft.com/office/powerpoint/2010/main" val="310707318"/>
+      </p:ext>
+    </p:extLst>
+  </p:cSld>
+  <p:clrMapOvr>
+    <a:masterClrMapping/>
+  </p:clrMapOvr>
+</p:sld>
+</file>
+
+<file path=ppt/slides/slide12.xml><?xml version="1.0" encoding="utf-8"?>
+<p:sld xmlns:a="http://schemas.openxmlformats.org/drawingml/2006/main" xmlns:r="http://schemas.openxmlformats.org/officeDocument/2006/relationships" xmlns:p="http://schemas.openxmlformats.org/presentationml/2006/main">
+  <p:cSld>
     <p:spTree>
       <p:nvGrpSpPr>
         <p:cNvPr id="1" name="Shape 243"/>
@@ -15825,7 +17339,7 @@
             </a:pPr>
             <a:fld id="{00000000-1234-1234-1234-123412341234}" type="slidenum">
               <a:rPr lang="it"/>
-              <a:t>11</a:t>
+              <a:t>12</a:t>
             </a:fld>
             <a:endParaRPr/>
           </a:p>
@@ -15897,7 +17411,7 @@
         </p:nvGraphicFramePr>
         <p:xfrm>
           <a:off x="420975" y="888225"/>
-          <a:ext cx="3000000" cy="3000000"/>
+          <a:ext cx="7995600" cy="3185130"/>
         </p:xfrm>
         <a:graphic>
           <a:graphicData uri="http://schemas.openxmlformats.org/drawingml/2006/table">
@@ -17326,7 +18840,7 @@
 </p:sld>
 </file>
 
-<file path=ppt/slides/slide12.xml><?xml version="1.0" encoding="utf-8"?>
+<file path=ppt/slides/slide13.xml><?xml version="1.0" encoding="utf-8"?>
 <p:sld xmlns:a="http://schemas.openxmlformats.org/drawingml/2006/main" xmlns:r="http://schemas.openxmlformats.org/officeDocument/2006/relationships" xmlns:p="http://schemas.openxmlformats.org/presentationml/2006/main">
   <p:cSld>
     <p:bg>
@@ -17351,137 +18865,6 @@
           <a:chExt cx="0" cy="0"/>
         </a:xfrm>
       </p:grpSpPr>
-      <p:sp>
-        <p:nvSpPr>
-          <p:cNvPr id="253" name="Google Shape;253;p36"/>
-          <p:cNvSpPr txBox="1"/>
-          <p:nvPr/>
-        </p:nvSpPr>
-        <p:spPr>
-          <a:xfrm>
-            <a:off x="6372525" y="2350833"/>
-            <a:ext cx="2489100" cy="912000"/>
-          </a:xfrm>
-          <a:prstGeom prst="rect">
-            <a:avLst/>
-          </a:prstGeom>
-          <a:noFill/>
-          <a:ln>
-            <a:noFill/>
-          </a:ln>
-        </p:spPr>
-        <p:txBody>
-          <a:bodyPr spcFirstLastPara="1" wrap="square" lIns="91425" tIns="91425" rIns="91425" bIns="91425" anchor="t" anchorCtr="0">
-            <a:spAutoFit/>
-          </a:bodyPr>
-          <a:lstStyle/>
-          <a:p>
-            <a:pPr marL="0" lvl="0" indent="0" algn="l" rtl="0">
-              <a:lnSpc>
-                <a:spcPct val="115000"/>
-              </a:lnSpc>
-              <a:spcBef>
-                <a:spcPts val="0"/>
-              </a:spcBef>
-              <a:spcAft>
-                <a:spcPts val="0"/>
-              </a:spcAft>
-              <a:buNone/>
-            </a:pPr>
-            <a:r>
-              <a:rPr lang="it" sz="700">
-                <a:solidFill>
-                  <a:schemeClr val="lt1"/>
-                </a:solidFill>
-                <a:latin typeface="Titillium Web"/>
-                <a:ea typeface="Titillium Web"/>
-                <a:cs typeface="Titillium Web"/>
-                <a:sym typeface="Titillium Web"/>
-              </a:rPr>
-              <a:t>Quest'opera, realizzata per il progetto </a:t>
-            </a:r>
-            <a:r>
-              <a:rPr lang="it" sz="700" u="sng">
-                <a:solidFill>
-                  <a:schemeClr val="lt1"/>
-                </a:solidFill>
-                <a:latin typeface="Titillium Web"/>
-                <a:ea typeface="Titillium Web"/>
-                <a:cs typeface="Titillium Web"/>
-                <a:sym typeface="Titillium Web"/>
-                <a:hlinkClick r:id="rId3">
-                  <a:extLst>
-                    <a:ext uri="{A12FA001-AC4F-418D-AE19-62706E023703}">
-                      <ahyp:hlinkClr xmlns:ahyp="http://schemas.microsoft.com/office/drawing/2018/hyperlinkcolor" val="tx"/>
-                    </a:ext>
-                  </a:extLst>
-                </a:hlinkClick>
-              </a:rPr>
-              <a:t>Designers Italia</a:t>
-            </a:r>
-            <a:r>
-              <a:rPr lang="it" sz="700">
-                <a:solidFill>
-                  <a:schemeClr val="lt1"/>
-                </a:solidFill>
-                <a:latin typeface="Titillium Web"/>
-                <a:ea typeface="Titillium Web"/>
-                <a:cs typeface="Titillium Web"/>
-                <a:sym typeface="Titillium Web"/>
-              </a:rPr>
-              <a:t>, è distribuita con Licenza </a:t>
-            </a:r>
-            <a:r>
-              <a:rPr lang="it" sz="700" u="sng">
-                <a:solidFill>
-                  <a:schemeClr val="lt1"/>
-                </a:solidFill>
-                <a:latin typeface="Titillium Web"/>
-                <a:ea typeface="Titillium Web"/>
-                <a:cs typeface="Titillium Web"/>
-                <a:sym typeface="Titillium Web"/>
-                <a:hlinkClick r:id="rId4">
-                  <a:extLst>
-                    <a:ext uri="{A12FA001-AC4F-418D-AE19-62706E023703}">
-                      <ahyp:hlinkClr xmlns:ahyp="http://schemas.microsoft.com/office/drawing/2018/hyperlinkcolor" val="tx"/>
-                    </a:ext>
-                  </a:extLst>
-                </a:hlinkClick>
-              </a:rPr>
-              <a:t>Creative Commons Attribuzione - Condividi allo stesso modo 4.0 Internazionale</a:t>
-            </a:r>
-            <a:r>
-              <a:rPr lang="it" sz="700">
-                <a:solidFill>
-                  <a:schemeClr val="lt1"/>
-                </a:solidFill>
-                <a:latin typeface="Titillium Web"/>
-                <a:ea typeface="Titillium Web"/>
-                <a:cs typeface="Titillium Web"/>
-                <a:sym typeface="Titillium Web"/>
-              </a:rPr>
-              <a:t>. Copyright (c) 2021 Presidenza del Consiglio dei Ministri - Dipartimento per la trasformazione digitale. </a:t>
-            </a:r>
-            <a:r>
-              <a:rPr lang="it" sz="700" b="1">
-                <a:solidFill>
-                  <a:schemeClr val="lt1"/>
-                </a:solidFill>
-                <a:latin typeface="Titillium Web"/>
-                <a:ea typeface="Titillium Web"/>
-                <a:cs typeface="Titillium Web"/>
-                <a:sym typeface="Titillium Web"/>
-              </a:rPr>
-              <a:t>Per rispettare i termini della licenza lascia questo testo/questa slide nella tua versione.</a:t>
-            </a:r>
-            <a:endParaRPr b="1">
-              <a:solidFill>
-                <a:schemeClr val="lt1"/>
-              </a:solidFill>
-            </a:endParaRPr>
-          </a:p>
-        </p:txBody>
-      </p:sp>
       <p:pic>
         <p:nvPicPr>
           <p:cNvPr id="254" name="Google Shape;254;p36"/>
@@ -17489,7 +18872,7 @@
           <p:nvPr/>
         </p:nvPicPr>
         <p:blipFill rotWithShape="1">
-          <a:blip r:embed="rId5">
+          <a:blip r:embed="rId3">
             <a:alphaModFix/>
           </a:blip>
           <a:srcRect/>
@@ -17497,7 +18880,7 @@
         </p:blipFill>
         <p:spPr>
           <a:xfrm>
-            <a:off x="0" y="2631236"/>
+            <a:off x="0" y="5307725"/>
             <a:ext cx="1931375" cy="407275"/>
           </a:xfrm>
           <a:prstGeom prst="rect">
@@ -17509,6 +18892,235 @@
           </a:ln>
         </p:spPr>
       </p:pic>
+      <p:sp>
+        <p:nvSpPr>
+          <p:cNvPr id="4" name="Google Shape;79;p25">
+            <a:extLst>
+              <a:ext uri="{FF2B5EF4-FFF2-40B4-BE49-F238E27FC236}">
+                <a16:creationId xmlns:a16="http://schemas.microsoft.com/office/drawing/2014/main" id="{0E109659-584C-1E38-513E-5EAA670EFD36}"/>
+              </a:ext>
+            </a:extLst>
+          </p:cNvPr>
+          <p:cNvSpPr txBox="1"/>
+          <p:nvPr/>
+        </p:nvSpPr>
+        <p:spPr>
+          <a:xfrm>
+            <a:off x="2112962" y="1839631"/>
+            <a:ext cx="4918071" cy="380639"/>
+          </a:xfrm>
+          <a:prstGeom prst="rect">
+            <a:avLst/>
+          </a:prstGeom>
+          <a:noFill/>
+          <a:ln>
+            <a:noFill/>
+          </a:ln>
+        </p:spPr>
+        <p:txBody>
+          <a:bodyPr spcFirstLastPara="1" wrap="square" lIns="91425" tIns="91425" rIns="91425" bIns="91425" anchor="ctr" anchorCtr="0">
+            <a:noAutofit/>
+          </a:bodyPr>
+          <a:lstStyle/>
+          <a:p>
+            <a:pPr marL="0" lvl="0" indent="0" algn="ctr" rtl="0">
+              <a:spcBef>
+                <a:spcPts val="0"/>
+              </a:spcBef>
+              <a:spcAft>
+                <a:spcPts val="0"/>
+              </a:spcAft>
+              <a:buNone/>
+            </a:pPr>
+            <a:r>
+              <a:rPr lang="it" sz="3600" b="1" dirty="0">
+                <a:solidFill>
+                  <a:srgbClr val="FFFFFF"/>
+                </a:solidFill>
+                <a:latin typeface="Titillium Web"/>
+                <a:ea typeface="Titillium Web"/>
+                <a:cs typeface="Titillium Web"/>
+                <a:sym typeface="Titillium Web"/>
+              </a:rPr>
+              <a:t>Test di Usabilità</a:t>
+            </a:r>
+            <a:endParaRPr sz="3600" b="1" dirty="0">
+              <a:solidFill>
+                <a:srgbClr val="FFFFFF"/>
+              </a:solidFill>
+              <a:latin typeface="Titillium Web"/>
+              <a:ea typeface="Titillium Web"/>
+              <a:cs typeface="Titillium Web"/>
+              <a:sym typeface="Titillium Web"/>
+            </a:endParaRPr>
+          </a:p>
+        </p:txBody>
+      </p:sp>
+      <p:sp>
+        <p:nvSpPr>
+          <p:cNvPr id="5" name="Google Shape;80;p25">
+            <a:extLst>
+              <a:ext uri="{FF2B5EF4-FFF2-40B4-BE49-F238E27FC236}">
+                <a16:creationId xmlns:a16="http://schemas.microsoft.com/office/drawing/2014/main" id="{A7E638AB-1093-7BAF-A07B-74BEA3FFD102}"/>
+              </a:ext>
+            </a:extLst>
+          </p:cNvPr>
+          <p:cNvSpPr txBox="1"/>
+          <p:nvPr/>
+        </p:nvSpPr>
+        <p:spPr>
+          <a:xfrm>
+            <a:off x="1694546" y="2351550"/>
+            <a:ext cx="5754900" cy="407275"/>
+          </a:xfrm>
+          <a:prstGeom prst="rect">
+            <a:avLst/>
+          </a:prstGeom>
+          <a:noFill/>
+          <a:ln>
+            <a:noFill/>
+          </a:ln>
+        </p:spPr>
+        <p:txBody>
+          <a:bodyPr spcFirstLastPara="1" wrap="square" lIns="91425" tIns="91425" rIns="91425" bIns="91425" anchor="ctr" anchorCtr="0">
+            <a:noAutofit/>
+          </a:bodyPr>
+          <a:lstStyle/>
+          <a:p>
+            <a:pPr marL="0" lvl="0" indent="0" algn="ctr" rtl="0">
+              <a:lnSpc>
+                <a:spcPct val="115000"/>
+              </a:lnSpc>
+              <a:spcBef>
+                <a:spcPts val="1800"/>
+              </a:spcBef>
+              <a:spcAft>
+                <a:spcPts val="0"/>
+              </a:spcAft>
+              <a:buClr>
+                <a:schemeClr val="dk1"/>
+              </a:buClr>
+              <a:buSzPts val="1100"/>
+              <a:buFont typeface="Arial"/>
+              <a:buNone/>
+            </a:pPr>
+            <a:r>
+              <a:rPr lang="it-IT" sz="1800" dirty="0">
+                <a:solidFill>
+                  <a:srgbClr val="FFFFFF"/>
+                </a:solidFill>
+                <a:latin typeface="Titillium Web"/>
+                <a:ea typeface="Titillium Web"/>
+                <a:cs typeface="Titillium Web"/>
+                <a:sym typeface="Titillium Web"/>
+              </a:rPr>
+              <a:t>Caso di studio – Gruppo 26</a:t>
+            </a:r>
+            <a:endParaRPr sz="1800" dirty="0">
+              <a:solidFill>
+                <a:srgbClr val="FFFFFF"/>
+              </a:solidFill>
+              <a:latin typeface="Titillium Web"/>
+              <a:ea typeface="Titillium Web"/>
+              <a:cs typeface="Titillium Web"/>
+              <a:sym typeface="Titillium Web"/>
+            </a:endParaRPr>
+          </a:p>
+          <a:p>
+            <a:pPr marL="0" lvl="0" indent="0" algn="ctr" rtl="0">
+              <a:spcBef>
+                <a:spcPts val="400"/>
+              </a:spcBef>
+              <a:spcAft>
+                <a:spcPts val="0"/>
+              </a:spcAft>
+              <a:buNone/>
+            </a:pPr>
+            <a:endParaRPr sz="2200" dirty="0">
+              <a:solidFill>
+                <a:srgbClr val="FFFFFF"/>
+              </a:solidFill>
+              <a:latin typeface="Titillium Web"/>
+              <a:ea typeface="Titillium Web"/>
+              <a:cs typeface="Titillium Web"/>
+              <a:sym typeface="Titillium Web"/>
+            </a:endParaRPr>
+          </a:p>
+        </p:txBody>
+      </p:sp>
+      <p:cxnSp>
+        <p:nvCxnSpPr>
+          <p:cNvPr id="6" name="Google Shape;81;p25">
+            <a:extLst>
+              <a:ext uri="{FF2B5EF4-FFF2-40B4-BE49-F238E27FC236}">
+                <a16:creationId xmlns:a16="http://schemas.microsoft.com/office/drawing/2014/main" id="{447E61E9-AC9C-F516-03F6-EB8718006EFC}"/>
+              </a:ext>
+            </a:extLst>
+          </p:cNvPr>
+          <p:cNvCxnSpPr/>
+          <p:nvPr/>
+        </p:nvCxnSpPr>
+        <p:spPr>
+          <a:xfrm>
+            <a:off x="3914547" y="2307727"/>
+            <a:ext cx="1314900" cy="0"/>
+          </a:xfrm>
+          <a:prstGeom prst="straightConnector1">
+            <a:avLst/>
+          </a:prstGeom>
+          <a:noFill/>
+          <a:ln w="9525" cap="flat" cmpd="sng">
+            <a:solidFill>
+              <a:srgbClr val="FFFFFF"/>
+            </a:solidFill>
+            <a:prstDash val="solid"/>
+            <a:round/>
+            <a:headEnd type="none" w="med" len="med"/>
+            <a:tailEnd type="none" w="med" len="med"/>
+          </a:ln>
+        </p:spPr>
+      </p:cxnSp>
+      <p:sp>
+        <p:nvSpPr>
+          <p:cNvPr id="7" name="CasellaDiTesto 6">
+            <a:extLst>
+              <a:ext uri="{FF2B5EF4-FFF2-40B4-BE49-F238E27FC236}">
+                <a16:creationId xmlns:a16="http://schemas.microsoft.com/office/drawing/2014/main" id="{811EEDDF-29A5-0703-2AD1-A3B28764AAF9}"/>
+              </a:ext>
+            </a:extLst>
+          </p:cNvPr>
+          <p:cNvSpPr txBox="1"/>
+          <p:nvPr/>
+        </p:nvSpPr>
+        <p:spPr>
+          <a:xfrm>
+            <a:off x="3232131" y="2857500"/>
+            <a:ext cx="2679729" cy="307777"/>
+          </a:xfrm>
+          <a:prstGeom prst="rect">
+            <a:avLst/>
+          </a:prstGeom>
+          <a:noFill/>
+        </p:spPr>
+        <p:txBody>
+          <a:bodyPr wrap="square" lIns="91440" tIns="45720" rIns="91440" bIns="45720" numCol="1" rtlCol="0" anchor="t">
+            <a:spAutoFit/>
+          </a:bodyPr>
+          <a:lstStyle/>
+          <a:p>
+            <a:pPr algn="ctr"/>
+            <a:r>
+              <a:rPr lang="it-IT" dirty="0">
+                <a:solidFill>
+                  <a:schemeClr val="bg1"/>
+                </a:solidFill>
+                <a:latin typeface="Titillium Web"/>
+              </a:rPr>
+              <a:t>Grazie per l’attenzione!</a:t>
+            </a:r>
+          </a:p>
+        </p:txBody>
+      </p:sp>
     </p:spTree>
   </p:cSld>
   <p:clrMapOvr>
@@ -17578,83 +19190,13 @@
       </p:sp>
       <p:sp>
         <p:nvSpPr>
-          <p:cNvPr id="90" name="Google Shape;90;p26"/>
-          <p:cNvSpPr txBox="1"/>
-          <p:nvPr/>
-        </p:nvSpPr>
-        <p:spPr>
-          <a:xfrm>
-            <a:off x="360825" y="354450"/>
-            <a:ext cx="3881100" cy="311400"/>
-          </a:xfrm>
-          <a:prstGeom prst="rect">
-            <a:avLst/>
-          </a:prstGeom>
-          <a:noFill/>
-          <a:ln>
-            <a:noFill/>
-          </a:ln>
-        </p:spPr>
-        <p:txBody>
-          <a:bodyPr spcFirstLastPara="1" wrap="square" lIns="91425" tIns="91425" rIns="91425" bIns="91425" anchor="ctr" anchorCtr="0">
-            <a:noAutofit/>
-          </a:bodyPr>
-          <a:lstStyle/>
-          <a:p>
-            <a:pPr marL="0" lvl="0" indent="0" algn="l" rtl="0">
-              <a:spcBef>
-                <a:spcPts val="0"/>
-              </a:spcBef>
-              <a:spcAft>
-                <a:spcPts val="0"/>
-              </a:spcAft>
-              <a:buNone/>
-            </a:pPr>
-            <a:r>
-              <a:rPr lang="it" sz="1200">
-                <a:solidFill>
-                  <a:srgbClr val="0056CB"/>
-                </a:solidFill>
-                <a:latin typeface="Titillium Web SemiBold"/>
-                <a:ea typeface="Titillium Web SemiBold"/>
-                <a:cs typeface="Titillium Web SemiBold"/>
-                <a:sym typeface="Titillium Web SemiBold"/>
-              </a:rPr>
-              <a:t>Istruzion</a:t>
-            </a:r>
-            <a:r>
-              <a:rPr lang="it" sz="1200">
-                <a:solidFill>
-                  <a:srgbClr val="0066CC"/>
-                </a:solidFill>
-                <a:latin typeface="Titillium Web SemiBold"/>
-                <a:ea typeface="Titillium Web SemiBold"/>
-                <a:cs typeface="Titillium Web SemiBold"/>
-                <a:sym typeface="Titillium Web SemiBold"/>
-              </a:rPr>
-              <a:t>i</a:t>
-            </a:r>
-            <a:endParaRPr sz="1200">
-              <a:solidFill>
-                <a:srgbClr val="0066CC"/>
-              </a:solidFill>
-              <a:latin typeface="Titillium Web SemiBold"/>
-              <a:ea typeface="Titillium Web SemiBold"/>
-              <a:cs typeface="Titillium Web SemiBold"/>
-              <a:sym typeface="Titillium Web SemiBold"/>
-            </a:endParaRPr>
-          </a:p>
-        </p:txBody>
-      </p:sp>
-      <p:sp>
-        <p:nvSpPr>
           <p:cNvPr id="91" name="Google Shape;91;p26"/>
           <p:cNvSpPr txBox="1"/>
           <p:nvPr/>
         </p:nvSpPr>
         <p:spPr>
           <a:xfrm>
-            <a:off x="360825" y="1186725"/>
+            <a:off x="381250" y="1058019"/>
             <a:ext cx="7128300" cy="676500"/>
           </a:xfrm>
           <a:prstGeom prst="rect">
@@ -17690,7 +19232,7 @@
                 <a:cs typeface="Titillium Web"/>
                 <a:sym typeface="Titillium Web"/>
               </a:rPr>
-              <a:t>Fasi del test</a:t>
+              <a:t>Fasi dei test</a:t>
             </a:r>
             <a:endParaRPr sz="2400" b="1" dirty="0">
               <a:solidFill>
@@ -17803,7 +19345,7 @@
                 <a:cs typeface="Titillium Web"/>
                 <a:sym typeface="Titillium Web"/>
               </a:rPr>
-              <a:t>Ogni membro del gruppo ha testato i diversi task sul sito dell’Università di Firenze per essere sicuri che tutti i task fossero eseguibili.</a:t>
+              <a:t>I membri del gruppo hanno testato i diversi task sul sito dell’Università di Firenze per verificare che fossero tutti eseguibili.</a:t>
             </a:r>
             <a:r>
               <a:rPr lang="it" sz="1100" b="1" dirty="0">
@@ -17893,8 +19435,8 @@
         </p:nvSpPr>
         <p:spPr>
           <a:xfrm>
-            <a:off x="2630016" y="2919050"/>
-            <a:ext cx="1848839" cy="1256100"/>
+            <a:off x="2489275" y="2907376"/>
+            <a:ext cx="1848839" cy="1392819"/>
           </a:xfrm>
           <a:prstGeom prst="rect">
             <a:avLst/>
@@ -17926,7 +19468,7 @@
                 <a:cs typeface="Titillium Web"/>
                 <a:sym typeface="Titillium Web"/>
               </a:rPr>
-              <a:t>Abbiamo scelto quattro partecipanti, di diversa età, che potessero eseguire i cinque task assegnati. </a:t>
+              <a:t>Sono stati scelti quattro partecipanti che differissero per occupazione ed esperienza e che potessero eseguire i cinque task assegnati. </a:t>
             </a:r>
             <a:endParaRPr sz="1100" dirty="0">
               <a:solidFill>
@@ -17971,8 +19513,8 @@
         </p:nvSpPr>
         <p:spPr>
           <a:xfrm>
-            <a:off x="4501071" y="2907376"/>
-            <a:ext cx="2102700" cy="1256100"/>
+            <a:off x="4521418" y="2857500"/>
+            <a:ext cx="2102700" cy="1790748"/>
           </a:xfrm>
           <a:prstGeom prst="rect">
             <a:avLst/>
@@ -18004,7 +19546,7 @@
                 <a:cs typeface="Titillium Web"/>
                 <a:sym typeface="Titillium Web"/>
               </a:rPr>
-              <a:t>Sono stati sottoposti i task ai partecipanti selezionati. Durante il test, gli osservatori hanno appuntato le difficoltà degli utenti, tenendo conto del livello di esperienza dei partecipanti.</a:t>
+              <a:t>I membri del gruppo hanno sottoposto i task ai partecipanti selezionati. Durante i vari test sono state appuntate le operazioni effettuate dai partecipanti, tenendo conto anche delle loro impressioni e difficoltà.</a:t>
             </a:r>
             <a:endParaRPr lang="it-IT" sz="1100" dirty="0">
               <a:solidFill>
@@ -18076,7 +19618,7 @@
         </p:nvSpPr>
         <p:spPr>
           <a:xfrm>
-            <a:off x="4521418" y="2597575"/>
+            <a:off x="4546150" y="2607650"/>
             <a:ext cx="509100" cy="311400"/>
           </a:xfrm>
           <a:prstGeom prst="rect">
@@ -18134,7 +19676,7 @@
         </p:nvSpPr>
         <p:spPr>
           <a:xfrm>
-            <a:off x="2627107" y="2597575"/>
+            <a:off x="2512451" y="2597576"/>
             <a:ext cx="479224" cy="311400"/>
           </a:xfrm>
           <a:prstGeom prst="rect">
@@ -18192,7 +19734,7 @@
         </p:nvSpPr>
         <p:spPr>
           <a:xfrm>
-            <a:off x="6740643" y="2907376"/>
+            <a:off x="6767275" y="2841378"/>
             <a:ext cx="2046600" cy="1256100"/>
           </a:xfrm>
           <a:prstGeom prst="rect">
@@ -18225,7 +19767,7 @@
                 <a:cs typeface="Titillium Web"/>
                 <a:sym typeface="Titillium Web"/>
               </a:rPr>
-              <a:t>Al termine dei test, sono stati somministrati i questionari NPS e SUS che i tester hanno compilato. Infine, è stato stilato il report finale utilizzando i dati.</a:t>
+              <a:t>Una volta completati i test, gli ispettori hanno somministrato i questionari NPS e SUS ai partecipanti. Infine, è stato compilato il report finale.</a:t>
             </a:r>
             <a:endParaRPr lang="it-IT" sz="1100" dirty="0">
               <a:solidFill>
@@ -18447,944 +19989,6 @@
 </file>
 
 <file path=ppt/slides/slide3.xml><?xml version="1.0" encoding="utf-8"?>
-<p:sld xmlns:a="http://schemas.openxmlformats.org/drawingml/2006/main" xmlns:r="http://schemas.openxmlformats.org/officeDocument/2006/relationships" xmlns:p="http://schemas.openxmlformats.org/presentationml/2006/main">
-  <p:cSld>
-    <p:bg>
-      <p:bgPr>
-        <a:solidFill>
-          <a:schemeClr val="lt2"/>
-        </a:solidFill>
-        <a:effectLst/>
-      </p:bgPr>
-    </p:bg>
-    <p:spTree>
-      <p:nvGrpSpPr>
-        <p:cNvPr id="1" name="Shape 105"/>
-        <p:cNvGrpSpPr/>
-        <p:nvPr/>
-      </p:nvGrpSpPr>
-      <p:grpSpPr>
-        <a:xfrm>
-          <a:off x="0" y="0"/>
-          <a:ext cx="0" cy="0"/>
-          <a:chOff x="0" y="0"/>
-          <a:chExt cx="0" cy="0"/>
-        </a:xfrm>
-      </p:grpSpPr>
-      <p:pic>
-        <p:nvPicPr>
-          <p:cNvPr id="106" name="Google Shape;106;p27"/>
-          <p:cNvPicPr preferRelativeResize="0"/>
-          <p:nvPr/>
-        </p:nvPicPr>
-        <p:blipFill>
-          <a:blip r:embed="rId3">
-            <a:alphaModFix/>
-          </a:blip>
-          <a:stretch>
-            <a:fillRect/>
-          </a:stretch>
-        </p:blipFill>
-        <p:spPr>
-          <a:xfrm>
-            <a:off x="2521425" y="2448219"/>
-            <a:ext cx="1767300" cy="1104582"/>
-          </a:xfrm>
-          <a:prstGeom prst="rect">
-            <a:avLst/>
-          </a:prstGeom>
-          <a:noFill/>
-          <a:ln>
-            <a:noFill/>
-          </a:ln>
-        </p:spPr>
-      </p:pic>
-      <p:sp>
-        <p:nvSpPr>
-          <p:cNvPr id="107" name="Google Shape;107;p27"/>
-          <p:cNvSpPr txBox="1">
-            <a:spLocks noGrp="1"/>
-          </p:cNvSpPr>
-          <p:nvPr>
-            <p:ph type="sldNum" idx="12"/>
-          </p:nvPr>
-        </p:nvSpPr>
-        <p:spPr>
-          <a:xfrm>
-            <a:off x="8472458" y="5181352"/>
-            <a:ext cx="548700" cy="437400"/>
-          </a:xfrm>
-          <a:prstGeom prst="rect">
-            <a:avLst/>
-          </a:prstGeom>
-        </p:spPr>
-        <p:txBody>
-          <a:bodyPr spcFirstLastPara="1" wrap="square" lIns="91425" tIns="91425" rIns="91425" bIns="91425" anchor="ctr" anchorCtr="0">
-            <a:noAutofit/>
-          </a:bodyPr>
-          <a:lstStyle/>
-          <a:p>
-            <a:pPr marL="0" lvl="0" indent="0" algn="r" rtl="0">
-              <a:spcBef>
-                <a:spcPts val="0"/>
-              </a:spcBef>
-              <a:spcAft>
-                <a:spcPts val="0"/>
-              </a:spcAft>
-              <a:buNone/>
-            </a:pPr>
-            <a:fld id="{00000000-1234-1234-1234-123412341234}" type="slidenum">
-              <a:rPr lang="it"/>
-              <a:t>3</a:t>
-            </a:fld>
-            <a:endParaRPr/>
-          </a:p>
-        </p:txBody>
-      </p:sp>
-      <p:sp>
-        <p:nvSpPr>
-          <p:cNvPr id="108" name="Google Shape;108;p27"/>
-          <p:cNvSpPr/>
-          <p:nvPr/>
-        </p:nvSpPr>
-        <p:spPr>
-          <a:xfrm rot="5400000">
-            <a:off x="8006058" y="-3451"/>
-            <a:ext cx="1148100" cy="1148100"/>
-          </a:xfrm>
-          <a:prstGeom prst="diagStripe">
-            <a:avLst>
-              <a:gd name="adj" fmla="val 50000"/>
-            </a:avLst>
-          </a:prstGeom>
-          <a:solidFill>
-            <a:srgbClr val="00C4C9"/>
-          </a:solidFill>
-          <a:ln>
-            <a:noFill/>
-          </a:ln>
-        </p:spPr>
-        <p:txBody>
-          <a:bodyPr spcFirstLastPara="1" wrap="square" lIns="91425" tIns="45700" rIns="91425" bIns="45700" anchor="ctr" anchorCtr="0">
-            <a:noAutofit/>
-          </a:bodyPr>
-          <a:lstStyle/>
-          <a:p>
-            <a:pPr marL="0" marR="0" lvl="0" indent="0" algn="ctr" rtl="0">
-              <a:lnSpc>
-                <a:spcPct val="100000"/>
-              </a:lnSpc>
-              <a:spcBef>
-                <a:spcPts val="0"/>
-              </a:spcBef>
-              <a:spcAft>
-                <a:spcPts val="0"/>
-              </a:spcAft>
-              <a:buClr>
-                <a:srgbClr val="000000"/>
-              </a:buClr>
-              <a:buSzPts val="1400"/>
-              <a:buFont typeface="Arial"/>
-              <a:buNone/>
-            </a:pPr>
-            <a:endParaRPr sz="1400" b="0" i="0" u="none" strike="noStrike" cap="none">
-              <a:solidFill>
-                <a:srgbClr val="000000"/>
-              </a:solidFill>
-              <a:latin typeface="Arial"/>
-              <a:ea typeface="Arial"/>
-              <a:cs typeface="Arial"/>
-              <a:sym typeface="Arial"/>
-            </a:endParaRPr>
-          </a:p>
-        </p:txBody>
-      </p:sp>
-      <p:sp>
-        <p:nvSpPr>
-          <p:cNvPr id="109" name="Google Shape;109;p27"/>
-          <p:cNvSpPr txBox="1"/>
-          <p:nvPr/>
-        </p:nvSpPr>
-        <p:spPr>
-          <a:xfrm rot="2700000">
-            <a:off x="8161655" y="274974"/>
-            <a:ext cx="1095450" cy="311410"/>
-          </a:xfrm>
-          <a:prstGeom prst="rect">
-            <a:avLst/>
-          </a:prstGeom>
-          <a:noFill/>
-          <a:ln>
-            <a:noFill/>
-          </a:ln>
-        </p:spPr>
-        <p:txBody>
-          <a:bodyPr spcFirstLastPara="1" wrap="square" lIns="91425" tIns="91425" rIns="91425" bIns="91425" anchor="ctr" anchorCtr="0">
-            <a:noAutofit/>
-          </a:bodyPr>
-          <a:lstStyle/>
-          <a:p>
-            <a:pPr marL="0" marR="0" lvl="0" indent="0" algn="ctr" rtl="0">
-              <a:lnSpc>
-                <a:spcPct val="100000"/>
-              </a:lnSpc>
-              <a:spcBef>
-                <a:spcPts val="0"/>
-              </a:spcBef>
-              <a:spcAft>
-                <a:spcPts val="0"/>
-              </a:spcAft>
-              <a:buClr>
-                <a:srgbClr val="0056CB"/>
-              </a:buClr>
-              <a:buSzPts val="1400"/>
-              <a:buFont typeface="Arial"/>
-              <a:buNone/>
-            </a:pPr>
-            <a:r>
-              <a:rPr lang="it" sz="1400" b="1" i="0" u="none" strike="noStrike" cap="none">
-                <a:solidFill>
-                  <a:srgbClr val="FFFFFF"/>
-                </a:solidFill>
-                <a:latin typeface="Arial"/>
-                <a:ea typeface="Arial"/>
-                <a:cs typeface="Arial"/>
-                <a:sym typeface="Arial"/>
-              </a:rPr>
-              <a:t>ESEMPIO</a:t>
-            </a:r>
-            <a:endParaRPr sz="1400" b="1" i="0" u="none" strike="noStrike" cap="none">
-              <a:solidFill>
-                <a:srgbClr val="FFFFFF"/>
-              </a:solidFill>
-              <a:latin typeface="Arial"/>
-              <a:ea typeface="Arial"/>
-              <a:cs typeface="Arial"/>
-              <a:sym typeface="Arial"/>
-            </a:endParaRPr>
-          </a:p>
-        </p:txBody>
-      </p:sp>
-      <p:sp>
-        <p:nvSpPr>
-          <p:cNvPr id="110" name="Google Shape;110;p27"/>
-          <p:cNvSpPr txBox="1"/>
-          <p:nvPr/>
-        </p:nvSpPr>
-        <p:spPr>
-          <a:xfrm>
-            <a:off x="360825" y="354450"/>
-            <a:ext cx="5802900" cy="311400"/>
-          </a:xfrm>
-          <a:prstGeom prst="rect">
-            <a:avLst/>
-          </a:prstGeom>
-          <a:noFill/>
-          <a:ln>
-            <a:noFill/>
-          </a:ln>
-        </p:spPr>
-        <p:txBody>
-          <a:bodyPr spcFirstLastPara="1" wrap="square" lIns="91425" tIns="91425" rIns="91425" bIns="91425" anchor="ctr" anchorCtr="0">
-            <a:noAutofit/>
-          </a:bodyPr>
-          <a:lstStyle/>
-          <a:p>
-            <a:pPr marL="0" lvl="0" indent="0" algn="l" rtl="0">
-              <a:spcBef>
-                <a:spcPts val="0"/>
-              </a:spcBef>
-              <a:spcAft>
-                <a:spcPts val="0"/>
-              </a:spcAft>
-              <a:buNone/>
-            </a:pPr>
-            <a:r>
-              <a:rPr lang="it" sz="1200">
-                <a:solidFill>
-                  <a:srgbClr val="0066CC"/>
-                </a:solidFill>
-                <a:latin typeface="Titillium Web SemiBold"/>
-                <a:ea typeface="Titillium Web SemiBold"/>
-                <a:cs typeface="Titillium Web SemiBold"/>
-                <a:sym typeface="Titillium Web SemiBold"/>
-              </a:rPr>
-              <a:t>Esempio di struttura del report di presentazione dei risultati:</a:t>
-            </a:r>
-            <a:endParaRPr sz="1200">
-              <a:solidFill>
-                <a:srgbClr val="0066CC"/>
-              </a:solidFill>
-              <a:latin typeface="Titillium Web SemiBold"/>
-              <a:ea typeface="Titillium Web SemiBold"/>
-              <a:cs typeface="Titillium Web SemiBold"/>
-              <a:sym typeface="Titillium Web SemiBold"/>
-            </a:endParaRPr>
-          </a:p>
-        </p:txBody>
-      </p:sp>
-      <p:pic>
-        <p:nvPicPr>
-          <p:cNvPr id="111" name="Google Shape;111;p27"/>
-          <p:cNvPicPr preferRelativeResize="0"/>
-          <p:nvPr/>
-        </p:nvPicPr>
-        <p:blipFill rotWithShape="1">
-          <a:blip r:embed="rId4">
-            <a:alphaModFix/>
-          </a:blip>
-          <a:srcRect l="109" r="109"/>
-          <a:stretch/>
-        </p:blipFill>
-        <p:spPr>
-          <a:xfrm>
-            <a:off x="468625" y="1065237"/>
-            <a:ext cx="1767249" cy="1104551"/>
-          </a:xfrm>
-          <a:prstGeom prst="rect">
-            <a:avLst/>
-          </a:prstGeom>
-          <a:noFill/>
-          <a:ln>
-            <a:noFill/>
-          </a:ln>
-          <a:effectLst>
-            <a:outerShdw blurRad="57150" dist="19050" dir="5400000" algn="bl" rotWithShape="0">
-              <a:srgbClr val="000000">
-                <a:alpha val="9000"/>
-              </a:srgbClr>
-            </a:outerShdw>
-          </a:effectLst>
-        </p:spPr>
-      </p:pic>
-      <p:pic>
-        <p:nvPicPr>
-          <p:cNvPr id="112" name="Google Shape;112;p27"/>
-          <p:cNvPicPr preferRelativeResize="0"/>
-          <p:nvPr/>
-        </p:nvPicPr>
-        <p:blipFill rotWithShape="1">
-          <a:blip r:embed="rId5">
-            <a:alphaModFix/>
-          </a:blip>
-          <a:srcRect t="19" b="19"/>
-          <a:stretch/>
-        </p:blipFill>
-        <p:spPr>
-          <a:xfrm>
-            <a:off x="2521400" y="1065237"/>
-            <a:ext cx="1767248" cy="1104550"/>
-          </a:xfrm>
-          <a:prstGeom prst="rect">
-            <a:avLst/>
-          </a:prstGeom>
-          <a:noFill/>
-          <a:ln>
-            <a:noFill/>
-          </a:ln>
-          <a:effectLst>
-            <a:outerShdw blurRad="57150" dist="19050" dir="5400000" algn="bl" rotWithShape="0">
-              <a:srgbClr val="000000">
-                <a:alpha val="9000"/>
-              </a:srgbClr>
-            </a:outerShdw>
-          </a:effectLst>
-        </p:spPr>
-      </p:pic>
-      <p:pic>
-        <p:nvPicPr>
-          <p:cNvPr id="113" name="Google Shape;113;p27"/>
-          <p:cNvPicPr preferRelativeResize="0"/>
-          <p:nvPr/>
-        </p:nvPicPr>
-        <p:blipFill rotWithShape="1">
-          <a:blip r:embed="rId6">
-            <a:alphaModFix/>
-          </a:blip>
-          <a:srcRect l="66" r="4930"/>
-          <a:stretch/>
-        </p:blipFill>
-        <p:spPr>
-          <a:xfrm>
-            <a:off x="4574175" y="1065237"/>
-            <a:ext cx="1767249" cy="1104549"/>
-          </a:xfrm>
-          <a:prstGeom prst="rect">
-            <a:avLst/>
-          </a:prstGeom>
-          <a:noFill/>
-          <a:ln>
-            <a:noFill/>
-          </a:ln>
-          <a:effectLst>
-            <a:outerShdw blurRad="57150" dist="19050" dir="5400000" algn="bl" rotWithShape="0">
-              <a:srgbClr val="000000">
-                <a:alpha val="9000"/>
-              </a:srgbClr>
-            </a:outerShdw>
-          </a:effectLst>
-        </p:spPr>
-      </p:pic>
-      <p:pic>
-        <p:nvPicPr>
-          <p:cNvPr id="114" name="Google Shape;114;p27"/>
-          <p:cNvPicPr preferRelativeResize="0"/>
-          <p:nvPr/>
-        </p:nvPicPr>
-        <p:blipFill rotWithShape="1">
-          <a:blip r:embed="rId7">
-            <a:alphaModFix/>
-          </a:blip>
-          <a:srcRect l="79" r="79"/>
-          <a:stretch/>
-        </p:blipFill>
-        <p:spPr>
-          <a:xfrm>
-            <a:off x="468600" y="2457462"/>
-            <a:ext cx="1767252" cy="1104550"/>
-          </a:xfrm>
-          <a:prstGeom prst="rect">
-            <a:avLst/>
-          </a:prstGeom>
-          <a:noFill/>
-          <a:ln>
-            <a:noFill/>
-          </a:ln>
-          <a:effectLst>
-            <a:outerShdw blurRad="57150" dist="19050" dir="5400000" algn="bl" rotWithShape="0">
-              <a:srgbClr val="000000">
-                <a:alpha val="9000"/>
-              </a:srgbClr>
-            </a:outerShdw>
-          </a:effectLst>
-        </p:spPr>
-      </p:pic>
-      <p:sp>
-        <p:nvSpPr>
-          <p:cNvPr id="115" name="Google Shape;115;p27"/>
-          <p:cNvSpPr/>
-          <p:nvPr/>
-        </p:nvSpPr>
-        <p:spPr>
-          <a:xfrm>
-            <a:off x="468600" y="1885675"/>
-            <a:ext cx="1767300" cy="284100"/>
-          </a:xfrm>
-          <a:prstGeom prst="rect">
-            <a:avLst/>
-          </a:prstGeom>
-          <a:solidFill>
-            <a:srgbClr val="000000"/>
-          </a:solidFill>
-          <a:ln>
-            <a:noFill/>
-          </a:ln>
-        </p:spPr>
-        <p:txBody>
-          <a:bodyPr spcFirstLastPara="1" wrap="square" lIns="91425" tIns="91425" rIns="91425" bIns="91425" anchor="ctr" anchorCtr="0">
-            <a:noAutofit/>
-          </a:bodyPr>
-          <a:lstStyle/>
-          <a:p>
-            <a:pPr marL="0" lvl="0" indent="0" algn="l" rtl="0">
-              <a:spcBef>
-                <a:spcPts val="0"/>
-              </a:spcBef>
-              <a:spcAft>
-                <a:spcPts val="0"/>
-              </a:spcAft>
-              <a:buNone/>
-            </a:pPr>
-            <a:endParaRPr/>
-          </a:p>
-        </p:txBody>
-      </p:sp>
-      <p:sp>
-        <p:nvSpPr>
-          <p:cNvPr id="116" name="Google Shape;116;p27"/>
-          <p:cNvSpPr txBox="1"/>
-          <p:nvPr/>
-        </p:nvSpPr>
-        <p:spPr>
-          <a:xfrm>
-            <a:off x="508075" y="1872025"/>
-            <a:ext cx="734400" cy="311400"/>
-          </a:xfrm>
-          <a:prstGeom prst="rect">
-            <a:avLst/>
-          </a:prstGeom>
-          <a:noFill/>
-          <a:ln>
-            <a:noFill/>
-          </a:ln>
-        </p:spPr>
-        <p:txBody>
-          <a:bodyPr spcFirstLastPara="1" wrap="square" lIns="91425" tIns="91425" rIns="91425" bIns="91425" anchor="ctr" anchorCtr="0">
-            <a:noAutofit/>
-          </a:bodyPr>
-          <a:lstStyle/>
-          <a:p>
-            <a:pPr marL="0" lvl="0" indent="0" algn="l" rtl="0">
-              <a:spcBef>
-                <a:spcPts val="0"/>
-              </a:spcBef>
-              <a:spcAft>
-                <a:spcPts val="0"/>
-              </a:spcAft>
-              <a:buNone/>
-            </a:pPr>
-            <a:r>
-              <a:rPr lang="it" sz="1000">
-                <a:solidFill>
-                  <a:srgbClr val="FFFFFF"/>
-                </a:solidFill>
-                <a:latin typeface="Titillium Web SemiBold"/>
-                <a:ea typeface="Titillium Web SemiBold"/>
-                <a:cs typeface="Titillium Web SemiBold"/>
-                <a:sym typeface="Titillium Web SemiBold"/>
-              </a:rPr>
-              <a:t>Cover</a:t>
-            </a:r>
-            <a:endParaRPr sz="1000">
-              <a:solidFill>
-                <a:srgbClr val="FFFFFF"/>
-              </a:solidFill>
-              <a:latin typeface="Titillium Web SemiBold"/>
-              <a:ea typeface="Titillium Web SemiBold"/>
-              <a:cs typeface="Titillium Web SemiBold"/>
-              <a:sym typeface="Titillium Web SemiBold"/>
-            </a:endParaRPr>
-          </a:p>
-        </p:txBody>
-      </p:sp>
-      <p:sp>
-        <p:nvSpPr>
-          <p:cNvPr id="117" name="Google Shape;117;p27"/>
-          <p:cNvSpPr/>
-          <p:nvPr/>
-        </p:nvSpPr>
-        <p:spPr>
-          <a:xfrm>
-            <a:off x="2521375" y="1885675"/>
-            <a:ext cx="1767300" cy="284100"/>
-          </a:xfrm>
-          <a:prstGeom prst="rect">
-            <a:avLst/>
-          </a:prstGeom>
-          <a:solidFill>
-            <a:srgbClr val="000000"/>
-          </a:solidFill>
-          <a:ln>
-            <a:noFill/>
-          </a:ln>
-        </p:spPr>
-        <p:txBody>
-          <a:bodyPr spcFirstLastPara="1" wrap="square" lIns="91425" tIns="91425" rIns="91425" bIns="91425" anchor="ctr" anchorCtr="0">
-            <a:noAutofit/>
-          </a:bodyPr>
-          <a:lstStyle/>
-          <a:p>
-            <a:pPr marL="0" lvl="0" indent="0" algn="l" rtl="0">
-              <a:spcBef>
-                <a:spcPts val="0"/>
-              </a:spcBef>
-              <a:spcAft>
-                <a:spcPts val="0"/>
-              </a:spcAft>
-              <a:buNone/>
-            </a:pPr>
-            <a:endParaRPr/>
-          </a:p>
-        </p:txBody>
-      </p:sp>
-      <p:sp>
-        <p:nvSpPr>
-          <p:cNvPr id="118" name="Google Shape;118;p27"/>
-          <p:cNvSpPr txBox="1"/>
-          <p:nvPr/>
-        </p:nvSpPr>
-        <p:spPr>
-          <a:xfrm>
-            <a:off x="2560850" y="1872025"/>
-            <a:ext cx="1598700" cy="311400"/>
-          </a:xfrm>
-          <a:prstGeom prst="rect">
-            <a:avLst/>
-          </a:prstGeom>
-          <a:noFill/>
-          <a:ln>
-            <a:noFill/>
-          </a:ln>
-        </p:spPr>
-        <p:txBody>
-          <a:bodyPr spcFirstLastPara="1" wrap="square" lIns="91425" tIns="91425" rIns="91425" bIns="91425" anchor="ctr" anchorCtr="0">
-            <a:noAutofit/>
-          </a:bodyPr>
-          <a:lstStyle/>
-          <a:p>
-            <a:pPr marL="0" lvl="0" indent="0" algn="l" rtl="0">
-              <a:spcBef>
-                <a:spcPts val="0"/>
-              </a:spcBef>
-              <a:spcAft>
-                <a:spcPts val="0"/>
-              </a:spcAft>
-              <a:buNone/>
-            </a:pPr>
-            <a:r>
-              <a:rPr lang="it" sz="1000">
-                <a:solidFill>
-                  <a:srgbClr val="FFFFFF"/>
-                </a:solidFill>
-                <a:latin typeface="Titillium Web SemiBold"/>
-                <a:ea typeface="Titillium Web SemiBold"/>
-                <a:cs typeface="Titillium Web SemiBold"/>
-                <a:sym typeface="Titillium Web SemiBold"/>
-              </a:rPr>
-              <a:t>Dati raccolti</a:t>
-            </a:r>
-            <a:endParaRPr sz="1000">
-              <a:solidFill>
-                <a:srgbClr val="FFFFFF"/>
-              </a:solidFill>
-              <a:latin typeface="Titillium Web SemiBold"/>
-              <a:ea typeface="Titillium Web SemiBold"/>
-              <a:cs typeface="Titillium Web SemiBold"/>
-              <a:sym typeface="Titillium Web SemiBold"/>
-            </a:endParaRPr>
-          </a:p>
-        </p:txBody>
-      </p:sp>
-      <p:sp>
-        <p:nvSpPr>
-          <p:cNvPr id="119" name="Google Shape;119;p27"/>
-          <p:cNvSpPr/>
-          <p:nvPr/>
-        </p:nvSpPr>
-        <p:spPr>
-          <a:xfrm>
-            <a:off x="4574163" y="1885675"/>
-            <a:ext cx="1767300" cy="284100"/>
-          </a:xfrm>
-          <a:prstGeom prst="rect">
-            <a:avLst/>
-          </a:prstGeom>
-          <a:solidFill>
-            <a:srgbClr val="000000"/>
-          </a:solidFill>
-          <a:ln>
-            <a:noFill/>
-          </a:ln>
-        </p:spPr>
-        <p:txBody>
-          <a:bodyPr spcFirstLastPara="1" wrap="square" lIns="91425" tIns="91425" rIns="91425" bIns="91425" anchor="ctr" anchorCtr="0">
-            <a:noAutofit/>
-          </a:bodyPr>
-          <a:lstStyle/>
-          <a:p>
-            <a:pPr marL="0" lvl="0" indent="0" algn="l" rtl="0">
-              <a:spcBef>
-                <a:spcPts val="0"/>
-              </a:spcBef>
-              <a:spcAft>
-                <a:spcPts val="0"/>
-              </a:spcAft>
-              <a:buNone/>
-            </a:pPr>
-            <a:endParaRPr/>
-          </a:p>
-        </p:txBody>
-      </p:sp>
-      <p:sp>
-        <p:nvSpPr>
-          <p:cNvPr id="120" name="Google Shape;120;p27"/>
-          <p:cNvSpPr txBox="1"/>
-          <p:nvPr/>
-        </p:nvSpPr>
-        <p:spPr>
-          <a:xfrm>
-            <a:off x="4613626" y="1872025"/>
-            <a:ext cx="1929600" cy="311400"/>
-          </a:xfrm>
-          <a:prstGeom prst="rect">
-            <a:avLst/>
-          </a:prstGeom>
-          <a:noFill/>
-          <a:ln>
-            <a:noFill/>
-          </a:ln>
-        </p:spPr>
-        <p:txBody>
-          <a:bodyPr spcFirstLastPara="1" wrap="square" lIns="91425" tIns="91425" rIns="91425" bIns="91425" anchor="ctr" anchorCtr="0">
-            <a:noAutofit/>
-          </a:bodyPr>
-          <a:lstStyle/>
-          <a:p>
-            <a:pPr marL="0" lvl="0" indent="0" algn="l" rtl="0">
-              <a:spcBef>
-                <a:spcPts val="0"/>
-              </a:spcBef>
-              <a:spcAft>
-                <a:spcPts val="0"/>
-              </a:spcAft>
-              <a:buNone/>
-            </a:pPr>
-            <a:r>
-              <a:rPr lang="it" sz="1000">
-                <a:solidFill>
-                  <a:srgbClr val="FFFFFF"/>
-                </a:solidFill>
-                <a:latin typeface="Titillium Web SemiBold"/>
-                <a:ea typeface="Titillium Web SemiBold"/>
-                <a:cs typeface="Titillium Web SemiBold"/>
-                <a:sym typeface="Titillium Web SemiBold"/>
-              </a:rPr>
-              <a:t>Sintesi delle misurazioni</a:t>
-            </a:r>
-            <a:endParaRPr sz="1000">
-              <a:solidFill>
-                <a:srgbClr val="FFFFFF"/>
-              </a:solidFill>
-              <a:latin typeface="Titillium Web SemiBold"/>
-              <a:ea typeface="Titillium Web SemiBold"/>
-              <a:cs typeface="Titillium Web SemiBold"/>
-              <a:sym typeface="Titillium Web SemiBold"/>
-            </a:endParaRPr>
-          </a:p>
-        </p:txBody>
-      </p:sp>
-      <p:sp>
-        <p:nvSpPr>
-          <p:cNvPr id="121" name="Google Shape;121;p27"/>
-          <p:cNvSpPr/>
-          <p:nvPr/>
-        </p:nvSpPr>
-        <p:spPr>
-          <a:xfrm>
-            <a:off x="2521375" y="3273456"/>
-            <a:ext cx="1767300" cy="284100"/>
-          </a:xfrm>
-          <a:prstGeom prst="rect">
-            <a:avLst/>
-          </a:prstGeom>
-          <a:solidFill>
-            <a:srgbClr val="000000"/>
-          </a:solidFill>
-          <a:ln>
-            <a:noFill/>
-          </a:ln>
-        </p:spPr>
-        <p:txBody>
-          <a:bodyPr spcFirstLastPara="1" wrap="square" lIns="91425" tIns="91425" rIns="91425" bIns="91425" anchor="ctr" anchorCtr="0">
-            <a:noAutofit/>
-          </a:bodyPr>
-          <a:lstStyle/>
-          <a:p>
-            <a:pPr marL="0" lvl="0" indent="0" algn="l" rtl="0">
-              <a:spcBef>
-                <a:spcPts val="0"/>
-              </a:spcBef>
-              <a:spcAft>
-                <a:spcPts val="0"/>
-              </a:spcAft>
-              <a:buNone/>
-            </a:pPr>
-            <a:endParaRPr/>
-          </a:p>
-        </p:txBody>
-      </p:sp>
-      <p:sp>
-        <p:nvSpPr>
-          <p:cNvPr id="122" name="Google Shape;122;p27"/>
-          <p:cNvSpPr txBox="1"/>
-          <p:nvPr/>
-        </p:nvSpPr>
-        <p:spPr>
-          <a:xfrm>
-            <a:off x="2560850" y="3259806"/>
-            <a:ext cx="1598700" cy="311400"/>
-          </a:xfrm>
-          <a:prstGeom prst="rect">
-            <a:avLst/>
-          </a:prstGeom>
-          <a:noFill/>
-          <a:ln>
-            <a:noFill/>
-          </a:ln>
-        </p:spPr>
-        <p:txBody>
-          <a:bodyPr spcFirstLastPara="1" wrap="square" lIns="91425" tIns="91425" rIns="91425" bIns="91425" anchor="ctr" anchorCtr="0">
-            <a:noAutofit/>
-          </a:bodyPr>
-          <a:lstStyle/>
-          <a:p>
-            <a:pPr marL="0" lvl="0" indent="0" algn="l" rtl="0">
-              <a:spcBef>
-                <a:spcPts val="0"/>
-              </a:spcBef>
-              <a:spcAft>
-                <a:spcPts val="0"/>
-              </a:spcAft>
-              <a:buNone/>
-            </a:pPr>
-            <a:r>
-              <a:rPr lang="it" sz="1000">
-                <a:solidFill>
-                  <a:srgbClr val="FFFFFF"/>
-                </a:solidFill>
-                <a:latin typeface="Titillium Web SemiBold"/>
-                <a:ea typeface="Titillium Web SemiBold"/>
-                <a:cs typeface="Titillium Web SemiBold"/>
-                <a:sym typeface="Titillium Web SemiBold"/>
-              </a:rPr>
-              <a:t>Problemi e criticità</a:t>
-            </a:r>
-            <a:endParaRPr sz="1000">
-              <a:solidFill>
-                <a:srgbClr val="FFFFFF"/>
-              </a:solidFill>
-              <a:latin typeface="Titillium Web SemiBold"/>
-              <a:ea typeface="Titillium Web SemiBold"/>
-              <a:cs typeface="Titillium Web SemiBold"/>
-              <a:sym typeface="Titillium Web SemiBold"/>
-            </a:endParaRPr>
-          </a:p>
-        </p:txBody>
-      </p:sp>
-      <p:sp>
-        <p:nvSpPr>
-          <p:cNvPr id="123" name="Google Shape;123;p27"/>
-          <p:cNvSpPr/>
-          <p:nvPr/>
-        </p:nvSpPr>
-        <p:spPr>
-          <a:xfrm>
-            <a:off x="468563" y="3277900"/>
-            <a:ext cx="1767300" cy="284100"/>
-          </a:xfrm>
-          <a:prstGeom prst="rect">
-            <a:avLst/>
-          </a:prstGeom>
-          <a:solidFill>
-            <a:srgbClr val="000000"/>
-          </a:solidFill>
-          <a:ln>
-            <a:noFill/>
-          </a:ln>
-        </p:spPr>
-        <p:txBody>
-          <a:bodyPr spcFirstLastPara="1" wrap="square" lIns="91425" tIns="91425" rIns="91425" bIns="91425" anchor="ctr" anchorCtr="0">
-            <a:noAutofit/>
-          </a:bodyPr>
-          <a:lstStyle/>
-          <a:p>
-            <a:pPr marL="0" lvl="0" indent="0" algn="l" rtl="0">
-              <a:spcBef>
-                <a:spcPts val="0"/>
-              </a:spcBef>
-              <a:spcAft>
-                <a:spcPts val="0"/>
-              </a:spcAft>
-              <a:buNone/>
-            </a:pPr>
-            <a:endParaRPr/>
-          </a:p>
-        </p:txBody>
-      </p:sp>
-      <p:sp>
-        <p:nvSpPr>
-          <p:cNvPr id="124" name="Google Shape;124;p27"/>
-          <p:cNvSpPr txBox="1"/>
-          <p:nvPr/>
-        </p:nvSpPr>
-        <p:spPr>
-          <a:xfrm>
-            <a:off x="508026" y="3264250"/>
-            <a:ext cx="1929600" cy="311400"/>
-          </a:xfrm>
-          <a:prstGeom prst="rect">
-            <a:avLst/>
-          </a:prstGeom>
-          <a:noFill/>
-          <a:ln>
-            <a:noFill/>
-          </a:ln>
-        </p:spPr>
-        <p:txBody>
-          <a:bodyPr spcFirstLastPara="1" wrap="square" lIns="91425" tIns="91425" rIns="91425" bIns="91425" anchor="ctr" anchorCtr="0">
-            <a:noAutofit/>
-          </a:bodyPr>
-          <a:lstStyle/>
-          <a:p>
-            <a:pPr marL="0" lvl="0" indent="0" algn="l" rtl="0">
-              <a:spcBef>
-                <a:spcPts val="0"/>
-              </a:spcBef>
-              <a:spcAft>
-                <a:spcPts val="0"/>
-              </a:spcAft>
-              <a:buNone/>
-            </a:pPr>
-            <a:r>
-              <a:rPr lang="it" sz="1000">
-                <a:solidFill>
-                  <a:srgbClr val="FFFFFF"/>
-                </a:solidFill>
-                <a:latin typeface="Titillium Web SemiBold"/>
-                <a:ea typeface="Titillium Web SemiBold"/>
-                <a:cs typeface="Titillium Web SemiBold"/>
-                <a:sym typeface="Titillium Web SemiBold"/>
-              </a:rPr>
-              <a:t>Task e criteri di successo</a:t>
-            </a:r>
-            <a:endParaRPr sz="1000">
-              <a:solidFill>
-                <a:srgbClr val="FFFFFF"/>
-              </a:solidFill>
-              <a:latin typeface="Titillium Web SemiBold"/>
-              <a:ea typeface="Titillium Web SemiBold"/>
-              <a:cs typeface="Titillium Web SemiBold"/>
-              <a:sym typeface="Titillium Web SemiBold"/>
-            </a:endParaRPr>
-          </a:p>
-        </p:txBody>
-      </p:sp>
-      <p:pic>
-        <p:nvPicPr>
-          <p:cNvPr id="125" name="Google Shape;125;p27"/>
-          <p:cNvPicPr preferRelativeResize="0"/>
-          <p:nvPr/>
-        </p:nvPicPr>
-        <p:blipFill rotWithShape="1">
-          <a:blip r:embed="rId8">
-            <a:alphaModFix/>
-          </a:blip>
-          <a:srcRect/>
-          <a:stretch/>
-        </p:blipFill>
-        <p:spPr>
-          <a:xfrm>
-            <a:off x="308269" y="5083200"/>
-            <a:ext cx="1448532" cy="305456"/>
-          </a:xfrm>
-          <a:prstGeom prst="rect">
-            <a:avLst/>
-          </a:prstGeom>
-          <a:noFill/>
-          <a:ln>
-            <a:noFill/>
-          </a:ln>
-        </p:spPr>
-      </p:pic>
-    </p:spTree>
-  </p:cSld>
-  <p:clrMapOvr>
-    <a:masterClrMapping/>
-  </p:clrMapOvr>
-</p:sld>
-</file>
-
-<file path=ppt/slides/slide4.xml><?xml version="1.0" encoding="utf-8"?>
 <p:sld xmlns:a="http://schemas.openxmlformats.org/drawingml/2006/main" xmlns:r="http://schemas.openxmlformats.org/officeDocument/2006/relationships" xmlns:p="http://schemas.openxmlformats.org/presentationml/2006/main">
   <p:cSld>
     <p:spTree>
@@ -19466,7 +20070,7 @@
               </a:spcAft>
               <a:buNone/>
             </a:pPr>
-            <a:endParaRPr/>
+            <a:endParaRPr u="sng" dirty="0"/>
           </a:p>
         </p:txBody>
       </p:sp>
@@ -19506,7 +20110,7 @@
             </a:pPr>
             <a:fld id="{00000000-1234-1234-1234-123412341234}" type="slidenum">
               <a:rPr lang="it"/>
-              <a:t>4</a:t>
+              <a:t>3</a:t>
             </a:fld>
             <a:endParaRPr/>
           </a:p>
@@ -19520,7 +20124,7 @@
         </p:nvSpPr>
         <p:spPr>
           <a:xfrm>
-            <a:off x="3171925" y="1483302"/>
+            <a:off x="3180900" y="700439"/>
             <a:ext cx="2782200" cy="339000"/>
           </a:xfrm>
           <a:prstGeom prst="rect">
@@ -19547,7 +20151,7 @@
               <a:buNone/>
             </a:pPr>
             <a:r>
-              <a:rPr lang="it" sz="1200">
+              <a:rPr lang="it" sz="1200" dirty="0">
                 <a:solidFill>
                   <a:srgbClr val="FFFFFF"/>
                 </a:solidFill>
@@ -19556,9 +20160,9 @@
                 <a:cs typeface="Titillium Web"/>
                 <a:sym typeface="Titillium Web"/>
               </a:rPr>
-              <a:t>Data</a:t>
+              <a:t>21/06/2022</a:t>
             </a:r>
-            <a:endParaRPr sz="1200">
+            <a:endParaRPr sz="1200" dirty="0">
               <a:solidFill>
                 <a:srgbClr val="FFFFFF"/>
               </a:solidFill>
@@ -19578,8 +20182,8 @@
         </p:nvSpPr>
         <p:spPr>
           <a:xfrm>
-            <a:off x="2252850" y="2078878"/>
-            <a:ext cx="4638300" cy="855000"/>
+            <a:off x="2243875" y="1211439"/>
+            <a:ext cx="4638300" cy="1528009"/>
           </a:xfrm>
           <a:prstGeom prst="rect">
             <a:avLst/>
@@ -19605,58 +20209,17 @@
               <a:buNone/>
             </a:pPr>
             <a:r>
-              <a:rPr lang="it" sz="4600">
+              <a:rPr lang="it-IT" sz="4800" i="1" dirty="0">
                 <a:solidFill>
                   <a:srgbClr val="FFFFFF"/>
                 </a:solidFill>
-                <a:latin typeface="Titillium Web SemiBold"/>
-                <a:ea typeface="Titillium Web SemiBold"/>
-                <a:cs typeface="Titillium Web SemiBold"/>
-                <a:sym typeface="Titillium Web SemiBold"/>
+                <a:latin typeface="Titillium Web"/>
+                <a:ea typeface="Titillium Web"/>
+                <a:cs typeface="Titillium Web"/>
+                <a:sym typeface="Titillium Web"/>
               </a:rPr>
-              <a:t>Sito web</a:t>
+              <a:t>Sito Università degli Studi di Firenze</a:t>
             </a:r>
-            <a:endParaRPr sz="4600">
-              <a:solidFill>
-                <a:srgbClr val="FFFFFF"/>
-              </a:solidFill>
-              <a:latin typeface="Titillium Web SemiBold"/>
-              <a:ea typeface="Titillium Web SemiBold"/>
-              <a:cs typeface="Titillium Web SemiBold"/>
-              <a:sym typeface="Titillium Web SemiBold"/>
-            </a:endParaRPr>
-          </a:p>
-          <a:p>
-            <a:pPr marL="0" lvl="0" indent="0" algn="ctr" rtl="0">
-              <a:spcBef>
-                <a:spcPts val="0"/>
-              </a:spcBef>
-              <a:spcAft>
-                <a:spcPts val="0"/>
-              </a:spcAft>
-              <a:buNone/>
-            </a:pPr>
-            <a:r>
-              <a:rPr lang="it" sz="4600">
-                <a:solidFill>
-                  <a:srgbClr val="FFFFFF"/>
-                </a:solidFill>
-                <a:latin typeface="Titillium Web SemiBold"/>
-                <a:ea typeface="Titillium Web SemiBold"/>
-                <a:cs typeface="Titillium Web SemiBold"/>
-                <a:sym typeface="Titillium Web SemiBold"/>
-              </a:rPr>
-              <a:t>esplorato</a:t>
-            </a:r>
-            <a:endParaRPr sz="4600">
-              <a:solidFill>
-                <a:srgbClr val="FFFFFF"/>
-              </a:solidFill>
-              <a:latin typeface="Titillium Web SemiBold"/>
-              <a:ea typeface="Titillium Web SemiBold"/>
-              <a:cs typeface="Titillium Web SemiBold"/>
-              <a:sym typeface="Titillium Web SemiBold"/>
-            </a:endParaRPr>
           </a:p>
         </p:txBody>
       </p:sp>
@@ -19720,19 +20283,7 @@
               </a:spcAft>
               <a:buNone/>
             </a:pPr>
-            <a:r>
-              <a:rPr lang="it" sz="1200">
-                <a:solidFill>
-                  <a:srgbClr val="FFFFFF"/>
-                </a:solidFill>
-                <a:latin typeface="Titillium Web"/>
-                <a:ea typeface="Titillium Web"/>
-                <a:cs typeface="Titillium Web"/>
-                <a:sym typeface="Titillium Web"/>
-              </a:rPr>
-              <a:t>NOME DEL MODERATORE</a:t>
-            </a:r>
-            <a:endParaRPr sz="1200">
+            <a:endParaRPr sz="1200" dirty="0">
               <a:solidFill>
                 <a:srgbClr val="FFFFFF"/>
               </a:solidFill>
@@ -19779,7 +20330,7 @@
 </p:sld>
 </file>
 
-<file path=ppt/slides/slide5.xml><?xml version="1.0" encoding="utf-8"?>
+<file path=ppt/slides/slide4.xml><?xml version="1.0" encoding="utf-8"?>
 <p:sld xmlns:a="http://schemas.openxmlformats.org/drawingml/2006/main" xmlns:r="http://schemas.openxmlformats.org/officeDocument/2006/relationships" xmlns:p="http://schemas.openxmlformats.org/presentationml/2006/main">
   <p:cSld>
     <p:bg>
@@ -19840,7 +20391,7 @@
             </a:pPr>
             <a:fld id="{00000000-1234-1234-1234-123412341234}" type="slidenum">
               <a:rPr lang="it"/>
-              <a:t>5</a:t>
+              <a:t>4</a:t>
             </a:fld>
             <a:endParaRPr/>
           </a:p>
@@ -20501,7 +21052,7 @@
               <a:buNone/>
             </a:pPr>
             <a:r>
-              <a:rPr lang="it" sz="3600" b="1">
+              <a:rPr lang="it" sz="3600" b="1" dirty="0">
                 <a:solidFill>
                   <a:srgbClr val="FFFFFF"/>
                 </a:solidFill>
@@ -20510,9 +21061,9 @@
                 <a:cs typeface="Titillium Web"/>
                 <a:sym typeface="Titillium Web"/>
               </a:rPr>
-              <a:t>n°</a:t>
+              <a:t>4</a:t>
             </a:r>
-            <a:endParaRPr sz="3600" b="1">
+            <a:endParaRPr sz="3600" b="1" dirty="0">
               <a:solidFill>
                 <a:srgbClr val="FFFFFF"/>
               </a:solidFill>
@@ -20535,7 +21086,7 @@
               </a:spcAft>
               <a:buNone/>
             </a:pPr>
-            <a:endParaRPr sz="1100">
+            <a:endParaRPr sz="1100" dirty="0">
               <a:solidFill>
                 <a:srgbClr val="FFFFFF"/>
               </a:solidFill>
@@ -20585,7 +21136,7 @@
               <a:buNone/>
             </a:pPr>
             <a:r>
-              <a:rPr lang="it" sz="3600" b="1">
+              <a:rPr lang="it" sz="3600" b="1" dirty="0">
                 <a:solidFill>
                   <a:srgbClr val="FFFFFF"/>
                 </a:solidFill>
@@ -20594,9 +21145,9 @@
                 <a:cs typeface="Titillium Web"/>
                 <a:sym typeface="Titillium Web"/>
               </a:rPr>
-              <a:t>n°</a:t>
+              <a:t>5</a:t>
             </a:r>
-            <a:endParaRPr sz="3600" b="1">
+            <a:endParaRPr sz="3600" b="1" dirty="0">
               <a:solidFill>
                 <a:srgbClr val="FFFFFF"/>
               </a:solidFill>
@@ -20619,7 +21170,7 @@
               </a:spcAft>
               <a:buNone/>
             </a:pPr>
-            <a:endParaRPr sz="3600" b="1">
+            <a:endParaRPr sz="3600" b="1" dirty="0">
               <a:solidFill>
                 <a:srgbClr val="FFFFFF"/>
               </a:solidFill>
@@ -20642,7 +21193,7 @@
               </a:spcAft>
               <a:buNone/>
             </a:pPr>
-            <a:endParaRPr sz="1100">
+            <a:endParaRPr sz="1100" dirty="0">
               <a:solidFill>
                 <a:srgbClr val="FFFFFF"/>
               </a:solidFill>
@@ -20662,8 +21213,8 @@
         </p:nvSpPr>
         <p:spPr>
           <a:xfrm>
-            <a:off x="5399500" y="2708175"/>
-            <a:ext cx="1128300" cy="579300"/>
+            <a:off x="5399499" y="2708175"/>
+            <a:ext cx="1742279" cy="579300"/>
           </a:xfrm>
           <a:prstGeom prst="rect">
             <a:avLst/>
@@ -20692,7 +21243,7 @@
               <a:buNone/>
             </a:pPr>
             <a:r>
-              <a:rPr lang="it" sz="3600" b="1">
+              <a:rPr lang="it" sz="3600" b="1" dirty="0">
                 <a:solidFill>
                   <a:srgbClr val="FFFFFF"/>
                 </a:solidFill>
@@ -20701,9 +21252,9 @@
                 <a:cs typeface="Titillium Web"/>
                 <a:sym typeface="Titillium Web"/>
               </a:rPr>
-              <a:t>n°</a:t>
+              <a:t>16/20</a:t>
             </a:r>
-            <a:endParaRPr sz="3600" b="1">
+            <a:endParaRPr sz="3600" b="1" dirty="0">
               <a:solidFill>
                 <a:srgbClr val="FFFFFF"/>
               </a:solidFill>
@@ -20726,7 +21277,7 @@
               </a:spcAft>
               <a:buNone/>
             </a:pPr>
-            <a:endParaRPr sz="3600" b="1">
+            <a:endParaRPr sz="3600" b="1" dirty="0">
               <a:solidFill>
                 <a:srgbClr val="FFFFFF"/>
               </a:solidFill>
@@ -20749,7 +21300,7 @@
               </a:spcAft>
               <a:buNone/>
             </a:pPr>
-            <a:endParaRPr sz="1100">
+            <a:endParaRPr sz="1100" dirty="0">
               <a:solidFill>
                 <a:srgbClr val="FFFFFF"/>
               </a:solidFill>
@@ -20796,7 +21347,7 @@
 </p:sld>
 </file>
 
-<file path=ppt/slides/slide6.xml><?xml version="1.0" encoding="utf-8"?>
+<file path=ppt/slides/slide5.xml><?xml version="1.0" encoding="utf-8"?>
 <p:sld xmlns:a="http://schemas.openxmlformats.org/drawingml/2006/main" xmlns:r="http://schemas.openxmlformats.org/officeDocument/2006/relationships" xmlns:p="http://schemas.openxmlformats.org/presentationml/2006/main">
   <p:cSld>
     <p:spTree>
@@ -20849,7 +21400,7 @@
             </a:pPr>
             <a:fld id="{00000000-1234-1234-1234-123412341234}" type="slidenum">
               <a:rPr lang="it"/>
-              <a:t>6</a:t>
+              <a:t>5</a:t>
             </a:fld>
             <a:endParaRPr/>
           </a:p>
@@ -20997,89 +21548,6 @@
       </p:sp>
       <p:sp>
         <p:nvSpPr>
-          <p:cNvPr id="162" name="Google Shape;162;p30"/>
-          <p:cNvSpPr txBox="1"/>
-          <p:nvPr/>
-        </p:nvSpPr>
-        <p:spPr>
-          <a:xfrm>
-            <a:off x="284625" y="4021650"/>
-            <a:ext cx="5865600" cy="311400"/>
-          </a:xfrm>
-          <a:prstGeom prst="rect">
-            <a:avLst/>
-          </a:prstGeom>
-          <a:noFill/>
-          <a:ln>
-            <a:noFill/>
-          </a:ln>
-        </p:spPr>
-        <p:txBody>
-          <a:bodyPr spcFirstLastPara="1" wrap="square" lIns="91425" tIns="91425" rIns="91425" bIns="91425" anchor="ctr" anchorCtr="0">
-            <a:noAutofit/>
-          </a:bodyPr>
-          <a:lstStyle/>
-          <a:p>
-            <a:pPr marL="0" lvl="0" indent="0" algn="l" rtl="0">
-              <a:spcBef>
-                <a:spcPts val="0"/>
-              </a:spcBef>
-              <a:spcAft>
-                <a:spcPts val="0"/>
-              </a:spcAft>
-              <a:buNone/>
-            </a:pPr>
-            <a:r>
-              <a:rPr lang="it">
-                <a:solidFill>
-                  <a:srgbClr val="5A6772"/>
-                </a:solidFill>
-                <a:latin typeface="Titillium Web"/>
-                <a:ea typeface="Titillium Web"/>
-                <a:cs typeface="Titillium Web"/>
-                <a:sym typeface="Titillium Web"/>
-              </a:rPr>
-              <a:t>[</a:t>
-            </a:r>
-            <a:r>
-              <a:rPr lang="it" u="sng">
-                <a:solidFill>
-                  <a:schemeClr val="hlink"/>
-                </a:solidFill>
-                <a:latin typeface="Titillium Web"/>
-                <a:ea typeface="Titillium Web"/>
-                <a:cs typeface="Titillium Web"/>
-                <a:sym typeface="Titillium Web"/>
-                <a:hlinkClick r:id="rId3"/>
-              </a:rPr>
-              <a:t>All. 8</a:t>
-            </a:r>
-            <a:r>
-              <a:rPr lang="it">
-                <a:solidFill>
-                  <a:srgbClr val="5A6772"/>
-                </a:solidFill>
-                <a:latin typeface="Titillium Web"/>
-                <a:ea typeface="Titillium Web"/>
-                <a:cs typeface="Titillium Web"/>
-                <a:sym typeface="Titillium Web"/>
-              </a:rPr>
-              <a:t> (b)] </a:t>
-            </a:r>
-            <a:endParaRPr>
-              <a:solidFill>
-                <a:srgbClr val="5A6772"/>
-              </a:solidFill>
-              <a:latin typeface="Titillium Web SemiBold"/>
-              <a:ea typeface="Titillium Web SemiBold"/>
-              <a:cs typeface="Titillium Web SemiBold"/>
-              <a:sym typeface="Titillium Web SemiBold"/>
-            </a:endParaRPr>
-          </a:p>
-        </p:txBody>
-      </p:sp>
-      <p:sp>
-        <p:nvSpPr>
           <p:cNvPr id="163" name="Google Shape;163;p30"/>
           <p:cNvSpPr txBox="1"/>
           <p:nvPr/>
@@ -21171,7 +21639,7 @@
               <a:buNone/>
             </a:pPr>
             <a:r>
-              <a:rPr lang="it" sz="4800" b="1">
+              <a:rPr lang="it" sz="4800" b="1" dirty="0">
                 <a:solidFill>
                   <a:srgbClr val="00B8CD"/>
                 </a:solidFill>
@@ -21180,9 +21648,9 @@
                 <a:cs typeface="Titillium Web"/>
                 <a:sym typeface="Titillium Web"/>
               </a:rPr>
-              <a:t>00%</a:t>
+              <a:t>80%</a:t>
             </a:r>
-            <a:endParaRPr sz="4800" b="1">
+            <a:endParaRPr sz="4800" b="1" dirty="0">
               <a:solidFill>
                 <a:srgbClr val="00B8CD"/>
               </a:solidFill>
@@ -21201,7 +21669,7 @@
           <p:nvPr/>
         </p:nvPicPr>
         <p:blipFill rotWithShape="1">
-          <a:blip r:embed="rId4">
+          <a:blip r:embed="rId3">
             <a:alphaModFix/>
           </a:blip>
           <a:srcRect/>
@@ -21222,6 +21690,11 @@
         </p:spPr>
       </p:pic>
     </p:spTree>
+    <p:extLst>
+      <p:ext uri="{BB962C8B-B14F-4D97-AF65-F5344CB8AC3E}">
+        <p14:creationId xmlns:p14="http://schemas.microsoft.com/office/powerpoint/2010/main" val="3223652848"/>
+      </p:ext>
+    </p:extLst>
   </p:cSld>
   <p:clrMapOvr>
     <a:masterClrMapping/>
@@ -21229,7 +21702,7 @@
 </p:sld>
 </file>
 
-<file path=ppt/slides/slide7.xml><?xml version="1.0" encoding="utf-8"?>
+<file path=ppt/slides/slide6.xml><?xml version="1.0" encoding="utf-8"?>
 <p:sld xmlns:a="http://schemas.openxmlformats.org/drawingml/2006/main" xmlns:r="http://schemas.openxmlformats.org/officeDocument/2006/relationships" xmlns:p="http://schemas.openxmlformats.org/presentationml/2006/main">
   <p:cSld>
     <p:spTree>
@@ -21282,7 +21755,7 @@
             </a:pPr>
             <a:fld id="{00000000-1234-1234-1234-123412341234}" type="slidenum">
               <a:rPr lang="it"/>
-              <a:t>7</a:t>
+              <a:t>6</a:t>
             </a:fld>
             <a:endParaRPr/>
           </a:p>
@@ -21488,97 +21961,14 @@
       </p:sp>
       <p:sp>
         <p:nvSpPr>
-          <p:cNvPr id="174" name="Google Shape;174;p31"/>
-          <p:cNvSpPr txBox="1"/>
-          <p:nvPr/>
-        </p:nvSpPr>
-        <p:spPr>
-          <a:xfrm>
-            <a:off x="284625" y="4021650"/>
-            <a:ext cx="5865600" cy="311400"/>
-          </a:xfrm>
-          <a:prstGeom prst="rect">
-            <a:avLst/>
-          </a:prstGeom>
-          <a:noFill/>
-          <a:ln>
-            <a:noFill/>
-          </a:ln>
-        </p:spPr>
-        <p:txBody>
-          <a:bodyPr spcFirstLastPara="1" wrap="square" lIns="91425" tIns="91425" rIns="91425" bIns="91425" anchor="ctr" anchorCtr="0">
-            <a:noAutofit/>
-          </a:bodyPr>
-          <a:lstStyle/>
-          <a:p>
-            <a:pPr marL="0" lvl="0" indent="0" algn="l" rtl="0">
-              <a:spcBef>
-                <a:spcPts val="0"/>
-              </a:spcBef>
-              <a:spcAft>
-                <a:spcPts val="0"/>
-              </a:spcAft>
-              <a:buNone/>
-            </a:pPr>
-            <a:r>
-              <a:rPr lang="it">
-                <a:solidFill>
-                  <a:srgbClr val="5A6772"/>
-                </a:solidFill>
-                <a:latin typeface="Titillium Web"/>
-                <a:ea typeface="Titillium Web"/>
-                <a:cs typeface="Titillium Web"/>
-                <a:sym typeface="Titillium Web"/>
-              </a:rPr>
-              <a:t>[</a:t>
-            </a:r>
-            <a:r>
-              <a:rPr lang="it" u="sng">
-                <a:solidFill>
-                  <a:schemeClr val="hlink"/>
-                </a:solidFill>
-                <a:latin typeface="Titillium Web"/>
-                <a:ea typeface="Titillium Web"/>
-                <a:cs typeface="Titillium Web"/>
-                <a:sym typeface="Titillium Web"/>
-                <a:hlinkClick r:id="rId3"/>
-              </a:rPr>
-              <a:t>All. 8</a:t>
-            </a:r>
-            <a:r>
-              <a:rPr lang="it">
-                <a:solidFill>
-                  <a:srgbClr val="5A6772"/>
-                </a:solidFill>
-                <a:latin typeface="Titillium Web"/>
-                <a:ea typeface="Titillium Web"/>
-                <a:cs typeface="Titillium Web"/>
-                <a:sym typeface="Titillium Web"/>
-              </a:rPr>
-              <a:t> (c)] </a:t>
-            </a:r>
-            <a:endParaRPr>
-              <a:solidFill>
-                <a:srgbClr val="5A6772"/>
-              </a:solidFill>
-              <a:latin typeface="Titillium Web SemiBold"/>
-              <a:ea typeface="Titillium Web SemiBold"/>
-              <a:cs typeface="Titillium Web SemiBold"/>
-              <a:sym typeface="Titillium Web SemiBold"/>
-            </a:endParaRPr>
-          </a:p>
-        </p:txBody>
-      </p:sp>
-      <p:sp>
-        <p:nvSpPr>
           <p:cNvPr id="175" name="Google Shape;175;p31"/>
           <p:cNvSpPr txBox="1"/>
           <p:nvPr/>
         </p:nvSpPr>
         <p:spPr>
           <a:xfrm>
-            <a:off x="267300" y="2824075"/>
-            <a:ext cx="1503600" cy="878700"/>
+            <a:off x="267300" y="2808617"/>
+            <a:ext cx="1556398" cy="878700"/>
           </a:xfrm>
           <a:prstGeom prst="rect">
             <a:avLst/>
@@ -21604,7 +21994,7 @@
               <a:buNone/>
             </a:pPr>
             <a:r>
-              <a:rPr lang="it" sz="4800" b="1">
+              <a:rPr lang="it" sz="4800" b="1" dirty="0">
                 <a:solidFill>
                   <a:srgbClr val="00B8CD"/>
                 </a:solidFill>
@@ -21613,9 +22003,9 @@
                 <a:cs typeface="Titillium Web"/>
                 <a:sym typeface="Titillium Web"/>
               </a:rPr>
-              <a:t>00%</a:t>
+              <a:t>100%</a:t>
             </a:r>
-            <a:endParaRPr sz="4800" b="1">
+            <a:endParaRPr sz="4800" b="1" dirty="0">
               <a:solidFill>
                 <a:srgbClr val="00B8CD"/>
               </a:solidFill>
@@ -21635,7 +22025,7 @@
         </p:nvSpPr>
         <p:spPr>
           <a:xfrm>
-            <a:off x="275402" y="2621625"/>
+            <a:off x="275402" y="2606167"/>
             <a:ext cx="1128300" cy="359700"/>
           </a:xfrm>
           <a:prstGeom prst="rect">
@@ -21719,8 +22109,8 @@
         </p:nvSpPr>
         <p:spPr>
           <a:xfrm>
-            <a:off x="2209500" y="2824075"/>
-            <a:ext cx="1564500" cy="878700"/>
+            <a:off x="2051586" y="2814452"/>
+            <a:ext cx="1669953" cy="878700"/>
           </a:xfrm>
           <a:prstGeom prst="rect">
             <a:avLst/>
@@ -21746,7 +22136,7 @@
               <a:buNone/>
             </a:pPr>
             <a:r>
-              <a:rPr lang="it" sz="4800" b="1">
+              <a:rPr lang="it" sz="4800" b="1" dirty="0">
                 <a:solidFill>
                   <a:srgbClr val="00B8CD"/>
                 </a:solidFill>
@@ -21755,9 +22145,9 @@
                 <a:cs typeface="Titillium Web"/>
                 <a:sym typeface="Titillium Web"/>
               </a:rPr>
-              <a:t>00%</a:t>
+              <a:t>100%</a:t>
             </a:r>
-            <a:endParaRPr sz="4800" b="1">
+            <a:endParaRPr sz="4800" b="1" dirty="0">
               <a:solidFill>
                 <a:srgbClr val="00B8CD"/>
               </a:solidFill>
@@ -21777,7 +22167,7 @@
         </p:nvSpPr>
         <p:spPr>
           <a:xfrm>
-            <a:off x="2217602" y="2621625"/>
+            <a:off x="2059689" y="2612002"/>
             <a:ext cx="1128300" cy="359700"/>
           </a:xfrm>
           <a:prstGeom prst="rect">
@@ -21807,7 +22197,7 @@
               <a:buNone/>
             </a:pPr>
             <a:r>
-              <a:rPr lang="it" b="1">
+              <a:rPr lang="it" b="1" dirty="0">
                 <a:solidFill>
                   <a:srgbClr val="00B8CD"/>
                 </a:solidFill>
@@ -21818,7 +22208,7 @@
               </a:rPr>
               <a:t>TASK 2</a:t>
             </a:r>
-            <a:endParaRPr b="1">
+            <a:endParaRPr b="1" dirty="0">
               <a:solidFill>
                 <a:srgbClr val="00B8CD"/>
               </a:solidFill>
@@ -21841,7 +22231,7 @@
               </a:spcAft>
               <a:buNone/>
             </a:pPr>
-            <a:endParaRPr>
+            <a:endParaRPr dirty="0">
               <a:solidFill>
                 <a:srgbClr val="5A6772"/>
               </a:solidFill>
@@ -21861,8 +22251,8 @@
         </p:nvSpPr>
         <p:spPr>
           <a:xfrm>
-            <a:off x="4380750" y="2824075"/>
-            <a:ext cx="1674600" cy="878700"/>
+            <a:off x="3843976" y="2808617"/>
+            <a:ext cx="1669953" cy="878700"/>
           </a:xfrm>
           <a:prstGeom prst="rect">
             <a:avLst/>
@@ -21888,7 +22278,7 @@
               <a:buNone/>
             </a:pPr>
             <a:r>
-              <a:rPr lang="it" sz="4800" b="1">
+              <a:rPr lang="it" sz="4800" b="1" dirty="0">
                 <a:solidFill>
                   <a:srgbClr val="00B8CD"/>
                 </a:solidFill>
@@ -21897,9 +22287,9 @@
                 <a:cs typeface="Titillium Web"/>
                 <a:sym typeface="Titillium Web"/>
               </a:rPr>
-              <a:t>00%</a:t>
+              <a:t>75%</a:t>
             </a:r>
-            <a:endParaRPr sz="4800" b="1">
+            <a:endParaRPr sz="4800" b="1" dirty="0">
               <a:solidFill>
                 <a:srgbClr val="00B8CD"/>
               </a:solidFill>
@@ -21919,7 +22309,7 @@
         </p:nvSpPr>
         <p:spPr>
           <a:xfrm>
-            <a:off x="4388852" y="2621625"/>
+            <a:off x="3852078" y="2606167"/>
             <a:ext cx="1128300" cy="359700"/>
           </a:xfrm>
           <a:prstGeom prst="rect">
@@ -21949,7 +22339,7 @@
               <a:buNone/>
             </a:pPr>
             <a:r>
-              <a:rPr lang="it" b="1">
+              <a:rPr lang="it" b="1" dirty="0">
                 <a:solidFill>
                   <a:srgbClr val="00B8CD"/>
                 </a:solidFill>
@@ -21960,7 +22350,7 @@
               </a:rPr>
               <a:t>TASK 3</a:t>
             </a:r>
-            <a:endParaRPr b="1">
+            <a:endParaRPr b="1" dirty="0">
               <a:solidFill>
                 <a:srgbClr val="00B8CD"/>
               </a:solidFill>
@@ -21983,7 +22373,7 @@
               </a:spcAft>
               <a:buNone/>
             </a:pPr>
-            <a:endParaRPr>
+            <a:endParaRPr dirty="0">
               <a:solidFill>
                 <a:srgbClr val="5A6772"/>
               </a:solidFill>
@@ -22002,7 +22392,7 @@
           <p:nvPr/>
         </p:nvPicPr>
         <p:blipFill rotWithShape="1">
-          <a:blip r:embed="rId4">
+          <a:blip r:embed="rId3">
             <a:alphaModFix/>
           </a:blip>
           <a:srcRect/>
@@ -22022,6 +22412,314 @@
           </a:ln>
         </p:spPr>
       </p:pic>
+      <p:sp>
+        <p:nvSpPr>
+          <p:cNvPr id="14" name="Google Shape;179;p31">
+            <a:extLst>
+              <a:ext uri="{FF2B5EF4-FFF2-40B4-BE49-F238E27FC236}">
+                <a16:creationId xmlns:a16="http://schemas.microsoft.com/office/drawing/2014/main" id="{C6D38F5A-579A-04DB-D4A0-82B8E45F46BE}"/>
+              </a:ext>
+            </a:extLst>
+          </p:cNvPr>
+          <p:cNvSpPr txBox="1"/>
+          <p:nvPr/>
+        </p:nvSpPr>
+        <p:spPr>
+          <a:xfrm>
+            <a:off x="5636365" y="2808617"/>
+            <a:ext cx="1674600" cy="878700"/>
+          </a:xfrm>
+          <a:prstGeom prst="rect">
+            <a:avLst/>
+          </a:prstGeom>
+          <a:noFill/>
+          <a:ln>
+            <a:noFill/>
+          </a:ln>
+        </p:spPr>
+        <p:txBody>
+          <a:bodyPr spcFirstLastPara="1" wrap="square" lIns="91425" tIns="91425" rIns="91425" bIns="91425" anchor="t" anchorCtr="0">
+            <a:noAutofit/>
+          </a:bodyPr>
+          <a:lstStyle/>
+          <a:p>
+            <a:pPr marL="0" lvl="0" indent="0" algn="l" rtl="0">
+              <a:spcBef>
+                <a:spcPts val="0"/>
+              </a:spcBef>
+              <a:spcAft>
+                <a:spcPts val="0"/>
+              </a:spcAft>
+              <a:buNone/>
+            </a:pPr>
+            <a:r>
+              <a:rPr lang="it" sz="4800" b="1" dirty="0">
+                <a:solidFill>
+                  <a:srgbClr val="00B8CD"/>
+                </a:solidFill>
+                <a:latin typeface="Titillium Web"/>
+                <a:ea typeface="Titillium Web"/>
+                <a:cs typeface="Titillium Web"/>
+                <a:sym typeface="Titillium Web"/>
+              </a:rPr>
+              <a:t>25%</a:t>
+            </a:r>
+            <a:endParaRPr sz="4800" b="1" dirty="0">
+              <a:solidFill>
+                <a:srgbClr val="00B8CD"/>
+              </a:solidFill>
+              <a:latin typeface="Titillium Web"/>
+              <a:ea typeface="Titillium Web"/>
+              <a:cs typeface="Titillium Web"/>
+              <a:sym typeface="Titillium Web"/>
+            </a:endParaRPr>
+          </a:p>
+        </p:txBody>
+      </p:sp>
+      <p:sp>
+        <p:nvSpPr>
+          <p:cNvPr id="15" name="Google Shape;180;p31">
+            <a:extLst>
+              <a:ext uri="{FF2B5EF4-FFF2-40B4-BE49-F238E27FC236}">
+                <a16:creationId xmlns:a16="http://schemas.microsoft.com/office/drawing/2014/main" id="{F17D39AB-A091-9A91-69F2-8B58B0D5262E}"/>
+              </a:ext>
+            </a:extLst>
+          </p:cNvPr>
+          <p:cNvSpPr txBox="1"/>
+          <p:nvPr/>
+        </p:nvSpPr>
+        <p:spPr>
+          <a:xfrm>
+            <a:off x="5644467" y="2606167"/>
+            <a:ext cx="1128300" cy="359700"/>
+          </a:xfrm>
+          <a:prstGeom prst="rect">
+            <a:avLst/>
+          </a:prstGeom>
+          <a:noFill/>
+          <a:ln>
+            <a:noFill/>
+          </a:ln>
+        </p:spPr>
+        <p:txBody>
+          <a:bodyPr spcFirstLastPara="1" wrap="square" lIns="91425" tIns="91425" rIns="91425" bIns="91425" anchor="t" anchorCtr="0">
+            <a:noAutofit/>
+          </a:bodyPr>
+          <a:lstStyle/>
+          <a:p>
+            <a:pPr marL="0" lvl="0" indent="0" algn="l" rtl="0">
+              <a:lnSpc>
+                <a:spcPct val="115000"/>
+              </a:lnSpc>
+              <a:spcBef>
+                <a:spcPts val="0"/>
+              </a:spcBef>
+              <a:spcAft>
+                <a:spcPts val="0"/>
+              </a:spcAft>
+              <a:buNone/>
+            </a:pPr>
+            <a:r>
+              <a:rPr lang="it" b="1" dirty="0">
+                <a:solidFill>
+                  <a:srgbClr val="00B8CD"/>
+                </a:solidFill>
+                <a:latin typeface="Titillium Web"/>
+                <a:ea typeface="Titillium Web"/>
+                <a:cs typeface="Titillium Web"/>
+                <a:sym typeface="Titillium Web"/>
+              </a:rPr>
+              <a:t>TASK 4</a:t>
+            </a:r>
+            <a:endParaRPr b="1" dirty="0">
+              <a:solidFill>
+                <a:srgbClr val="00B8CD"/>
+              </a:solidFill>
+              <a:latin typeface="Titillium Web"/>
+              <a:ea typeface="Titillium Web"/>
+              <a:cs typeface="Titillium Web"/>
+              <a:sym typeface="Titillium Web"/>
+            </a:endParaRPr>
+          </a:p>
+          <a:p>
+            <a:pPr marL="0" lvl="0" indent="0" algn="l" rtl="0">
+              <a:lnSpc>
+                <a:spcPct val="115000"/>
+              </a:lnSpc>
+              <a:spcBef>
+                <a:spcPts val="0"/>
+              </a:spcBef>
+              <a:spcAft>
+                <a:spcPts val="0"/>
+              </a:spcAft>
+              <a:buNone/>
+            </a:pPr>
+            <a:endParaRPr dirty="0">
+              <a:solidFill>
+                <a:srgbClr val="5A6772"/>
+              </a:solidFill>
+              <a:latin typeface="Titillium Web SemiBold"/>
+              <a:ea typeface="Titillium Web SemiBold"/>
+              <a:cs typeface="Titillium Web SemiBold"/>
+              <a:sym typeface="Titillium Web SemiBold"/>
+            </a:endParaRPr>
+          </a:p>
+        </p:txBody>
+      </p:sp>
+      <p:sp>
+        <p:nvSpPr>
+          <p:cNvPr id="16" name="Google Shape;179;p31">
+            <a:extLst>
+              <a:ext uri="{FF2B5EF4-FFF2-40B4-BE49-F238E27FC236}">
+                <a16:creationId xmlns:a16="http://schemas.microsoft.com/office/drawing/2014/main" id="{30F9FB70-19DB-D59C-4EB2-DA326FAEBEA9}"/>
+              </a:ext>
+            </a:extLst>
+          </p:cNvPr>
+          <p:cNvSpPr txBox="1"/>
+          <p:nvPr/>
+        </p:nvSpPr>
+        <p:spPr>
+          <a:xfrm>
+            <a:off x="7433401" y="2808617"/>
+            <a:ext cx="1674600" cy="878700"/>
+          </a:xfrm>
+          <a:prstGeom prst="rect">
+            <a:avLst/>
+          </a:prstGeom>
+          <a:noFill/>
+          <a:ln>
+            <a:noFill/>
+          </a:ln>
+        </p:spPr>
+        <p:txBody>
+          <a:bodyPr spcFirstLastPara="1" wrap="square" lIns="91425" tIns="91425" rIns="91425" bIns="91425" anchor="t" anchorCtr="0">
+            <a:noAutofit/>
+          </a:bodyPr>
+          <a:lstStyle/>
+          <a:p>
+            <a:pPr marL="0" lvl="0" indent="0" algn="l" rtl="0">
+              <a:spcBef>
+                <a:spcPts val="0"/>
+              </a:spcBef>
+              <a:spcAft>
+                <a:spcPts val="0"/>
+              </a:spcAft>
+              <a:buNone/>
+            </a:pPr>
+            <a:r>
+              <a:rPr lang="it" sz="4800" b="1" dirty="0">
+                <a:solidFill>
+                  <a:srgbClr val="00B8CD"/>
+                </a:solidFill>
+                <a:latin typeface="Titillium Web"/>
+                <a:ea typeface="Titillium Web"/>
+                <a:cs typeface="Titillium Web"/>
+                <a:sym typeface="Titillium Web"/>
+              </a:rPr>
+              <a:t>100%</a:t>
+            </a:r>
+            <a:endParaRPr sz="4800" b="1" dirty="0">
+              <a:solidFill>
+                <a:srgbClr val="00B8CD"/>
+              </a:solidFill>
+              <a:latin typeface="Titillium Web"/>
+              <a:ea typeface="Titillium Web"/>
+              <a:cs typeface="Titillium Web"/>
+              <a:sym typeface="Titillium Web"/>
+            </a:endParaRPr>
+          </a:p>
+        </p:txBody>
+      </p:sp>
+      <p:sp>
+        <p:nvSpPr>
+          <p:cNvPr id="17" name="Google Shape;180;p31">
+            <a:extLst>
+              <a:ext uri="{FF2B5EF4-FFF2-40B4-BE49-F238E27FC236}">
+                <a16:creationId xmlns:a16="http://schemas.microsoft.com/office/drawing/2014/main" id="{10BA014B-A54F-323D-C945-A9710E010FFF}"/>
+              </a:ext>
+            </a:extLst>
+          </p:cNvPr>
+          <p:cNvSpPr txBox="1"/>
+          <p:nvPr/>
+        </p:nvSpPr>
+        <p:spPr>
+          <a:xfrm>
+            <a:off x="7441503" y="2606167"/>
+            <a:ext cx="1128300" cy="359700"/>
+          </a:xfrm>
+          <a:prstGeom prst="rect">
+            <a:avLst/>
+          </a:prstGeom>
+          <a:noFill/>
+          <a:ln>
+            <a:noFill/>
+          </a:ln>
+        </p:spPr>
+        <p:txBody>
+          <a:bodyPr spcFirstLastPara="1" wrap="square" lIns="91425" tIns="91425" rIns="91425" bIns="91425" anchor="t" anchorCtr="0">
+            <a:noAutofit/>
+          </a:bodyPr>
+          <a:lstStyle/>
+          <a:p>
+            <a:pPr marL="0" lvl="0" indent="0" algn="l" rtl="0">
+              <a:lnSpc>
+                <a:spcPct val="115000"/>
+              </a:lnSpc>
+              <a:spcBef>
+                <a:spcPts val="0"/>
+              </a:spcBef>
+              <a:spcAft>
+                <a:spcPts val="0"/>
+              </a:spcAft>
+              <a:buNone/>
+            </a:pPr>
+            <a:r>
+              <a:rPr lang="it" b="1" dirty="0">
+                <a:solidFill>
+                  <a:srgbClr val="00B8CD"/>
+                </a:solidFill>
+                <a:latin typeface="Titillium Web"/>
+                <a:ea typeface="Titillium Web"/>
+                <a:cs typeface="Titillium Web"/>
+                <a:sym typeface="Titillium Web"/>
+              </a:rPr>
+              <a:t>TASK 5</a:t>
+            </a:r>
+            <a:endParaRPr b="1" dirty="0">
+              <a:solidFill>
+                <a:srgbClr val="00B8CD"/>
+              </a:solidFill>
+              <a:latin typeface="Titillium Web"/>
+              <a:ea typeface="Titillium Web"/>
+              <a:cs typeface="Titillium Web"/>
+              <a:sym typeface="Titillium Web"/>
+            </a:endParaRPr>
+          </a:p>
+          <a:p>
+            <a:pPr marL="0" lvl="0" indent="0" algn="l" rtl="0">
+              <a:lnSpc>
+                <a:spcPct val="115000"/>
+              </a:lnSpc>
+              <a:spcBef>
+                <a:spcPts val="0"/>
+              </a:spcBef>
+              <a:spcAft>
+                <a:spcPts val="0"/>
+              </a:spcAft>
+              <a:buNone/>
+            </a:pPr>
+            <a:endParaRPr dirty="0">
+              <a:solidFill>
+                <a:srgbClr val="5A6772"/>
+              </a:solidFill>
+              <a:latin typeface="Titillium Web SemiBold"/>
+              <a:ea typeface="Titillium Web SemiBold"/>
+              <a:cs typeface="Titillium Web SemiBold"/>
+              <a:sym typeface="Titillium Web SemiBold"/>
+            </a:endParaRPr>
+          </a:p>
+        </p:txBody>
+      </p:sp>
     </p:spTree>
   </p:cSld>
   <p:clrMapOvr>
@@ -22030,7 +22728,7 @@
 </p:sld>
 </file>
 
-<file path=ppt/slides/slide8.xml><?xml version="1.0" encoding="utf-8"?>
+<file path=ppt/slides/slide7.xml><?xml version="1.0" encoding="utf-8"?>
 <p:sld xmlns:a="http://schemas.openxmlformats.org/drawingml/2006/main" xmlns:r="http://schemas.openxmlformats.org/officeDocument/2006/relationships" xmlns:p="http://schemas.openxmlformats.org/presentationml/2006/main">
   <p:cSld>
     <p:spTree>
@@ -22083,7 +22781,7 @@
             </a:pPr>
             <a:fld id="{00000000-1234-1234-1234-123412341234}" type="slidenum">
               <a:rPr lang="it"/>
-              <a:t>8</a:t>
+              <a:t>7</a:t>
             </a:fld>
             <a:endParaRPr/>
           </a:p>
@@ -22264,7 +22962,7 @@
               <a:buNone/>
             </a:pPr>
             <a:r>
-              <a:rPr lang="it" sz="4800" b="1">
+              <a:rPr lang="it" sz="4800" b="1" dirty="0">
                 <a:solidFill>
                   <a:srgbClr val="00B8CD"/>
                 </a:solidFill>
@@ -22273,9 +22971,9 @@
                 <a:cs typeface="Titillium Web"/>
                 <a:sym typeface="Titillium Web"/>
               </a:rPr>
-              <a:t>00%</a:t>
+              <a:t>80%</a:t>
             </a:r>
-            <a:endParaRPr sz="4800" b="1">
+            <a:endParaRPr sz="4800" b="1" dirty="0">
               <a:solidFill>
                 <a:srgbClr val="00B8CD"/>
               </a:solidFill>
@@ -22345,89 +23043,6 @@
           </a:p>
         </p:txBody>
       </p:sp>
-      <p:sp>
-        <p:nvSpPr>
-          <p:cNvPr id="191" name="Google Shape;191;p32"/>
-          <p:cNvSpPr txBox="1"/>
-          <p:nvPr/>
-        </p:nvSpPr>
-        <p:spPr>
-          <a:xfrm>
-            <a:off x="284625" y="4021650"/>
-            <a:ext cx="5865600" cy="311400"/>
-          </a:xfrm>
-          <a:prstGeom prst="rect">
-            <a:avLst/>
-          </a:prstGeom>
-          <a:noFill/>
-          <a:ln>
-            <a:noFill/>
-          </a:ln>
-        </p:spPr>
-        <p:txBody>
-          <a:bodyPr spcFirstLastPara="1" wrap="square" lIns="91425" tIns="91425" rIns="91425" bIns="91425" anchor="ctr" anchorCtr="0">
-            <a:noAutofit/>
-          </a:bodyPr>
-          <a:lstStyle/>
-          <a:p>
-            <a:pPr marL="0" lvl="0" indent="0" algn="l" rtl="0">
-              <a:spcBef>
-                <a:spcPts val="0"/>
-              </a:spcBef>
-              <a:spcAft>
-                <a:spcPts val="0"/>
-              </a:spcAft>
-              <a:buNone/>
-            </a:pPr>
-            <a:r>
-              <a:rPr lang="it">
-                <a:solidFill>
-                  <a:srgbClr val="5A6772"/>
-                </a:solidFill>
-                <a:latin typeface="Titillium Web"/>
-                <a:ea typeface="Titillium Web"/>
-                <a:cs typeface="Titillium Web"/>
-                <a:sym typeface="Titillium Web"/>
-              </a:rPr>
-              <a:t>[</a:t>
-            </a:r>
-            <a:r>
-              <a:rPr lang="it" u="sng">
-                <a:solidFill>
-                  <a:schemeClr val="hlink"/>
-                </a:solidFill>
-                <a:latin typeface="Titillium Web"/>
-                <a:ea typeface="Titillium Web"/>
-                <a:cs typeface="Titillium Web"/>
-                <a:sym typeface="Titillium Web"/>
-                <a:hlinkClick r:id="rId3"/>
-              </a:rPr>
-              <a:t>All. 8</a:t>
-            </a:r>
-            <a:r>
-              <a:rPr lang="it">
-                <a:solidFill>
-                  <a:srgbClr val="5A6772"/>
-                </a:solidFill>
-                <a:latin typeface="Titillium Web"/>
-                <a:ea typeface="Titillium Web"/>
-                <a:cs typeface="Titillium Web"/>
-                <a:sym typeface="Titillium Web"/>
-              </a:rPr>
-              <a:t> (d)] </a:t>
-            </a:r>
-            <a:endParaRPr>
-              <a:solidFill>
-                <a:srgbClr val="5A6772"/>
-              </a:solidFill>
-              <a:latin typeface="Titillium Web SemiBold"/>
-              <a:ea typeface="Titillium Web SemiBold"/>
-              <a:cs typeface="Titillium Web SemiBold"/>
-              <a:sym typeface="Titillium Web SemiBold"/>
-            </a:endParaRPr>
-          </a:p>
-        </p:txBody>
-      </p:sp>
       <p:pic>
         <p:nvPicPr>
           <p:cNvPr id="192" name="Google Shape;192;p32"/>
@@ -22435,7 +23050,7 @@
           <p:nvPr/>
         </p:nvPicPr>
         <p:blipFill rotWithShape="1">
-          <a:blip r:embed="rId4">
+          <a:blip r:embed="rId3">
             <a:alphaModFix/>
           </a:blip>
           <a:srcRect/>
@@ -22453,6 +23068,188 @@
           <a:ln>
             <a:noFill/>
           </a:ln>
+        </p:spPr>
+      </p:pic>
+    </p:spTree>
+  </p:cSld>
+  <p:clrMapOvr>
+    <a:masterClrMapping/>
+  </p:clrMapOvr>
+</p:sld>
+</file>
+
+<file path=ppt/slides/slide8.xml><?xml version="1.0" encoding="utf-8"?>
+<p:sld xmlns:a="http://schemas.openxmlformats.org/drawingml/2006/main" xmlns:r="http://schemas.openxmlformats.org/officeDocument/2006/relationships" xmlns:p="http://schemas.openxmlformats.org/presentationml/2006/main">
+  <p:cSld>
+    <p:spTree>
+      <p:nvGrpSpPr>
+        <p:cNvPr id="1" name="Shape 158"/>
+        <p:cNvGrpSpPr/>
+        <p:nvPr/>
+      </p:nvGrpSpPr>
+      <p:grpSpPr>
+        <a:xfrm>
+          <a:off x="0" y="0"/>
+          <a:ext cx="0" cy="0"/>
+          <a:chOff x="0" y="0"/>
+          <a:chExt cx="0" cy="0"/>
+        </a:xfrm>
+      </p:grpSpPr>
+      <p:sp>
+        <p:nvSpPr>
+          <p:cNvPr id="159" name="Google Shape;159;p30"/>
+          <p:cNvSpPr txBox="1">
+            <a:spLocks noGrp="1"/>
+          </p:cNvSpPr>
+          <p:nvPr>
+            <p:ph type="sldNum" idx="12"/>
+          </p:nvPr>
+        </p:nvSpPr>
+        <p:spPr>
+          <a:xfrm>
+            <a:off x="8472458" y="5181352"/>
+            <a:ext cx="548700" cy="437400"/>
+          </a:xfrm>
+          <a:prstGeom prst="rect">
+            <a:avLst/>
+          </a:prstGeom>
+        </p:spPr>
+        <p:txBody>
+          <a:bodyPr spcFirstLastPara="1" wrap="square" lIns="91425" tIns="91425" rIns="91425" bIns="91425" anchor="ctr" anchorCtr="0">
+            <a:noAutofit/>
+          </a:bodyPr>
+          <a:lstStyle/>
+          <a:p>
+            <a:pPr marL="0" lvl="0" indent="0" algn="r" rtl="0">
+              <a:spcBef>
+                <a:spcPts val="0"/>
+              </a:spcBef>
+              <a:spcAft>
+                <a:spcPts val="0"/>
+              </a:spcAft>
+              <a:buNone/>
+            </a:pPr>
+            <a:fld id="{00000000-1234-1234-1234-123412341234}" type="slidenum">
+              <a:rPr lang="it"/>
+              <a:t>8</a:t>
+            </a:fld>
+            <a:endParaRPr/>
+          </a:p>
+        </p:txBody>
+      </p:sp>
+      <p:sp>
+        <p:nvSpPr>
+          <p:cNvPr id="161" name="Google Shape;161;p30"/>
+          <p:cNvSpPr txBox="1"/>
+          <p:nvPr/>
+        </p:nvSpPr>
+        <p:spPr>
+          <a:xfrm>
+            <a:off x="284625" y="354450"/>
+            <a:ext cx="3881100" cy="311400"/>
+          </a:xfrm>
+          <a:prstGeom prst="rect">
+            <a:avLst/>
+          </a:prstGeom>
+          <a:noFill/>
+          <a:ln>
+            <a:noFill/>
+          </a:ln>
+        </p:spPr>
+        <p:txBody>
+          <a:bodyPr spcFirstLastPara="1" wrap="square" lIns="91425" tIns="91425" rIns="91425" bIns="91425" anchor="ctr" anchorCtr="0">
+            <a:noAutofit/>
+          </a:bodyPr>
+          <a:lstStyle/>
+          <a:p>
+            <a:pPr marL="0" lvl="0" indent="0" algn="l" rtl="0">
+              <a:spcBef>
+                <a:spcPts val="0"/>
+              </a:spcBef>
+              <a:spcAft>
+                <a:spcPts val="0"/>
+              </a:spcAft>
+              <a:buNone/>
+            </a:pPr>
+            <a:r>
+              <a:rPr lang="it" sz="1200">
+                <a:solidFill>
+                  <a:srgbClr val="0066CC"/>
+                </a:solidFill>
+                <a:latin typeface="Titillium Web SemiBold"/>
+                <a:ea typeface="Titillium Web SemiBold"/>
+                <a:cs typeface="Titillium Web SemiBold"/>
+                <a:sym typeface="Titillium Web SemiBold"/>
+              </a:rPr>
+              <a:t>Sintesi delle misurazioni</a:t>
+            </a:r>
+            <a:endParaRPr sz="1200">
+              <a:solidFill>
+                <a:srgbClr val="0066CC"/>
+              </a:solidFill>
+              <a:latin typeface="Titillium Web SemiBold"/>
+              <a:ea typeface="Titillium Web SemiBold"/>
+              <a:cs typeface="Titillium Web SemiBold"/>
+              <a:sym typeface="Titillium Web SemiBold"/>
+            </a:endParaRPr>
+          </a:p>
+        </p:txBody>
+      </p:sp>
+      <p:pic>
+        <p:nvPicPr>
+          <p:cNvPr id="165" name="Google Shape;165;p30"/>
+          <p:cNvPicPr preferRelativeResize="0"/>
+          <p:nvPr/>
+        </p:nvPicPr>
+        <p:blipFill rotWithShape="1">
+          <a:blip r:embed="rId3">
+            <a:alphaModFix/>
+          </a:blip>
+          <a:srcRect/>
+          <a:stretch/>
+        </p:blipFill>
+        <p:spPr>
+          <a:xfrm>
+            <a:off x="308563" y="5083900"/>
+            <a:ext cx="1448532" cy="305456"/>
+          </a:xfrm>
+          <a:prstGeom prst="rect">
+            <a:avLst/>
+          </a:prstGeom>
+          <a:noFill/>
+          <a:ln>
+            <a:noFill/>
+          </a:ln>
+        </p:spPr>
+      </p:pic>
+      <p:pic>
+        <p:nvPicPr>
+          <p:cNvPr id="3" name="Immagine 2">
+            <a:extLst>
+              <a:ext uri="{FF2B5EF4-FFF2-40B4-BE49-F238E27FC236}">
+                <a16:creationId xmlns:a16="http://schemas.microsoft.com/office/drawing/2014/main" id="{FF9970D4-16F7-BEC5-9155-53D9EA19AE97}"/>
+              </a:ext>
+            </a:extLst>
+          </p:cNvPr>
+          <p:cNvPicPr>
+            <a:picLocks noChangeAspect="1"/>
+          </p:cNvPicPr>
+          <p:nvPr/>
+        </p:nvPicPr>
+        <p:blipFill>
+          <a:blip r:embed="rId4"/>
+          <a:stretch>
+            <a:fillRect/>
+          </a:stretch>
+        </p:blipFill>
+        <p:spPr>
+          <a:xfrm>
+            <a:off x="918764" y="963373"/>
+            <a:ext cx="7306472" cy="4032118"/>
+          </a:xfrm>
+          <a:prstGeom prst="rect">
+            <a:avLst/>
+          </a:prstGeom>
         </p:spPr>
       </p:pic>
     </p:spTree>
@@ -22737,7 +23534,7 @@
         <p:spPr>
           <a:xfrm>
             <a:off x="267300" y="2824075"/>
-            <a:ext cx="981300" cy="878700"/>
+            <a:ext cx="1348666" cy="878700"/>
           </a:xfrm>
           <a:prstGeom prst="rect">
             <a:avLst/>
@@ -22763,7 +23560,7 @@
               <a:buNone/>
             </a:pPr>
             <a:r>
-              <a:rPr lang="it" sz="4800" b="1">
+              <a:rPr lang="it" sz="4800" b="1" dirty="0">
                 <a:solidFill>
                   <a:srgbClr val="00B8CD"/>
                 </a:solidFill>
@@ -22772,9 +23569,9 @@
                 <a:cs typeface="Titillium Web"/>
                 <a:sym typeface="Titillium Web"/>
               </a:rPr>
-              <a:t>00</a:t>
+              <a:t>-25</a:t>
             </a:r>
-            <a:endParaRPr sz="4800" b="1">
+            <a:endParaRPr sz="4800" b="1" dirty="0">
               <a:solidFill>
                 <a:srgbClr val="00B8CD"/>
               </a:solidFill>
@@ -22878,8 +23675,8 @@
         </p:nvSpPr>
         <p:spPr>
           <a:xfrm>
-            <a:off x="2209500" y="2824075"/>
-            <a:ext cx="981300" cy="878700"/>
+            <a:off x="2209499" y="2824075"/>
+            <a:ext cx="2244259" cy="878700"/>
           </a:xfrm>
           <a:prstGeom prst="rect">
             <a:avLst/>
@@ -22905,7 +23702,7 @@
               <a:buNone/>
             </a:pPr>
             <a:r>
-              <a:rPr lang="it" sz="4800" b="1">
+              <a:rPr lang="it" sz="4800" b="1" dirty="0">
                 <a:solidFill>
                   <a:srgbClr val="00B8CD"/>
                 </a:solidFill>
@@ -22914,9 +23711,9 @@
                 <a:cs typeface="Titillium Web"/>
                 <a:sym typeface="Titillium Web"/>
               </a:rPr>
-              <a:t>00</a:t>
+              <a:t>44,375</a:t>
             </a:r>
-            <a:endParaRPr sz="4800" b="1">
+            <a:endParaRPr sz="4800" b="1" dirty="0">
               <a:solidFill>
                 <a:srgbClr val="00B8CD"/>
               </a:solidFill>
@@ -23012,397 +23809,6 @@
           </a:p>
         </p:txBody>
       </p:sp>
-      <p:sp>
-        <p:nvSpPr>
-          <p:cNvPr id="205" name="Google Shape;205;p33"/>
-          <p:cNvSpPr txBox="1"/>
-          <p:nvPr/>
-        </p:nvSpPr>
-        <p:spPr>
-          <a:xfrm>
-            <a:off x="4380750" y="2824075"/>
-            <a:ext cx="981300" cy="878700"/>
-          </a:xfrm>
-          <a:prstGeom prst="rect">
-            <a:avLst/>
-          </a:prstGeom>
-          <a:noFill/>
-          <a:ln>
-            <a:noFill/>
-          </a:ln>
-        </p:spPr>
-        <p:txBody>
-          <a:bodyPr spcFirstLastPara="1" wrap="square" lIns="91425" tIns="91425" rIns="91425" bIns="91425" anchor="t" anchorCtr="0">
-            <a:noAutofit/>
-          </a:bodyPr>
-          <a:lstStyle/>
-          <a:p>
-            <a:pPr marL="0" lvl="0" indent="0" algn="l" rtl="0">
-              <a:spcBef>
-                <a:spcPts val="0"/>
-              </a:spcBef>
-              <a:spcAft>
-                <a:spcPts val="0"/>
-              </a:spcAft>
-              <a:buNone/>
-            </a:pPr>
-            <a:r>
-              <a:rPr lang="it" sz="4800" b="1">
-                <a:solidFill>
-                  <a:srgbClr val="00B8CD"/>
-                </a:solidFill>
-                <a:latin typeface="Titillium Web"/>
-                <a:ea typeface="Titillium Web"/>
-                <a:cs typeface="Titillium Web"/>
-                <a:sym typeface="Titillium Web"/>
-              </a:rPr>
-              <a:t>00</a:t>
-            </a:r>
-            <a:endParaRPr sz="4800" b="1">
-              <a:solidFill>
-                <a:srgbClr val="00B8CD"/>
-              </a:solidFill>
-              <a:latin typeface="Titillium Web"/>
-              <a:ea typeface="Titillium Web"/>
-              <a:cs typeface="Titillium Web"/>
-              <a:sym typeface="Titillium Web"/>
-            </a:endParaRPr>
-          </a:p>
-        </p:txBody>
-      </p:sp>
-      <p:sp>
-        <p:nvSpPr>
-          <p:cNvPr id="206" name="Google Shape;206;p33"/>
-          <p:cNvSpPr txBox="1"/>
-          <p:nvPr/>
-        </p:nvSpPr>
-        <p:spPr>
-          <a:xfrm>
-            <a:off x="4388852" y="2621625"/>
-            <a:ext cx="1128300" cy="359700"/>
-          </a:xfrm>
-          <a:prstGeom prst="rect">
-            <a:avLst/>
-          </a:prstGeom>
-          <a:noFill/>
-          <a:ln>
-            <a:noFill/>
-          </a:ln>
-        </p:spPr>
-        <p:txBody>
-          <a:bodyPr spcFirstLastPara="1" wrap="square" lIns="91425" tIns="91425" rIns="91425" bIns="91425" anchor="t" anchorCtr="0">
-            <a:noAutofit/>
-          </a:bodyPr>
-          <a:lstStyle/>
-          <a:p>
-            <a:pPr marL="0" lvl="0" indent="0" algn="l" rtl="0">
-              <a:lnSpc>
-                <a:spcPct val="115000"/>
-              </a:lnSpc>
-              <a:spcBef>
-                <a:spcPts val="0"/>
-              </a:spcBef>
-              <a:spcAft>
-                <a:spcPts val="0"/>
-              </a:spcAft>
-              <a:buNone/>
-            </a:pPr>
-            <a:r>
-              <a:rPr lang="it" b="1">
-                <a:solidFill>
-                  <a:srgbClr val="00B8CD"/>
-                </a:solidFill>
-                <a:latin typeface="Titillium Web"/>
-                <a:ea typeface="Titillium Web"/>
-                <a:cs typeface="Titillium Web"/>
-                <a:sym typeface="Titillium Web"/>
-              </a:rPr>
-              <a:t>UMUX</a:t>
-            </a:r>
-            <a:endParaRPr b="1">
-              <a:solidFill>
-                <a:srgbClr val="00B8CD"/>
-              </a:solidFill>
-              <a:latin typeface="Titillium Web"/>
-              <a:ea typeface="Titillium Web"/>
-              <a:cs typeface="Titillium Web"/>
-              <a:sym typeface="Titillium Web"/>
-            </a:endParaRPr>
-          </a:p>
-          <a:p>
-            <a:pPr marL="0" lvl="0" indent="0" algn="l" rtl="0">
-              <a:lnSpc>
-                <a:spcPct val="115000"/>
-              </a:lnSpc>
-              <a:spcBef>
-                <a:spcPts val="0"/>
-              </a:spcBef>
-              <a:spcAft>
-                <a:spcPts val="0"/>
-              </a:spcAft>
-              <a:buNone/>
-            </a:pPr>
-            <a:endParaRPr>
-              <a:solidFill>
-                <a:srgbClr val="5A6772"/>
-              </a:solidFill>
-              <a:latin typeface="Titillium Web SemiBold"/>
-              <a:ea typeface="Titillium Web SemiBold"/>
-              <a:cs typeface="Titillium Web SemiBold"/>
-              <a:sym typeface="Titillium Web SemiBold"/>
-            </a:endParaRPr>
-          </a:p>
-        </p:txBody>
-      </p:sp>
-      <p:sp>
-        <p:nvSpPr>
-          <p:cNvPr id="207" name="Google Shape;207;p33"/>
-          <p:cNvSpPr txBox="1"/>
-          <p:nvPr/>
-        </p:nvSpPr>
-        <p:spPr>
-          <a:xfrm>
-            <a:off x="284625" y="4021650"/>
-            <a:ext cx="833400" cy="311400"/>
-          </a:xfrm>
-          <a:prstGeom prst="rect">
-            <a:avLst/>
-          </a:prstGeom>
-          <a:noFill/>
-          <a:ln>
-            <a:noFill/>
-          </a:ln>
-        </p:spPr>
-        <p:txBody>
-          <a:bodyPr spcFirstLastPara="1" wrap="square" lIns="91425" tIns="91425" rIns="91425" bIns="91425" anchor="ctr" anchorCtr="0">
-            <a:noAutofit/>
-          </a:bodyPr>
-          <a:lstStyle/>
-          <a:p>
-            <a:pPr marL="0" lvl="0" indent="0" algn="l" rtl="0">
-              <a:spcBef>
-                <a:spcPts val="0"/>
-              </a:spcBef>
-              <a:spcAft>
-                <a:spcPts val="0"/>
-              </a:spcAft>
-              <a:buNone/>
-            </a:pPr>
-            <a:r>
-              <a:rPr lang="it">
-                <a:solidFill>
-                  <a:srgbClr val="5A6772"/>
-                </a:solidFill>
-                <a:latin typeface="Titillium Web"/>
-                <a:ea typeface="Titillium Web"/>
-                <a:cs typeface="Titillium Web"/>
-                <a:sym typeface="Titillium Web"/>
-              </a:rPr>
-              <a:t>[</a:t>
-            </a:r>
-            <a:r>
-              <a:rPr lang="it" u="sng">
-                <a:solidFill>
-                  <a:schemeClr val="hlink"/>
-                </a:solidFill>
-                <a:latin typeface="Titillium Web"/>
-                <a:ea typeface="Titillium Web"/>
-                <a:cs typeface="Titillium Web"/>
-                <a:sym typeface="Titillium Web"/>
-                <a:hlinkClick r:id="rId3"/>
-              </a:rPr>
-              <a:t>All. 5</a:t>
-            </a:r>
-            <a:r>
-              <a:rPr lang="it">
-                <a:solidFill>
-                  <a:srgbClr val="5A6772"/>
-                </a:solidFill>
-                <a:latin typeface="Titillium Web"/>
-                <a:ea typeface="Titillium Web"/>
-                <a:cs typeface="Titillium Web"/>
-                <a:sym typeface="Titillium Web"/>
-              </a:rPr>
-              <a:t>] </a:t>
-            </a:r>
-            <a:endParaRPr>
-              <a:solidFill>
-                <a:srgbClr val="5A6772"/>
-              </a:solidFill>
-              <a:latin typeface="Titillium Web SemiBold"/>
-              <a:ea typeface="Titillium Web SemiBold"/>
-              <a:cs typeface="Titillium Web SemiBold"/>
-              <a:sym typeface="Titillium Web SemiBold"/>
-            </a:endParaRPr>
-          </a:p>
-        </p:txBody>
-      </p:sp>
-      <p:sp>
-        <p:nvSpPr>
-          <p:cNvPr id="208" name="Google Shape;208;p33"/>
-          <p:cNvSpPr txBox="1"/>
-          <p:nvPr/>
-        </p:nvSpPr>
-        <p:spPr>
-          <a:xfrm>
-            <a:off x="2194800" y="4021650"/>
-            <a:ext cx="833400" cy="311400"/>
-          </a:xfrm>
-          <a:prstGeom prst="rect">
-            <a:avLst/>
-          </a:prstGeom>
-          <a:noFill/>
-          <a:ln>
-            <a:noFill/>
-          </a:ln>
-        </p:spPr>
-        <p:txBody>
-          <a:bodyPr spcFirstLastPara="1" wrap="square" lIns="91425" tIns="91425" rIns="91425" bIns="91425" anchor="ctr" anchorCtr="0">
-            <a:noAutofit/>
-          </a:bodyPr>
-          <a:lstStyle/>
-          <a:p>
-            <a:pPr marL="0" lvl="0" indent="0" algn="l" rtl="0">
-              <a:spcBef>
-                <a:spcPts val="0"/>
-              </a:spcBef>
-              <a:spcAft>
-                <a:spcPts val="0"/>
-              </a:spcAft>
-              <a:buNone/>
-            </a:pPr>
-            <a:r>
-              <a:rPr lang="it">
-                <a:solidFill>
-                  <a:srgbClr val="5A6772"/>
-                </a:solidFill>
-                <a:latin typeface="Titillium Web"/>
-                <a:ea typeface="Titillium Web"/>
-                <a:cs typeface="Titillium Web"/>
-                <a:sym typeface="Titillium Web"/>
-              </a:rPr>
-              <a:t>[</a:t>
-            </a:r>
-            <a:r>
-              <a:rPr lang="it" u="sng">
-                <a:solidFill>
-                  <a:schemeClr val="hlink"/>
-                </a:solidFill>
-                <a:latin typeface="Titillium Web"/>
-                <a:ea typeface="Titillium Web"/>
-                <a:cs typeface="Titillium Web"/>
-                <a:sym typeface="Titillium Web"/>
-                <a:hlinkClick r:id="rId4"/>
-              </a:rPr>
-              <a:t>All. 6</a:t>
-            </a:r>
-            <a:r>
-              <a:rPr lang="it">
-                <a:solidFill>
-                  <a:srgbClr val="5A6772"/>
-                </a:solidFill>
-                <a:latin typeface="Titillium Web"/>
-                <a:ea typeface="Titillium Web"/>
-                <a:cs typeface="Titillium Web"/>
-                <a:sym typeface="Titillium Web"/>
-              </a:rPr>
-              <a:t>] </a:t>
-            </a:r>
-            <a:endParaRPr>
-              <a:solidFill>
-                <a:srgbClr val="5A6772"/>
-              </a:solidFill>
-              <a:latin typeface="Titillium Web SemiBold"/>
-              <a:ea typeface="Titillium Web SemiBold"/>
-              <a:cs typeface="Titillium Web SemiBold"/>
-              <a:sym typeface="Titillium Web SemiBold"/>
-            </a:endParaRPr>
-          </a:p>
-        </p:txBody>
-      </p:sp>
-      <p:sp>
-        <p:nvSpPr>
-          <p:cNvPr id="209" name="Google Shape;209;p33"/>
-          <p:cNvSpPr txBox="1"/>
-          <p:nvPr/>
-        </p:nvSpPr>
-        <p:spPr>
-          <a:xfrm>
-            <a:off x="4344982" y="4021650"/>
-            <a:ext cx="833400" cy="311400"/>
-          </a:xfrm>
-          <a:prstGeom prst="rect">
-            <a:avLst/>
-          </a:prstGeom>
-          <a:noFill/>
-          <a:ln>
-            <a:noFill/>
-          </a:ln>
-        </p:spPr>
-        <p:txBody>
-          <a:bodyPr spcFirstLastPara="1" wrap="square" lIns="91425" tIns="91425" rIns="91425" bIns="91425" anchor="ctr" anchorCtr="0">
-            <a:noAutofit/>
-          </a:bodyPr>
-          <a:lstStyle/>
-          <a:p>
-            <a:pPr marL="0" lvl="0" indent="0" algn="l" rtl="0">
-              <a:spcBef>
-                <a:spcPts val="0"/>
-              </a:spcBef>
-              <a:spcAft>
-                <a:spcPts val="0"/>
-              </a:spcAft>
-              <a:buNone/>
-            </a:pPr>
-            <a:r>
-              <a:rPr lang="it">
-                <a:solidFill>
-                  <a:srgbClr val="5A6772"/>
-                </a:solidFill>
-                <a:latin typeface="Titillium Web"/>
-                <a:ea typeface="Titillium Web"/>
-                <a:cs typeface="Titillium Web"/>
-                <a:sym typeface="Titillium Web"/>
-              </a:rPr>
-              <a:t>[</a:t>
-            </a:r>
-            <a:r>
-              <a:rPr lang="it" u="sng">
-                <a:solidFill>
-                  <a:schemeClr val="hlink"/>
-                </a:solidFill>
-                <a:latin typeface="Titillium Web"/>
-                <a:ea typeface="Titillium Web"/>
-                <a:cs typeface="Titillium Web"/>
-                <a:sym typeface="Titillium Web"/>
-                <a:hlinkClick r:id="rId5"/>
-              </a:rPr>
-              <a:t>All. 7</a:t>
-            </a:r>
-            <a:r>
-              <a:rPr lang="it">
-                <a:solidFill>
-                  <a:srgbClr val="5A6772"/>
-                </a:solidFill>
-                <a:latin typeface="Titillium Web"/>
-                <a:ea typeface="Titillium Web"/>
-                <a:cs typeface="Titillium Web"/>
-                <a:sym typeface="Titillium Web"/>
-              </a:rPr>
-              <a:t>] </a:t>
-            </a:r>
-            <a:endParaRPr>
-              <a:solidFill>
-                <a:srgbClr val="5A6772"/>
-              </a:solidFill>
-              <a:latin typeface="Titillium Web SemiBold"/>
-              <a:ea typeface="Titillium Web SemiBold"/>
-              <a:cs typeface="Titillium Web SemiBold"/>
-              <a:sym typeface="Titillium Web SemiBold"/>
-            </a:endParaRPr>
-          </a:p>
-        </p:txBody>
-      </p:sp>
       <p:pic>
         <p:nvPicPr>
           <p:cNvPr id="210" name="Google Shape;210;p33"/>
@@ -23410,7 +23816,7 @@
           <p:nvPr/>
         </p:nvPicPr>
         <p:blipFill rotWithShape="1">
-          <a:blip r:embed="rId6">
+          <a:blip r:embed="rId3">
             <a:alphaModFix/>
           </a:blip>
           <a:srcRect/>

--- a/Report dei risultati.pptx
+++ b/Report dei risultati.pptx
@@ -14361,28 +14361,30 @@
           </a:bodyPr>
           <a:lstStyle/>
           <a:p>
-            <a:pPr marL="0" lvl="0" indent="0" algn="l" rtl="0">
-              <a:spcBef>
-                <a:spcPts val="0"/>
-              </a:spcBef>
-              <a:spcAft>
-                <a:spcPts val="0"/>
-              </a:spcAft>
-              <a:buNone/>
+            <a:pPr marL="171450" lvl="0" indent="-171450" algn="l" rtl="0">
+              <a:spcBef>
+                <a:spcPts val="0"/>
+              </a:spcBef>
+              <a:spcAft>
+                <a:spcPts val="0"/>
+              </a:spcAft>
+              <a:buFont typeface="Arial" panose="020B0604020202020204" pitchFamily="34" charset="0"/>
+              <a:buChar char="•"/>
             </a:pPr>
             <a:r>
-              <a:rPr lang="it" sz="900">
-                <a:solidFill>
-                  <a:srgbClr val="5A6772"/>
-                </a:solidFill>
-                <a:latin typeface="Titillium Web"/>
-                <a:ea typeface="Titillium Web"/>
-                <a:cs typeface="Titillium Web"/>
-                <a:sym typeface="Titillium Web"/>
+              <a:rPr lang="it-IT" sz="800" u="sng" dirty="0">
+                <a:solidFill>
+                  <a:srgbClr val="0000FF"/>
+                </a:solidFill>
+                <a:effectLst/>
+                <a:latin typeface="Arial" panose="020B0604020202020204" pitchFamily="34" charset="0"/>
+                <a:ea typeface="Calibri" panose="020F0502020204030204" pitchFamily="34" charset="0"/>
+                <a:cs typeface="Cambria" panose="02040503050406030204" pitchFamily="18" charset="0"/>
+                <a:hlinkClick r:id="rId3"/>
               </a:rPr>
-              <a:t>Descrivi qui il criterio di successo….</a:t>
+              <a:t>https://www.ing-inl.unifi.it/</a:t>
             </a:r>
-            <a:endParaRPr sz="900">
+            <a:endParaRPr sz="800" dirty="0">
               <a:solidFill>
                 <a:srgbClr val="5A6772"/>
               </a:solidFill>
@@ -14432,7 +14434,7 @@
               <a:buNone/>
             </a:pPr>
             <a:r>
-              <a:rPr lang="it" sz="1000" b="1">
+              <a:rPr lang="it" sz="1000" b="1" dirty="0">
                 <a:solidFill>
                   <a:srgbClr val="00B8CD"/>
                 </a:solidFill>
@@ -14443,7 +14445,7 @@
               </a:rPr>
               <a:t>CRITERIO DI SUCCESSO 1*</a:t>
             </a:r>
-            <a:endParaRPr sz="1000" b="1">
+            <a:endParaRPr sz="1000" b="1" dirty="0">
               <a:solidFill>
                 <a:srgbClr val="00B8CD"/>
               </a:solidFill>
@@ -14466,7 +14468,7 @@
               </a:spcAft>
               <a:buNone/>
             </a:pPr>
-            <a:endParaRPr sz="1000">
+            <a:endParaRPr sz="1000" dirty="0">
               <a:solidFill>
                 <a:srgbClr val="5A6772"/>
               </a:solidFill>
@@ -14516,7 +14518,7 @@
               <a:buNone/>
             </a:pPr>
             <a:r>
-              <a:rPr lang="it" sz="2400" b="1">
+              <a:rPr lang="it" sz="2400" b="1" dirty="0">
                 <a:solidFill>
                   <a:srgbClr val="0056CB"/>
                 </a:solidFill>
@@ -14527,7 +14529,7 @@
               </a:rPr>
               <a:t>TASK 1</a:t>
             </a:r>
-            <a:endParaRPr sz="2400" b="1">
+            <a:endParaRPr sz="2400" b="1" dirty="0">
               <a:solidFill>
                 <a:srgbClr val="0056CB"/>
               </a:solidFill>
@@ -14550,7 +14552,7 @@
               </a:spcAft>
               <a:buNone/>
             </a:pPr>
-            <a:endParaRPr sz="2400">
+            <a:endParaRPr sz="2400" dirty="0">
               <a:solidFill>
                 <a:srgbClr val="0056CB"/>
               </a:solidFill>
@@ -14597,7 +14599,7 @@
               <a:buNone/>
             </a:pPr>
             <a:r>
-              <a:rPr lang="it" sz="900">
+              <a:rPr lang="it-IT" sz="800" dirty="0">
                 <a:solidFill>
                   <a:srgbClr val="5A6772"/>
                 </a:solidFill>
@@ -14606,17 +14608,8 @@
                 <a:cs typeface="Titillium Web"/>
                 <a:sym typeface="Titillium Web"/>
               </a:rPr>
-              <a:t>Descrivi qui il criterio di successo….</a:t>
+              <a:t>Possibile sequenza di operazioni per arrivare alla soluzione dalla</a:t>
             </a:r>
-            <a:endParaRPr sz="900">
-              <a:solidFill>
-                <a:srgbClr val="5A6772"/>
-              </a:solidFill>
-              <a:latin typeface="Titillium Web SemiBold"/>
-              <a:ea typeface="Titillium Web SemiBold"/>
-              <a:cs typeface="Titillium Web SemiBold"/>
-              <a:sym typeface="Titillium Web SemiBold"/>
-            </a:endParaRPr>
           </a:p>
           <a:p>
             <a:pPr marL="0" lvl="0" indent="0" algn="l" rtl="0">
@@ -14628,7 +14621,126 @@
               </a:spcAft>
               <a:buNone/>
             </a:pPr>
-            <a:endParaRPr sz="900">
+            <a:r>
+              <a:rPr lang="it-IT" sz="800" dirty="0">
+                <a:solidFill>
+                  <a:srgbClr val="5A6772"/>
+                </a:solidFill>
+                <a:latin typeface="Titillium Web"/>
+                <a:ea typeface="Titillium Web"/>
+                <a:cs typeface="Titillium Web"/>
+                <a:sym typeface="Titillium Web"/>
+              </a:rPr>
+              <a:t>Homepage:</a:t>
+            </a:r>
+          </a:p>
+          <a:p>
+            <a:pPr marL="171450" lvl="0" indent="-171450" algn="l" rtl="0">
+              <a:spcBef>
+                <a:spcPts val="0"/>
+              </a:spcBef>
+              <a:spcAft>
+                <a:spcPts val="0"/>
+              </a:spcAft>
+              <a:buFont typeface="Arial" panose="020B0604020202020204" pitchFamily="34" charset="0"/>
+              <a:buChar char="•"/>
+            </a:pPr>
+            <a:r>
+              <a:rPr lang="it-IT" sz="800" dirty="0">
+                <a:solidFill>
+                  <a:srgbClr val="5A6772"/>
+                </a:solidFill>
+                <a:latin typeface="Titillium Web"/>
+                <a:ea typeface="Titillium Web"/>
+                <a:cs typeface="Titillium Web"/>
+                <a:sym typeface="Titillium Web"/>
+              </a:rPr>
+              <a:t>Cliccare la voce «didattica»</a:t>
+            </a:r>
+          </a:p>
+          <a:p>
+            <a:pPr marL="171450" lvl="0" indent="-171450" algn="l" rtl="0">
+              <a:spcBef>
+                <a:spcPts val="0"/>
+              </a:spcBef>
+              <a:spcAft>
+                <a:spcPts val="0"/>
+              </a:spcAft>
+              <a:buFont typeface="Arial" panose="020B0604020202020204" pitchFamily="34" charset="0"/>
+              <a:buChar char="•"/>
+            </a:pPr>
+            <a:r>
+              <a:rPr lang="it-IT" sz="800" dirty="0">
+                <a:solidFill>
+                  <a:srgbClr val="5A6772"/>
+                </a:solidFill>
+                <a:latin typeface="Titillium Web"/>
+                <a:ea typeface="Titillium Web"/>
+                <a:cs typeface="Titillium Web"/>
+                <a:sym typeface="Titillium Web"/>
+              </a:rPr>
+              <a:t>Selezionare la sottovoce «Corsi di Laurea»</a:t>
+            </a:r>
+          </a:p>
+          <a:p>
+            <a:pPr marL="171450" lvl="0" indent="-171450" algn="l" rtl="0">
+              <a:spcBef>
+                <a:spcPts val="0"/>
+              </a:spcBef>
+              <a:spcAft>
+                <a:spcPts val="0"/>
+              </a:spcAft>
+              <a:buFont typeface="Arial" panose="020B0604020202020204" pitchFamily="34" charset="0"/>
+              <a:buChar char="•"/>
+            </a:pPr>
+            <a:r>
+              <a:rPr lang="it-IT" sz="800" dirty="0">
+                <a:solidFill>
+                  <a:srgbClr val="5A6772"/>
+                </a:solidFill>
+                <a:latin typeface="Titillium Web"/>
+                <a:ea typeface="Titillium Web"/>
+                <a:cs typeface="Titillium Web"/>
+                <a:sym typeface="Titillium Web"/>
+              </a:rPr>
+              <a:t>Selezionare «Corsi di laurea Triennali e magistrali a ciclo unico»</a:t>
+            </a:r>
+          </a:p>
+          <a:p>
+            <a:pPr marL="171450" lvl="0" indent="-171450" algn="l" rtl="0">
+              <a:spcBef>
+                <a:spcPts val="0"/>
+              </a:spcBef>
+              <a:spcAft>
+                <a:spcPts val="0"/>
+              </a:spcAft>
+              <a:buFont typeface="Arial" panose="020B0604020202020204" pitchFamily="34" charset="0"/>
+              <a:buChar char="•"/>
+            </a:pPr>
+            <a:r>
+              <a:rPr lang="it-IT" sz="800" dirty="0">
+                <a:solidFill>
+                  <a:srgbClr val="5A6772"/>
+                </a:solidFill>
+                <a:latin typeface="Titillium Web"/>
+                <a:ea typeface="Titillium Web"/>
+                <a:cs typeface="Titillium Web"/>
+                <a:sym typeface="Titillium Web"/>
+              </a:rPr>
+              <a:t>Selezionare la voce «informatica» in «Scienze Matematiche, Fisiche e Naturali2</a:t>
+            </a:r>
+          </a:p>
+          <a:p>
+            <a:pPr marL="0" lvl="0" indent="0" algn="l" rtl="0">
+              <a:spcBef>
+                <a:spcPts val="0"/>
+              </a:spcBef>
+              <a:spcAft>
+                <a:spcPts val="0"/>
+              </a:spcAft>
+              <a:buNone/>
+            </a:pPr>
+            <a:endParaRPr lang="it-IT" sz="800" dirty="0">
               <a:solidFill>
                 <a:srgbClr val="5A6772"/>
               </a:solidFill>
@@ -14678,7 +14790,7 @@
               <a:buNone/>
             </a:pPr>
             <a:r>
-              <a:rPr lang="it" sz="1000" b="1">
+              <a:rPr lang="it" sz="1000" b="1" dirty="0">
                 <a:solidFill>
                   <a:srgbClr val="00B8CD"/>
                 </a:solidFill>
@@ -14689,7 +14801,7 @@
               </a:rPr>
               <a:t>CRITERIO DI SUCCESSO 2**</a:t>
             </a:r>
-            <a:endParaRPr sz="1000" b="1">
+            <a:endParaRPr sz="1000" b="1" dirty="0">
               <a:solidFill>
                 <a:srgbClr val="00B8CD"/>
               </a:solidFill>
@@ -14712,7 +14824,7 @@
               </a:spcAft>
               <a:buNone/>
             </a:pPr>
-            <a:endParaRPr sz="1000">
+            <a:endParaRPr sz="1000" dirty="0">
               <a:solidFill>
                 <a:srgbClr val="5A6772"/>
               </a:solidFill>
@@ -14775,28 +14887,82 @@
           </a:bodyPr>
           <a:lstStyle/>
           <a:p>
-            <a:pPr marL="0" lvl="0" indent="0" algn="l" rtl="0">
-              <a:spcBef>
-                <a:spcPts val="0"/>
-              </a:spcBef>
-              <a:spcAft>
-                <a:spcPts val="0"/>
-              </a:spcAft>
-              <a:buNone/>
+            <a:pPr marL="171450" indent="-171450">
+              <a:buFont typeface="Arial" panose="020B0604020202020204" pitchFamily="34" charset="0"/>
+              <a:buChar char="•"/>
             </a:pPr>
             <a:r>
-              <a:rPr lang="it" sz="900">
-                <a:solidFill>
-                  <a:srgbClr val="5A6772"/>
-                </a:solidFill>
-                <a:latin typeface="Titillium Web"/>
-                <a:ea typeface="Titillium Web"/>
-                <a:cs typeface="Titillium Web"/>
-                <a:sym typeface="Titillium Web"/>
+              <a:rPr lang="it-IT" sz="800" u="sng" dirty="0">
+                <a:solidFill>
+                  <a:srgbClr val="0000FF"/>
+                </a:solidFill>
+                <a:effectLst/>
+                <a:latin typeface="Arial" panose="020B0604020202020204" pitchFamily="34" charset="0"/>
+                <a:ea typeface="Calibri" panose="020F0502020204030204" pitchFamily="34" charset="0"/>
+                <a:cs typeface="Cambria" panose="02040503050406030204" pitchFamily="18" charset="0"/>
+                <a:hlinkClick r:id="rId4"/>
               </a:rPr>
-              <a:t>Descrivi qui il criterio di successo….</a:t>
+              <a:t>https://www.unifi.it/p7470.html</a:t>
             </a:r>
-            <a:endParaRPr sz="900">
+            <a:endParaRPr lang="it-IT" sz="800" u="sng" dirty="0">
+              <a:solidFill>
+                <a:srgbClr val="0000FF"/>
+              </a:solidFill>
+              <a:effectLst/>
+              <a:latin typeface="Arial" panose="020B0604020202020204" pitchFamily="34" charset="0"/>
+              <a:ea typeface="Calibri" panose="020F0502020204030204" pitchFamily="34" charset="0"/>
+              <a:cs typeface="Cambria" panose="02040503050406030204" pitchFamily="18" charset="0"/>
+            </a:endParaRPr>
+          </a:p>
+          <a:p>
+            <a:pPr marL="171450" indent="-171450">
+              <a:buFont typeface="Arial" panose="020B0604020202020204" pitchFamily="34" charset="0"/>
+              <a:buChar char="•"/>
+            </a:pPr>
+            <a:r>
+              <a:rPr lang="it-IT" sz="800" u="sng" dirty="0">
+                <a:solidFill>
+                  <a:srgbClr val="0000FF"/>
+                </a:solidFill>
+                <a:effectLst/>
+                <a:latin typeface="Arial" panose="020B0604020202020204" pitchFamily="34" charset="0"/>
+                <a:ea typeface="Calibri" panose="020F0502020204030204" pitchFamily="34" charset="0"/>
+                <a:cs typeface="Cambria" panose="02040503050406030204" pitchFamily="18" charset="0"/>
+                <a:hlinkClick r:id="rId5"/>
+              </a:rPr>
+              <a:t>https://www.unifi.it/p11627.html</a:t>
+            </a:r>
+            <a:endParaRPr lang="it-IT" sz="800" dirty="0">
+              <a:effectLst/>
+              <a:latin typeface="Arial" panose="020B0604020202020204" pitchFamily="34" charset="0"/>
+              <a:ea typeface="Arial" panose="020B0604020202020204" pitchFamily="34" charset="0"/>
+            </a:endParaRPr>
+          </a:p>
+          <a:p>
+            <a:pPr marL="171450" lvl="0" indent="-171450" algn="l" rtl="0">
+              <a:spcBef>
+                <a:spcPts val="0"/>
+              </a:spcBef>
+              <a:spcAft>
+                <a:spcPts val="0"/>
+              </a:spcAft>
+              <a:buFont typeface="Arial" panose="020B0604020202020204" pitchFamily="34" charset="0"/>
+              <a:buChar char="•"/>
+            </a:pPr>
+            <a:r>
+              <a:rPr lang="it-IT" sz="800" u="sng" dirty="0">
+                <a:solidFill>
+                  <a:srgbClr val="0000FF"/>
+                </a:solidFill>
+                <a:effectLst/>
+                <a:latin typeface="Arial" panose="020B0604020202020204" pitchFamily="34" charset="0"/>
+                <a:ea typeface="Calibri" panose="020F0502020204030204" pitchFamily="34" charset="0"/>
+                <a:cs typeface="Cambria" panose="02040503050406030204" pitchFamily="18" charset="0"/>
+                <a:hlinkClick r:id="rId6"/>
+              </a:rPr>
+              <a:t>https://www.unifi.it/vp-11161-orientamento-al-lavoro-placement.html</a:t>
+            </a:r>
+            <a:endParaRPr sz="800" dirty="0">
               <a:solidFill>
                 <a:srgbClr val="5A6772"/>
               </a:solidFill>
@@ -14816,7 +14982,7 @@
               </a:spcAft>
               <a:buNone/>
             </a:pPr>
-            <a:endParaRPr sz="900">
+            <a:endParaRPr sz="900" dirty="0">
               <a:solidFill>
                 <a:srgbClr val="5A6772"/>
               </a:solidFill>
@@ -14866,7 +15032,7 @@
               <a:buNone/>
             </a:pPr>
             <a:r>
-              <a:rPr lang="it" sz="1000" b="1">
+              <a:rPr lang="it" sz="1000" b="1" dirty="0">
                 <a:solidFill>
                   <a:srgbClr val="00B8CD"/>
                 </a:solidFill>
@@ -14877,7 +15043,7 @@
               </a:rPr>
               <a:t>CRITERIO DI SUCCESSO 1*</a:t>
             </a:r>
-            <a:endParaRPr sz="1000" b="1">
+            <a:endParaRPr sz="1000" b="1" dirty="0">
               <a:solidFill>
                 <a:srgbClr val="00B8CD"/>
               </a:solidFill>
@@ -14900,7 +15066,7 @@
               </a:spcAft>
               <a:buNone/>
             </a:pPr>
-            <a:endParaRPr sz="1000" b="1">
+            <a:endParaRPr sz="1000" b="1" dirty="0">
               <a:solidFill>
                 <a:srgbClr val="00B8CD"/>
               </a:solidFill>
@@ -14923,7 +15089,7 @@
               </a:spcAft>
               <a:buNone/>
             </a:pPr>
-            <a:endParaRPr sz="1000">
+            <a:endParaRPr sz="1000" dirty="0">
               <a:solidFill>
                 <a:srgbClr val="5A6772"/>
               </a:solidFill>
@@ -15054,7 +15220,7 @@
               <a:buNone/>
             </a:pPr>
             <a:r>
-              <a:rPr lang="it" sz="900">
+              <a:rPr lang="it-IT" sz="800" dirty="0">
                 <a:solidFill>
                   <a:srgbClr val="5A6772"/>
                 </a:solidFill>
@@ -15063,9 +15229,115 @@
                 <a:cs typeface="Titillium Web"/>
                 <a:sym typeface="Titillium Web"/>
               </a:rPr>
-              <a:t>Descrivi qui il criterio di successo….</a:t>
+              <a:t>Possibile sequenza di operazioni per arrivare alla soluzione dalla</a:t>
             </a:r>
-            <a:endParaRPr sz="900">
+          </a:p>
+          <a:p>
+            <a:pPr marL="0" lvl="0" indent="0" algn="l" rtl="0">
+              <a:spcBef>
+                <a:spcPts val="0"/>
+              </a:spcBef>
+              <a:spcAft>
+                <a:spcPts val="0"/>
+              </a:spcAft>
+              <a:buNone/>
+            </a:pPr>
+            <a:r>
+              <a:rPr lang="it-IT" sz="800" dirty="0">
+                <a:solidFill>
+                  <a:srgbClr val="5A6772"/>
+                </a:solidFill>
+                <a:latin typeface="Titillium Web"/>
+                <a:ea typeface="Titillium Web"/>
+                <a:cs typeface="Titillium Web"/>
+                <a:sym typeface="Titillium Web"/>
+              </a:rPr>
+              <a:t>Homepage:</a:t>
+            </a:r>
+          </a:p>
+          <a:p>
+            <a:pPr marL="171450" lvl="0" indent="-171450" algn="l" rtl="0">
+              <a:spcBef>
+                <a:spcPts val="0"/>
+              </a:spcBef>
+              <a:spcAft>
+                <a:spcPts val="0"/>
+              </a:spcAft>
+              <a:buFont typeface="Arial" panose="020B0604020202020204" pitchFamily="34" charset="0"/>
+              <a:buChar char="•"/>
+            </a:pPr>
+            <a:r>
+              <a:rPr lang="it-IT" sz="800" dirty="0">
+                <a:solidFill>
+                  <a:srgbClr val="5A6772"/>
+                </a:solidFill>
+                <a:latin typeface="Titillium Web"/>
+                <a:ea typeface="Titillium Web"/>
+                <a:cs typeface="Titillium Web"/>
+                <a:sym typeface="Titillium Web"/>
+              </a:rPr>
+              <a:t>Cliccare la voce del menu «Terza Missione»</a:t>
+            </a:r>
+          </a:p>
+          <a:p>
+            <a:pPr marL="171450" lvl="0" indent="-171450" algn="l" rtl="0">
+              <a:spcBef>
+                <a:spcPts val="0"/>
+              </a:spcBef>
+              <a:spcAft>
+                <a:spcPts val="0"/>
+              </a:spcAft>
+              <a:buFont typeface="Arial" panose="020B0604020202020204" pitchFamily="34" charset="0"/>
+              <a:buChar char="•"/>
+            </a:pPr>
+            <a:r>
+              <a:rPr lang="it-IT" sz="800" dirty="0">
+                <a:solidFill>
+                  <a:srgbClr val="5A6772"/>
+                </a:solidFill>
+                <a:latin typeface="Titillium Web"/>
+                <a:ea typeface="Titillium Web"/>
+                <a:cs typeface="Titillium Web"/>
+                <a:sym typeface="Titillium Web"/>
+              </a:rPr>
+              <a:t>Selezionare «Carer service-aziende»</a:t>
+            </a:r>
+          </a:p>
+          <a:p>
+            <a:pPr marL="171450" lvl="0" indent="-171450" algn="l" rtl="0">
+              <a:spcBef>
+                <a:spcPts val="0"/>
+              </a:spcBef>
+              <a:spcAft>
+                <a:spcPts val="0"/>
+              </a:spcAft>
+              <a:buFont typeface="Arial" panose="020B0604020202020204" pitchFamily="34" charset="0"/>
+              <a:buChar char="•"/>
+            </a:pPr>
+            <a:r>
+              <a:rPr lang="it-IT" sz="800" dirty="0">
+                <a:solidFill>
+                  <a:srgbClr val="5A6772"/>
+                </a:solidFill>
+                <a:latin typeface="Titillium Web"/>
+                <a:ea typeface="Titillium Web"/>
+                <a:cs typeface="Titillium Web"/>
+                <a:sym typeface="Titillium Web"/>
+              </a:rPr>
+              <a:t>Cliccare «Carer service per le aziende»</a:t>
+            </a:r>
+          </a:p>
+          <a:p>
+            <a:pPr marL="0" lvl="0" indent="0" algn="l" rtl="0">
+              <a:spcBef>
+                <a:spcPts val="0"/>
+              </a:spcBef>
+              <a:spcAft>
+                <a:spcPts val="0"/>
+              </a:spcAft>
+              <a:buNone/>
+            </a:pPr>
+            <a:endParaRPr sz="900" dirty="0">
               <a:solidFill>
                 <a:srgbClr val="5A6772"/>
               </a:solidFill>
@@ -15085,7 +15357,7 @@
               </a:spcAft>
               <a:buNone/>
             </a:pPr>
-            <a:endParaRPr sz="900">
+            <a:endParaRPr sz="900" dirty="0">
               <a:solidFill>
                 <a:srgbClr val="5A6772"/>
               </a:solidFill>
@@ -15135,7 +15407,7 @@
               <a:buNone/>
             </a:pPr>
             <a:r>
-              <a:rPr lang="it" sz="1000" b="1">
+              <a:rPr lang="it" sz="1000" b="1" dirty="0">
                 <a:solidFill>
                   <a:srgbClr val="00B8CD"/>
                 </a:solidFill>
@@ -15146,7 +15418,7 @@
               </a:rPr>
               <a:t>CRITERIO DI SUCCESSO 2**</a:t>
             </a:r>
-            <a:endParaRPr sz="1000" b="1">
+            <a:endParaRPr sz="1000" b="1" dirty="0">
               <a:solidFill>
                 <a:srgbClr val="00B8CD"/>
               </a:solidFill>
@@ -15169,7 +15441,7 @@
               </a:spcAft>
               <a:buNone/>
             </a:pPr>
-            <a:endParaRPr sz="1000" b="1">
+            <a:endParaRPr sz="1000" b="1" dirty="0">
               <a:solidFill>
                 <a:srgbClr val="00B8CD"/>
               </a:solidFill>
@@ -15192,7 +15464,7 @@
               </a:spcAft>
               <a:buNone/>
             </a:pPr>
-            <a:endParaRPr sz="1000">
+            <a:endParaRPr sz="1000" dirty="0">
               <a:solidFill>
                 <a:srgbClr val="5A6772"/>
               </a:solidFill>
@@ -15229,38 +15501,67 @@
           </a:bodyPr>
           <a:lstStyle/>
           <a:p>
-            <a:pPr marL="0" lvl="0" indent="0" algn="l" rtl="0">
-              <a:spcBef>
-                <a:spcPts val="0"/>
-              </a:spcBef>
-              <a:spcAft>
-                <a:spcPts val="0"/>
-              </a:spcAft>
-              <a:buNone/>
+            <a:pPr marL="171450" lvl="0" indent="-171450" algn="l" rtl="0">
+              <a:spcBef>
+                <a:spcPts val="0"/>
+              </a:spcBef>
+              <a:spcAft>
+                <a:spcPts val="0"/>
+              </a:spcAft>
+              <a:buFont typeface="Arial" panose="020B0604020202020204" pitchFamily="34" charset="0"/>
+              <a:buChar char="•"/>
             </a:pPr>
             <a:r>
-              <a:rPr lang="it" sz="900">
-                <a:solidFill>
-                  <a:srgbClr val="5A6772"/>
-                </a:solidFill>
-                <a:latin typeface="Titillium Web"/>
-                <a:ea typeface="Titillium Web"/>
-                <a:cs typeface="Titillium Web"/>
-                <a:sym typeface="Titillium Web"/>
+              <a:rPr lang="it-IT" sz="800" u="sng" dirty="0">
+                <a:solidFill>
+                  <a:srgbClr val="0000FF"/>
+                </a:solidFill>
+                <a:effectLst/>
+                <a:latin typeface="Arial" panose="020B0604020202020204" pitchFamily="34" charset="0"/>
+                <a:ea typeface="Calibri" panose="020F0502020204030204" pitchFamily="34" charset="0"/>
+                <a:cs typeface="Cambria" panose="02040503050406030204" pitchFamily="18" charset="0"/>
+                <a:hlinkClick r:id="rId7"/>
               </a:rPr>
-              <a:t>Descrivi qui il criterio di successo….</a:t>
+              <a:t>https://www.unifi.it/vp-7464-erasmus-e-mobilita-internazionale.html</a:t>
             </a:r>
-            <a:endParaRPr sz="900">
+            <a:endParaRPr lang="it-IT" sz="800" u="sng" dirty="0">
               <a:solidFill>
-                <a:srgbClr val="5A6772"/>
+                <a:srgbClr val="0000FF"/>
               </a:solidFill>
-              <a:latin typeface="Titillium Web SemiBold"/>
-              <a:ea typeface="Titillium Web SemiBold"/>
-              <a:cs typeface="Titillium Web SemiBold"/>
-              <a:sym typeface="Titillium Web SemiBold"/>
+              <a:effectLst/>
+              <a:latin typeface="Arial" panose="020B0604020202020204" pitchFamily="34" charset="0"/>
+              <a:ea typeface="Calibri" panose="020F0502020204030204" pitchFamily="34" charset="0"/>
+              <a:cs typeface="Cambria" panose="02040503050406030204" pitchFamily="18" charset="0"/>
             </a:endParaRPr>
           </a:p>
           <a:p>
+            <a:pPr marL="171450" indent="-171450">
+              <a:lnSpc>
+                <a:spcPct val="115000"/>
+              </a:lnSpc>
+              <a:buFont typeface="Arial" panose="020B0604020202020204" pitchFamily="34" charset="0"/>
+              <a:buChar char="•"/>
+            </a:pPr>
+            <a:r>
+              <a:rPr lang="it-IT" sz="800" u="sng" dirty="0">
+                <a:solidFill>
+                  <a:srgbClr val="0000FF"/>
+                </a:solidFill>
+                <a:effectLst/>
+                <a:latin typeface="Titillium Web" panose="00000500000000000000" pitchFamily="2" charset="0"/>
+                <a:ea typeface="Titillium Web" panose="00000500000000000000" pitchFamily="2" charset="0"/>
+                <a:cs typeface="Titillium Web" panose="00000500000000000000" pitchFamily="2" charset="0"/>
+                <a:hlinkClick r:id="rId8"/>
+              </a:rPr>
+              <a:t>https://www.unifi.it/cmpro-v-p-10034.html#erasmus_studio</a:t>
+            </a:r>
+            <a:endParaRPr lang="it-IT" sz="800" dirty="0">
+              <a:effectLst/>
+              <a:latin typeface="Arial" panose="020B0604020202020204" pitchFamily="34" charset="0"/>
+              <a:ea typeface="Arial" panose="020B0604020202020204" pitchFamily="34" charset="0"/>
+            </a:endParaRPr>
+          </a:p>
+          <a:p>
             <a:pPr marL="0" lvl="0" indent="0" algn="l" rtl="0">
               <a:spcBef>
                 <a:spcPts val="0"/>
@@ -15270,7 +15571,7 @@
               </a:spcAft>
               <a:buNone/>
             </a:pPr>
-            <a:endParaRPr sz="900">
+            <a:endParaRPr sz="900" dirty="0">
               <a:solidFill>
                 <a:srgbClr val="5A6772"/>
               </a:solidFill>
@@ -15320,7 +15621,7 @@
               <a:buNone/>
             </a:pPr>
             <a:r>
-              <a:rPr lang="it" sz="1000" b="1">
+              <a:rPr lang="it" sz="1000" b="1" dirty="0">
                 <a:solidFill>
                   <a:srgbClr val="00B8CD"/>
                 </a:solidFill>
@@ -15331,7 +15632,7 @@
               </a:rPr>
               <a:t>CRITERIO DI SUCCESSO 1*</a:t>
             </a:r>
-            <a:endParaRPr sz="1000" b="1">
+            <a:endParaRPr sz="1000" b="1" dirty="0">
               <a:solidFill>
                 <a:srgbClr val="00B8CD"/>
               </a:solidFill>
@@ -15354,7 +15655,7 @@
               </a:spcAft>
               <a:buNone/>
             </a:pPr>
-            <a:endParaRPr sz="1000" b="1">
+            <a:endParaRPr sz="1000" b="1" dirty="0">
               <a:solidFill>
                 <a:srgbClr val="00B8CD"/>
               </a:solidFill>
@@ -15377,7 +15678,7 @@
               </a:spcAft>
               <a:buNone/>
             </a:pPr>
-            <a:endParaRPr sz="1000">
+            <a:endParaRPr sz="1000" dirty="0">
               <a:solidFill>
                 <a:srgbClr val="5A6772"/>
               </a:solidFill>
@@ -15508,7 +15809,7 @@
               <a:buNone/>
             </a:pPr>
             <a:r>
-              <a:rPr lang="it" sz="900">
+              <a:rPr lang="it-IT" sz="800" dirty="0">
                 <a:solidFill>
                   <a:srgbClr val="5A6772"/>
                 </a:solidFill>
@@ -15517,9 +15818,91 @@
                 <a:cs typeface="Titillium Web"/>
                 <a:sym typeface="Titillium Web"/>
               </a:rPr>
-              <a:t>Descrivi qui il criterio di successo….</a:t>
+              <a:t>Possibile sequenza di operazioni per arrivare alla soluzione dalla</a:t>
             </a:r>
-            <a:endParaRPr sz="900">
+          </a:p>
+          <a:p>
+            <a:pPr marL="0" lvl="0" indent="0" algn="l" rtl="0">
+              <a:spcBef>
+                <a:spcPts val="0"/>
+              </a:spcBef>
+              <a:spcAft>
+                <a:spcPts val="0"/>
+              </a:spcAft>
+              <a:buNone/>
+            </a:pPr>
+            <a:r>
+              <a:rPr lang="it-IT" sz="800" dirty="0">
+                <a:solidFill>
+                  <a:srgbClr val="5A6772"/>
+                </a:solidFill>
+                <a:latin typeface="Titillium Web"/>
+                <a:ea typeface="Titillium Web"/>
+                <a:cs typeface="Titillium Web"/>
+                <a:sym typeface="Titillium Web"/>
+              </a:rPr>
+              <a:t>Homepage:</a:t>
+            </a:r>
+          </a:p>
+          <a:p>
+            <a:pPr marL="171450" lvl="0" indent="-171450" algn="l" rtl="0">
+              <a:spcBef>
+                <a:spcPts val="0"/>
+              </a:spcBef>
+              <a:spcAft>
+                <a:spcPts val="0"/>
+              </a:spcAft>
+              <a:buFont typeface="Arial" panose="020B0604020202020204" pitchFamily="34" charset="0"/>
+              <a:buChar char="•"/>
+            </a:pPr>
+            <a:r>
+              <a:rPr lang="it-IT" sz="800" dirty="0">
+                <a:solidFill>
+                  <a:srgbClr val="5A6772"/>
+                </a:solidFill>
+                <a:latin typeface="Titillium Web"/>
+                <a:ea typeface="Titillium Web"/>
+                <a:cs typeface="Titillium Web"/>
+                <a:sym typeface="Titillium Web"/>
+              </a:rPr>
+              <a:t>Cliccare la voce del menu «Internazionalizzazione»</a:t>
+            </a:r>
+          </a:p>
+          <a:p>
+            <a:pPr marL="171450" lvl="0" indent="-171450" algn="l" rtl="0">
+              <a:spcBef>
+                <a:spcPts val="0"/>
+              </a:spcBef>
+              <a:spcAft>
+                <a:spcPts val="0"/>
+              </a:spcAft>
+              <a:buFont typeface="Arial" panose="020B0604020202020204" pitchFamily="34" charset="0"/>
+              <a:buChar char="•"/>
+            </a:pPr>
+            <a:r>
+              <a:rPr lang="it-IT" sz="800" dirty="0">
+                <a:solidFill>
+                  <a:srgbClr val="5A6772"/>
+                </a:solidFill>
+                <a:latin typeface="Titillium Web"/>
+                <a:ea typeface="Titillium Web"/>
+                <a:cs typeface="Titillium Web"/>
+                <a:sym typeface="Titillium Web"/>
+              </a:rPr>
+              <a:t>Selezionare la voce del menu «Erasmus e mobilità internazionale»</a:t>
+            </a:r>
+          </a:p>
+          <a:p>
+            <a:pPr marL="0" lvl="0" indent="0" algn="l" rtl="0">
+              <a:spcBef>
+                <a:spcPts val="0"/>
+              </a:spcBef>
+              <a:spcAft>
+                <a:spcPts val="0"/>
+              </a:spcAft>
+              <a:buNone/>
+            </a:pPr>
+            <a:endParaRPr sz="800" dirty="0">
               <a:solidFill>
                 <a:srgbClr val="5A6772"/>
               </a:solidFill>
@@ -15539,7 +15922,7 @@
               </a:spcAft>
               <a:buNone/>
             </a:pPr>
-            <a:endParaRPr sz="900">
+            <a:endParaRPr sz="900" dirty="0">
               <a:solidFill>
                 <a:srgbClr val="5A6772"/>
               </a:solidFill>
@@ -15795,7 +16178,7 @@
           <p:nvPr/>
         </p:nvPicPr>
         <p:blipFill rotWithShape="1">
-          <a:blip r:embed="rId3">
+          <a:blip r:embed="rId9">
             <a:alphaModFix/>
           </a:blip>
           <a:srcRect/>
@@ -16325,35 +16708,72 @@
           </a:bodyPr>
           <a:lstStyle/>
           <a:p>
-            <a:pPr marL="0" lvl="0" indent="0" algn="l" rtl="0">
-              <a:spcBef>
-                <a:spcPts val="0"/>
-              </a:spcBef>
-              <a:spcAft>
-                <a:spcPts val="0"/>
-              </a:spcAft>
-              <a:buNone/>
+            <a:pPr marL="171450" indent="-171450">
+              <a:lnSpc>
+                <a:spcPct val="115000"/>
+              </a:lnSpc>
+              <a:buFont typeface="Arial" panose="020B0604020202020204" pitchFamily="34" charset="0"/>
+              <a:buChar char="•"/>
             </a:pPr>
             <a:r>
-              <a:rPr lang="it" sz="900">
-                <a:solidFill>
-                  <a:srgbClr val="5A6772"/>
-                </a:solidFill>
-                <a:latin typeface="Titillium Web"/>
-                <a:ea typeface="Titillium Web"/>
-                <a:cs typeface="Titillium Web"/>
-                <a:sym typeface="Titillium Web"/>
+              <a:rPr lang="it-IT" sz="800" u="sng" dirty="0">
+                <a:solidFill>
+                  <a:srgbClr val="0000FF"/>
+                </a:solidFill>
+                <a:effectLst/>
+                <a:latin typeface="Arial" panose="020B0604020202020204" pitchFamily="34" charset="0"/>
+                <a:ea typeface="Calibri" panose="020F0502020204030204" pitchFamily="34" charset="0"/>
+                <a:cs typeface="Cambria" panose="02040503050406030204" pitchFamily="18" charset="0"/>
+                <a:hlinkClick r:id="rId3"/>
               </a:rPr>
-              <a:t>Descrivi qui il criterio di successo….</a:t>
+              <a:t>https://www.unifi.it/cmpro-v-p-9472.html#uno</a:t>
             </a:r>
-            <a:endParaRPr sz="900">
+            <a:endParaRPr lang="it-IT" sz="800" u="sng" dirty="0">
               <a:solidFill>
-                <a:srgbClr val="5A6772"/>
+                <a:srgbClr val="0000FF"/>
               </a:solidFill>
-              <a:latin typeface="Titillium Web SemiBold"/>
-              <a:ea typeface="Titillium Web SemiBold"/>
-              <a:cs typeface="Titillium Web SemiBold"/>
-              <a:sym typeface="Titillium Web SemiBold"/>
+              <a:effectLst/>
+              <a:latin typeface="Arial" panose="020B0604020202020204" pitchFamily="34" charset="0"/>
+              <a:ea typeface="Calibri" panose="020F0502020204030204" pitchFamily="34" charset="0"/>
+              <a:cs typeface="Cambria" panose="02040503050406030204" pitchFamily="18" charset="0"/>
+            </a:endParaRPr>
+          </a:p>
+          <a:p>
+            <a:pPr marL="171450" indent="-171450">
+              <a:lnSpc>
+                <a:spcPct val="115000"/>
+              </a:lnSpc>
+              <a:buFont typeface="Arial" panose="020B0604020202020204" pitchFamily="34" charset="0"/>
+              <a:buChar char="•"/>
+            </a:pPr>
+            <a:r>
+              <a:rPr lang="it-IT" sz="800" u="sng" dirty="0">
+                <a:solidFill>
+                  <a:srgbClr val="0000FF"/>
+                </a:solidFill>
+                <a:effectLst/>
+                <a:latin typeface="Arial" panose="020B0604020202020204" pitchFamily="34" charset="0"/>
+                <a:ea typeface="Arial" panose="020B0604020202020204" pitchFamily="34" charset="0"/>
+                <a:hlinkClick r:id="rId4"/>
+              </a:rPr>
+              <a:t>https://www.unifi.it/vp-7376-faq-come-fare-per.html#laureandi</a:t>
+            </a:r>
+            <a:endParaRPr lang="it-IT" sz="800" dirty="0">
+              <a:effectLst/>
+              <a:latin typeface="Arial" panose="020B0604020202020204" pitchFamily="34" charset="0"/>
+              <a:ea typeface="Arial" panose="020B0604020202020204" pitchFamily="34" charset="0"/>
+            </a:endParaRPr>
+          </a:p>
+          <a:p>
+            <a:pPr>
+              <a:lnSpc>
+                <a:spcPct val="115000"/>
+              </a:lnSpc>
+            </a:pPr>
+            <a:endParaRPr lang="it-IT" sz="800" dirty="0">
+              <a:effectLst/>
+              <a:latin typeface="Arial" panose="020B0604020202020204" pitchFamily="34" charset="0"/>
+              <a:ea typeface="Arial" panose="020B0604020202020204" pitchFamily="34" charset="0"/>
             </a:endParaRPr>
           </a:p>
         </p:txBody>
@@ -16561,7 +16981,7 @@
               <a:buNone/>
             </a:pPr>
             <a:r>
-              <a:rPr lang="it" sz="900">
+              <a:rPr lang="it-IT" sz="800" dirty="0">
                 <a:solidFill>
                   <a:srgbClr val="5A6772"/>
                 </a:solidFill>
@@ -16570,9 +16990,140 @@
                 <a:cs typeface="Titillium Web"/>
                 <a:sym typeface="Titillium Web"/>
               </a:rPr>
-              <a:t>Descrivi qui il criterio di successo….</a:t>
+              <a:t>Possibile sequenza di operazioni per arrivare alla soluzione dalla</a:t>
             </a:r>
-            <a:endParaRPr sz="900">
+          </a:p>
+          <a:p>
+            <a:pPr marL="0" lvl="0" indent="0" algn="l" rtl="0">
+              <a:spcBef>
+                <a:spcPts val="0"/>
+              </a:spcBef>
+              <a:spcAft>
+                <a:spcPts val="0"/>
+              </a:spcAft>
+              <a:buNone/>
+            </a:pPr>
+            <a:r>
+              <a:rPr lang="it-IT" sz="800" dirty="0">
+                <a:solidFill>
+                  <a:srgbClr val="5A6772"/>
+                </a:solidFill>
+                <a:latin typeface="Titillium Web"/>
+                <a:ea typeface="Titillium Web"/>
+                <a:cs typeface="Titillium Web"/>
+                <a:sym typeface="Titillium Web"/>
+              </a:rPr>
+              <a:t>Homepage:</a:t>
+            </a:r>
+          </a:p>
+          <a:p>
+            <a:pPr marL="171450" lvl="0" indent="-171450" algn="l" rtl="0">
+              <a:spcBef>
+                <a:spcPts val="0"/>
+              </a:spcBef>
+              <a:spcAft>
+                <a:spcPts val="0"/>
+              </a:spcAft>
+              <a:buFont typeface="Arial" panose="020B0604020202020204" pitchFamily="34" charset="0"/>
+              <a:buChar char="•"/>
+            </a:pPr>
+            <a:r>
+              <a:rPr lang="it" sz="800" dirty="0">
+                <a:solidFill>
+                  <a:srgbClr val="5A6772"/>
+                </a:solidFill>
+                <a:latin typeface="Titillium Web"/>
+                <a:ea typeface="Titillium Web SemiBold"/>
+                <a:cs typeface="Titillium Web SemiBold"/>
+                <a:sym typeface="Titillium Web"/>
+              </a:rPr>
+              <a:t>Cliccare la voce del menu «Iscrizioni»</a:t>
+            </a:r>
+          </a:p>
+          <a:p>
+            <a:pPr marL="171450" lvl="0" indent="-171450" algn="l" rtl="0">
+              <a:spcBef>
+                <a:spcPts val="0"/>
+              </a:spcBef>
+              <a:spcAft>
+                <a:spcPts val="0"/>
+              </a:spcAft>
+              <a:buFont typeface="Arial" panose="020B0604020202020204" pitchFamily="34" charset="0"/>
+              <a:buChar char="•"/>
+            </a:pPr>
+            <a:r>
+              <a:rPr lang="it-IT" sz="800" dirty="0">
+                <a:solidFill>
+                  <a:srgbClr val="5A6772"/>
+                </a:solidFill>
+                <a:latin typeface="Titillium Web"/>
+                <a:ea typeface="Titillium Web SemiBold"/>
+                <a:cs typeface="Titillium Web SemiBold"/>
+                <a:sym typeface="Titillium Web"/>
+              </a:rPr>
+              <a:t>S</a:t>
+            </a:r>
+            <a:r>
+              <a:rPr lang="it" sz="800" dirty="0">
+                <a:solidFill>
+                  <a:srgbClr val="5A6772"/>
+                </a:solidFill>
+                <a:latin typeface="Titillium Web"/>
+                <a:ea typeface="Titillium Web SemiBold"/>
+                <a:cs typeface="Titillium Web SemiBold"/>
+                <a:sym typeface="Titillium Web"/>
+              </a:rPr>
+              <a:t>elezionare «Faq| Come fare per»</a:t>
+            </a:r>
+          </a:p>
+          <a:p>
+            <a:pPr marL="171450" lvl="0" indent="-171450" algn="l" rtl="0">
+              <a:spcBef>
+                <a:spcPts val="0"/>
+              </a:spcBef>
+              <a:spcAft>
+                <a:spcPts val="0"/>
+              </a:spcAft>
+              <a:buFont typeface="Arial" panose="020B0604020202020204" pitchFamily="34" charset="0"/>
+              <a:buChar char="•"/>
+            </a:pPr>
+            <a:r>
+              <a:rPr lang="it" sz="800" dirty="0">
+                <a:solidFill>
+                  <a:srgbClr val="5A6772"/>
+                </a:solidFill>
+                <a:latin typeface="Titillium Web"/>
+                <a:ea typeface="Titillium Web SemiBold"/>
+                <a:cs typeface="Titillium Web SemiBold"/>
+                <a:sym typeface="Titillium Web"/>
+              </a:rPr>
+              <a:t>Scorrere la pagina fino a «Tutte le faq divise per argomento» e cliccare «Tesi di laurea»</a:t>
+            </a:r>
+          </a:p>
+          <a:p>
+            <a:pPr marL="171450" lvl="0" indent="-171450" algn="l" rtl="0">
+              <a:spcBef>
+                <a:spcPts val="0"/>
+              </a:spcBef>
+              <a:spcAft>
+                <a:spcPts val="0"/>
+              </a:spcAft>
+              <a:buFont typeface="Arial" panose="020B0604020202020204" pitchFamily="34" charset="0"/>
+              <a:buChar char="•"/>
+            </a:pPr>
+            <a:r>
+              <a:rPr lang="it" sz="800" dirty="0">
+                <a:solidFill>
+                  <a:srgbClr val="5A6772"/>
+                </a:solidFill>
+                <a:latin typeface="Titillium Web"/>
+                <a:ea typeface="Titillium Web SemiBold"/>
+                <a:cs typeface="Titillium Web SemiBold"/>
+                <a:sym typeface="Titillium Web"/>
+              </a:rPr>
+              <a:t>Selezionare la domanda «A chi mi posso rivolgere per informazioni presentazione della dom,anda di tesi»</a:t>
+            </a:r>
+            <a:endParaRPr sz="800" dirty="0">
               <a:solidFill>
                 <a:srgbClr val="5A6772"/>
               </a:solidFill>
@@ -16592,7 +17143,7 @@
               </a:spcAft>
               <a:buNone/>
             </a:pPr>
-            <a:endParaRPr sz="900">
+            <a:endParaRPr sz="900" dirty="0">
               <a:solidFill>
                 <a:srgbClr val="5A6772"/>
               </a:solidFill>
@@ -16739,26 +17290,28 @@
           </a:bodyPr>
           <a:lstStyle/>
           <a:p>
-            <a:pPr marL="0" lvl="0" indent="0" algn="l" rtl="0">
-              <a:spcBef>
-                <a:spcPts val="0"/>
-              </a:spcBef>
-              <a:spcAft>
-                <a:spcPts val="0"/>
-              </a:spcAft>
-              <a:buNone/>
+            <a:pPr marL="171450" lvl="0" indent="-171450" algn="l" rtl="0">
+              <a:spcBef>
+                <a:spcPts val="0"/>
+              </a:spcBef>
+              <a:spcAft>
+                <a:spcPts val="0"/>
+              </a:spcAft>
+              <a:buFont typeface="Arial" panose="020B0604020202020204" pitchFamily="34" charset="0"/>
+              <a:buChar char="•"/>
             </a:pPr>
             <a:r>
-              <a:rPr lang="it" sz="900" dirty="0">
-                <a:solidFill>
-                  <a:srgbClr val="5A6772"/>
-                </a:solidFill>
-                <a:latin typeface="Titillium Web"/>
-                <a:ea typeface="Titillium Web"/>
-                <a:cs typeface="Titillium Web"/>
-                <a:sym typeface="Titillium Web"/>
+              <a:rPr lang="it-IT" sz="900" u="sng" dirty="0">
+                <a:solidFill>
+                  <a:srgbClr val="0000FF"/>
+                </a:solidFill>
+                <a:effectLst/>
+                <a:latin typeface="Titillium Web" panose="00000500000000000000" pitchFamily="2" charset="0"/>
+                <a:ea typeface="Titillium Web" panose="00000500000000000000" pitchFamily="2" charset="0"/>
+                <a:cs typeface="Titillium Web" panose="00000500000000000000" pitchFamily="2" charset="0"/>
+                <a:hlinkClick r:id="rId5"/>
               </a:rPr>
-              <a:t>Descrivi qui il criterio di successo….</a:t>
+              <a:t>https://www.unifi.it/vp-379-studenti-con-disabilita-o-dsa.html</a:t>
             </a:r>
             <a:endParaRPr sz="900" dirty="0">
               <a:solidFill>
@@ -16768,26 +17321,6 @@
               <a:ea typeface="Titillium Web SemiBold"/>
               <a:cs typeface="Titillium Web SemiBold"/>
               <a:sym typeface="Titillium Web SemiBold"/>
-            </a:endParaRPr>
-          </a:p>
-          <a:p>
-            <a:pPr marL="0" lvl="0" indent="0" algn="l" rtl="0">
-              <a:spcBef>
-                <a:spcPts val="0"/>
-              </a:spcBef>
-              <a:spcAft>
-                <a:spcPts val="0"/>
-              </a:spcAft>
-              <a:buNone/>
-            </a:pPr>
-            <a:endParaRPr sz="900" dirty="0">
-              <a:solidFill>
-                <a:srgbClr val="5A6772"/>
-              </a:solidFill>
-              <a:latin typeface="Titillium Web"/>
-              <a:ea typeface="Titillium Web"/>
-              <a:cs typeface="Titillium Web"/>
-              <a:sym typeface="Titillium Web"/>
             </a:endParaRPr>
           </a:p>
         </p:txBody>
@@ -16830,7 +17363,7 @@
               <a:buNone/>
             </a:pPr>
             <a:r>
-              <a:rPr lang="it" sz="1000" b="1">
+              <a:rPr lang="it" sz="1000" b="1" dirty="0">
                 <a:solidFill>
                   <a:srgbClr val="00B8CD"/>
                 </a:solidFill>
@@ -16841,7 +17374,7 @@
               </a:rPr>
               <a:t>CRITERIO DI SUCCESSO 1*</a:t>
             </a:r>
-            <a:endParaRPr sz="1000" b="1">
+            <a:endParaRPr sz="1000" b="1" dirty="0">
               <a:solidFill>
                 <a:srgbClr val="00B8CD"/>
               </a:solidFill>
@@ -16864,7 +17397,7 @@
               </a:spcAft>
               <a:buNone/>
             </a:pPr>
-            <a:endParaRPr sz="1000" b="1">
+            <a:endParaRPr sz="1000" b="1" dirty="0">
               <a:solidFill>
                 <a:srgbClr val="00B8CD"/>
               </a:solidFill>
@@ -16887,7 +17420,7 @@
               </a:spcAft>
               <a:buNone/>
             </a:pPr>
-            <a:endParaRPr sz="1000">
+            <a:endParaRPr sz="1000" dirty="0">
               <a:solidFill>
                 <a:srgbClr val="5A6772"/>
               </a:solidFill>
@@ -17018,7 +17551,7 @@
               <a:buNone/>
             </a:pPr>
             <a:r>
-              <a:rPr lang="it" sz="900">
+              <a:rPr lang="it-IT" sz="800" dirty="0">
                 <a:solidFill>
                   <a:srgbClr val="5A6772"/>
                 </a:solidFill>
@@ -17027,9 +17560,92 @@
                 <a:cs typeface="Titillium Web"/>
                 <a:sym typeface="Titillium Web"/>
               </a:rPr>
-              <a:t>Descrivi qui il criterio di successo….</a:t>
+              <a:t>Possibile sequenza di operazioni per arrivare alla soluzione dalla</a:t>
             </a:r>
-            <a:endParaRPr sz="900">
+          </a:p>
+          <a:p>
+            <a:pPr marL="0" lvl="0" indent="0" algn="l" rtl="0">
+              <a:spcBef>
+                <a:spcPts val="0"/>
+              </a:spcBef>
+              <a:spcAft>
+                <a:spcPts val="0"/>
+              </a:spcAft>
+              <a:buNone/>
+            </a:pPr>
+            <a:r>
+              <a:rPr lang="it-IT" sz="800" dirty="0">
+                <a:solidFill>
+                  <a:srgbClr val="5A6772"/>
+                </a:solidFill>
+                <a:latin typeface="Titillium Web"/>
+                <a:ea typeface="Titillium Web"/>
+                <a:cs typeface="Titillium Web"/>
+                <a:sym typeface="Titillium Web"/>
+              </a:rPr>
+              <a:t>Homepage:</a:t>
+            </a:r>
+          </a:p>
+          <a:p>
+            <a:pPr marL="171450" lvl="0" indent="-171450" algn="l" rtl="0">
+              <a:spcBef>
+                <a:spcPts val="0"/>
+              </a:spcBef>
+              <a:spcAft>
+                <a:spcPts val="0"/>
+              </a:spcAft>
+              <a:buFont typeface="Arial" panose="020B0604020202020204" pitchFamily="34" charset="0"/>
+              <a:buChar char="•"/>
+            </a:pPr>
+            <a:r>
+              <a:rPr lang="it" sz="800" dirty="0">
+                <a:solidFill>
+                  <a:srgbClr val="5A6772"/>
+                </a:solidFill>
+                <a:latin typeface="Titillium Web"/>
+                <a:ea typeface="Titillium Web SemiBold"/>
+                <a:cs typeface="Titillium Web SemiBold"/>
+                <a:sym typeface="Titillium Web"/>
+              </a:rPr>
+              <a:t>Cliccare la voce del menu «Iscrizioni»</a:t>
+            </a:r>
+          </a:p>
+          <a:p>
+            <a:pPr marL="171450" lvl="0" indent="-171450" algn="l" rtl="0">
+              <a:spcBef>
+                <a:spcPts val="0"/>
+              </a:spcBef>
+              <a:spcAft>
+                <a:spcPts val="0"/>
+              </a:spcAft>
+              <a:buFont typeface="Arial" panose="020B0604020202020204" pitchFamily="34" charset="0"/>
+              <a:buChar char="•"/>
+            </a:pPr>
+            <a:r>
+              <a:rPr lang="it-IT" sz="800" dirty="0">
+                <a:solidFill>
+                  <a:srgbClr val="5A6772"/>
+                </a:solidFill>
+                <a:latin typeface="Titillium Web"/>
+                <a:ea typeface="Titillium Web SemiBold"/>
+                <a:cs typeface="Titillium Web SemiBold"/>
+                <a:sym typeface="Titillium Web"/>
+              </a:rPr>
+              <a:t>S</a:t>
+            </a:r>
+            <a:r>
+              <a:rPr lang="it" sz="800" dirty="0">
+                <a:solidFill>
+                  <a:srgbClr val="5A6772"/>
+                </a:solidFill>
+                <a:latin typeface="Titillium Web"/>
+                <a:ea typeface="Titillium Web SemiBold"/>
+                <a:cs typeface="Titillium Web SemiBold"/>
+                <a:sym typeface="Titillium Web"/>
+              </a:rPr>
+              <a:t>elezionare la voce «Stuenti con disabilità o DSA»</a:t>
+            </a:r>
+            <a:endParaRPr sz="800" dirty="0">
               <a:solidFill>
                 <a:srgbClr val="5A6772"/>
               </a:solidFill>
@@ -17037,26 +17653,6 @@
               <a:ea typeface="Titillium Web SemiBold"/>
               <a:cs typeface="Titillium Web SemiBold"/>
               <a:sym typeface="Titillium Web SemiBold"/>
-            </a:endParaRPr>
-          </a:p>
-          <a:p>
-            <a:pPr marL="0" lvl="0" indent="0" algn="l" rtl="0">
-              <a:spcBef>
-                <a:spcPts val="0"/>
-              </a:spcBef>
-              <a:spcAft>
-                <a:spcPts val="0"/>
-              </a:spcAft>
-              <a:buNone/>
-            </a:pPr>
-            <a:endParaRPr sz="900">
-              <a:solidFill>
-                <a:srgbClr val="5A6772"/>
-              </a:solidFill>
-              <a:latin typeface="Titillium Web"/>
-              <a:ea typeface="Titillium Web"/>
-              <a:cs typeface="Titillium Web"/>
-              <a:sym typeface="Titillium Web"/>
             </a:endParaRPr>
           </a:p>
         </p:txBody>
@@ -17099,7 +17695,7 @@
               <a:buNone/>
             </a:pPr>
             <a:r>
-              <a:rPr lang="it" sz="1000" b="1">
+              <a:rPr lang="it" sz="1000" b="1" dirty="0">
                 <a:solidFill>
                   <a:srgbClr val="00B8CD"/>
                 </a:solidFill>
@@ -17110,7 +17706,7 @@
               </a:rPr>
               <a:t>CRITERIO DI SUCCESSO 2**</a:t>
             </a:r>
-            <a:endParaRPr sz="1000" b="1">
+            <a:endParaRPr sz="1000" b="1" dirty="0">
               <a:solidFill>
                 <a:srgbClr val="00B8CD"/>
               </a:solidFill>
@@ -17133,7 +17729,7 @@
               </a:spcAft>
               <a:buNone/>
             </a:pPr>
-            <a:endParaRPr sz="1000" b="1">
+            <a:endParaRPr sz="1000" b="1" dirty="0">
               <a:solidFill>
                 <a:srgbClr val="00B8CD"/>
               </a:solidFill>
@@ -17156,7 +17752,7 @@
               </a:spcAft>
               <a:buNone/>
             </a:pPr>
-            <a:endParaRPr sz="1000">
+            <a:endParaRPr sz="1000" dirty="0">
               <a:solidFill>
                 <a:srgbClr val="5A6772"/>
               </a:solidFill>
@@ -17253,7 +17849,7 @@
           <p:nvPr/>
         </p:nvPicPr>
         <p:blipFill rotWithShape="1">
-          <a:blip r:embed="rId3">
+          <a:blip r:embed="rId6">
             <a:alphaModFix/>
           </a:blip>
           <a:srcRect/>
@@ -17407,11 +18003,17 @@
         <p:nvGraphicFramePr>
           <p:cNvPr id="246" name="Google Shape;246;p35"/>
           <p:cNvGraphicFramePr/>
-          <p:nvPr/>
+          <p:nvPr>
+            <p:extLst>
+              <p:ext uri="{D42A27DB-BD31-4B8C-83A1-F6EECF244321}">
+                <p14:modId xmlns:p14="http://schemas.microsoft.com/office/powerpoint/2010/main" val="3168361565"/>
+              </p:ext>
+            </p:extLst>
+          </p:nvPr>
         </p:nvGraphicFramePr>
         <p:xfrm>
           <a:off x="420975" y="888225"/>
-          <a:ext cx="7995600" cy="3185130"/>
+          <a:ext cx="7995600" cy="3672720"/>
         </p:xfrm>
         <a:graphic>
           <a:graphicData uri="http://schemas.openxmlformats.org/drawingml/2006/table">
@@ -17765,18 +18367,9 @@
                         <a:buNone/>
                       </a:pPr>
                       <a:r>
-                        <a:rPr lang="it" sz="900">
-                          <a:solidFill>
-                            <a:srgbClr val="5A6772"/>
-                          </a:solidFill>
-                          <a:latin typeface="Titillium Web"/>
-                          <a:ea typeface="Titillium Web"/>
-                          <a:cs typeface="Titillium Web"/>
-                          <a:sym typeface="Titillium Web"/>
-                        </a:rPr>
-                        <a:t>Descrivi qui il problema rilevato...</a:t>
+                        <a:rPr lang="it-IT" sz="900" dirty="0"/>
+                        <a:t>La funzione «Cerca nel sito» non funziona correttamente</a:t>
                       </a:r>
-                      <a:endParaRPr/>
                     </a:p>
                   </a:txBody>
                   <a:tcPr marL="91425" marR="91425" marT="91425" marB="91425">
@@ -17811,18 +18404,16 @@
                         <a:buNone/>
                       </a:pPr>
                       <a:r>
-                        <a:rPr lang="it" sz="900">
+                        <a:rPr lang="it" sz="900" dirty="0">
                           <a:solidFill>
                             <a:srgbClr val="5A6772"/>
                           </a:solidFill>
                           <a:latin typeface="Titillium Web"/>
-                          <a:ea typeface="Titillium Web"/>
-                          <a:cs typeface="Titillium Web"/>
                           <a:sym typeface="Titillium Web"/>
                         </a:rPr>
-                        <a:t>Descrivi qui la criticità...</a:t>
+                        <a:t>Molte volte consultare la funzione «Cerca nel sito» non ha fornito infromazioni rilevanti per il compito da completare. Provancando uno spreco di risorse in termine di tempo e frustazione nell’uso dell’applicazione.</a:t>
                       </a:r>
-                      <a:endParaRPr>
+                      <a:endParaRPr sz="900" dirty="0">
                         <a:solidFill>
                           <a:schemeClr val="dk1"/>
                         </a:solidFill>
@@ -17843,7 +18434,7 @@
                         <a:buFont typeface="Arial"/>
                         <a:buNone/>
                       </a:pPr>
-                      <a:endParaRPr sz="900">
+                      <a:endParaRPr sz="900" dirty="0">
                         <a:solidFill>
                           <a:srgbClr val="5A6772"/>
                         </a:solidFill>
@@ -17880,7 +18471,7 @@
                     <a:bodyPr/>
                     <a:lstStyle/>
                     <a:p>
-                      <a:pPr marL="0" lvl="0" indent="0" algn="l" rtl="0">
+                      <a:pPr marL="285750" lvl="0" indent="-285750" algn="l" rtl="0">
                         <a:spcBef>
                           <a:spcPts val="0"/>
                         </a:spcBef>
@@ -17891,24 +18482,42 @@
                           <a:schemeClr val="dk1"/>
                         </a:buClr>
                         <a:buSzPts val="1100"/>
-                        <a:buFont typeface="Arial"/>
-                        <a:buNone/>
+                        <a:buFont typeface="Arial" panose="020B0604020202020204" pitchFamily="34" charset="0"/>
+                        <a:buChar char="•"/>
                       </a:pPr>
                       <a:r>
-                        <a:rPr lang="it" sz="900">
+                        <a:rPr lang="it" sz="900" dirty="0">
                           <a:solidFill>
-                            <a:srgbClr val="D9D9D9"/>
+                            <a:schemeClr val="tx1"/>
                           </a:solidFill>
                           <a:latin typeface="Titillium Web"/>
-                          <a:ea typeface="Titillium Web"/>
-                          <a:cs typeface="Titillium Web"/>
                           <a:sym typeface="Titillium Web"/>
                         </a:rPr>
-                        <a:t>(Opzionale) descrivi il principio collegato...</a:t>
+                        <a:t>Flessibilità ed effic</a:t>
                       </a:r>
-                      <a:endParaRPr>
+                      <a:r>
+                        <a:rPr lang="it-IT" sz="900" dirty="0">
+                          <a:solidFill>
+                            <a:schemeClr val="tx1"/>
+                          </a:solidFill>
+                          <a:latin typeface="Titillium Web"/>
+                          <a:sym typeface="Titillium Web"/>
+                        </a:rPr>
+                        <a:t>i</a:t>
+                      </a:r>
+                      <a:r>
+                        <a:rPr lang="it" sz="900" dirty="0">
+                          <a:solidFill>
+                            <a:schemeClr val="tx1"/>
+                          </a:solidFill>
+                          <a:latin typeface="Titillium Web"/>
+                          <a:sym typeface="Titillium Web"/>
+                        </a:rPr>
+                        <a:t>enza d’uso</a:t>
+                      </a:r>
+                      <a:endParaRPr dirty="0">
                         <a:solidFill>
-                          <a:srgbClr val="D9D9D9"/>
+                          <a:schemeClr val="tx1"/>
                         </a:solidFill>
                       </a:endParaRPr>
                     </a:p>
@@ -17927,7 +18536,7 @@
                         <a:buFont typeface="Arial"/>
                         <a:buNone/>
                       </a:pPr>
-                      <a:endParaRPr sz="900">
+                      <a:endParaRPr sz="900" dirty="0">
                         <a:solidFill>
                           <a:srgbClr val="D9D9D9"/>
                         </a:solidFill>
@@ -18007,21 +18616,20 @@
                         <a:buNone/>
                       </a:pPr>
                       <a:r>
-                        <a:rPr lang="it" sz="900">
+                        <a:rPr lang="it" sz="900" dirty="0">
                           <a:solidFill>
-                            <a:srgbClr val="5A6772"/>
+                            <a:schemeClr val="tx1"/>
                           </a:solidFill>
-                          <a:latin typeface="Titillium Web"/>
-                          <a:ea typeface="Titillium Web"/>
-                          <a:cs typeface="Titillium Web"/>
+                          <a:latin typeface="+mj-lt"/>
                           <a:sym typeface="Titillium Web"/>
                         </a:rPr>
-                        <a:t>Descrivi qui il problema rilevato...</a:t>
+                        <a:t>Nomi della barra dei menu non descrivono pienamente ciò che contengono</a:t>
                       </a:r>
-                      <a:endParaRPr>
+                      <a:endParaRPr dirty="0">
                         <a:solidFill>
-                          <a:schemeClr val="dk1"/>
+                          <a:schemeClr val="tx1"/>
                         </a:solidFill>
+                        <a:latin typeface="+mj-lt"/>
                       </a:endParaRPr>
                     </a:p>
                     <a:p>
@@ -18039,7 +18647,7 @@
                         <a:buFont typeface="Arial"/>
                         <a:buNone/>
                       </a:pPr>
-                      <a:endParaRPr sz="900">
+                      <a:endParaRPr sz="900" dirty="0">
                         <a:solidFill>
                           <a:srgbClr val="5A6772"/>
                         </a:solidFill>
@@ -18072,7 +18680,7 @@
                         <a:buNone/>
                       </a:pPr>
                       <a:r>
-                        <a:rPr lang="it" sz="900">
+                        <a:rPr lang="it-IT" sz="900" dirty="0">
                           <a:solidFill>
                             <a:srgbClr val="5A6772"/>
                           </a:solidFill>
@@ -18081,30 +18689,9 @@
                           <a:cs typeface="Titillium Web"/>
                           <a:sym typeface="Titillium Web"/>
                         </a:rPr>
-                        <a:t>Descrivi qui la criticità...</a:t>
+                        <a:t>I partecipanti non sempre riescono a capire che informazioni contiene una voce della barra dei menu solo leggendo il suo nome. Molte volte il partecipante ha dovuto aprire la voce per capire se il contenuto fosse utile per quello che stesse cercando. </a:t>
                       </a:r>
-                      <a:endParaRPr>
-                        <a:solidFill>
-                          <a:schemeClr val="dk1"/>
-                        </a:solidFill>
-                      </a:endParaRPr>
-                    </a:p>
-                    <a:p>
-                      <a:pPr marL="0" lvl="0" indent="0" algn="l" rtl="0">
-                        <a:spcBef>
-                          <a:spcPts val="0"/>
-                        </a:spcBef>
-                        <a:spcAft>
-                          <a:spcPts val="0"/>
-                        </a:spcAft>
-                        <a:buClr>
-                          <a:schemeClr val="dk1"/>
-                        </a:buClr>
-                        <a:buSzPts val="1100"/>
-                        <a:buFont typeface="Arial"/>
-                        <a:buNone/>
-                      </a:pPr>
-                      <a:endParaRPr sz="900">
+                      <a:endParaRPr sz="900" dirty="0">
                         <a:solidFill>
                           <a:srgbClr val="5A6772"/>
                         </a:solidFill>
@@ -18129,7 +18716,7 @@
                         <a:buFont typeface="Arial"/>
                         <a:buNone/>
                       </a:pPr>
-                      <a:endParaRPr sz="900">
+                      <a:endParaRPr sz="900" dirty="0">
                         <a:solidFill>
                           <a:srgbClr val="5A6772"/>
                         </a:solidFill>
@@ -18147,7 +18734,7 @@
                     <a:bodyPr/>
                     <a:lstStyle/>
                     <a:p>
-                      <a:pPr marL="0" lvl="0" indent="0" algn="l" rtl="0">
+                      <a:pPr marL="285750" lvl="0" indent="-285750" algn="l" rtl="0">
                         <a:spcBef>
                           <a:spcPts val="0"/>
                         </a:spcBef>
@@ -18158,24 +18745,48 @@
                           <a:schemeClr val="dk1"/>
                         </a:buClr>
                         <a:buSzPts val="1100"/>
-                        <a:buFont typeface="Arial"/>
-                        <a:buNone/>
+                        <a:buFont typeface="Arial" panose="020B0604020202020204" pitchFamily="34" charset="0"/>
+                        <a:buChar char="•"/>
                       </a:pPr>
                       <a:r>
-                        <a:rPr lang="it" sz="900">
+                        <a:rPr lang="it" sz="900" dirty="0">
                           <a:solidFill>
-                            <a:srgbClr val="D9D9D9"/>
+                            <a:schemeClr val="tx1"/>
                           </a:solidFill>
                           <a:latin typeface="Titillium Web"/>
-                          <a:ea typeface="Titillium Web"/>
-                          <a:cs typeface="Titillium Web"/>
                           <a:sym typeface="Titillium Web"/>
                         </a:rPr>
-                        <a:t>(Opzionale) descrivi il principio collegato...</a:t>
+                        <a:t>Allineamento tra il mondo del sistema e quello reale</a:t>
                       </a:r>
-                      <a:endParaRPr>
+                    </a:p>
+                    <a:p>
+                      <a:pPr marL="285750" lvl="0" indent="-285750" algn="l" rtl="0">
+                        <a:spcBef>
+                          <a:spcPts val="0"/>
+                        </a:spcBef>
+                        <a:spcAft>
+                          <a:spcPts val="0"/>
+                        </a:spcAft>
+                        <a:buClr>
+                          <a:schemeClr val="dk1"/>
+                        </a:buClr>
+                        <a:buSzPts val="1100"/>
+                        <a:buFont typeface="Arial" panose="020B0604020202020204" pitchFamily="34" charset="0"/>
+                        <a:buChar char="•"/>
+                      </a:pPr>
+                      <a:r>
+                        <a:rPr lang="it" sz="900" dirty="0">
+                          <a:solidFill>
+                            <a:schemeClr val="tx1"/>
+                          </a:solidFill>
+                          <a:latin typeface="Titillium Web"/>
+                          <a:sym typeface="Titillium Web"/>
+                        </a:rPr>
+                        <a:t>Coerenza e standard </a:t>
+                      </a:r>
+                      <a:endParaRPr dirty="0">
                         <a:solidFill>
-                          <a:srgbClr val="D9D9D9"/>
+                          <a:schemeClr val="tx1"/>
                         </a:solidFill>
                       </a:endParaRPr>
                     </a:p>
@@ -18194,7 +18805,7 @@
                         <a:buFont typeface="Arial"/>
                         <a:buNone/>
                       </a:pPr>
-                      <a:endParaRPr sz="900">
+                      <a:endParaRPr sz="900" dirty="0">
                         <a:solidFill>
                           <a:srgbClr val="D9D9D9"/>
                         </a:solidFill>
@@ -18256,21 +18867,30 @@
                         <a:buNone/>
                       </a:pPr>
                       <a:r>
-                        <a:rPr lang="it" sz="900">
+                        <a:rPr lang="it-IT" sz="900" dirty="0">
                           <a:solidFill>
-                            <a:srgbClr val="5A6772"/>
+                            <a:schemeClr val="tx1"/>
                           </a:solidFill>
-                          <a:latin typeface="Titillium Web"/>
-                          <a:ea typeface="Titillium Web"/>
-                          <a:cs typeface="Titillium Web"/>
+                          <a:latin typeface="+mj-lt"/>
                           <a:sym typeface="Titillium Web"/>
                         </a:rPr>
-                        <a:t>Descrivi qui il problema rilevato...</a:t>
+                        <a:t>Per</a:t>
                       </a:r>
-                      <a:endParaRPr>
+                      <a:r>
+                        <a:rPr lang="it" sz="900" dirty="0">
+                          <a:solidFill>
+                            <a:schemeClr val="tx1"/>
+                          </a:solidFill>
+                          <a:latin typeface="+mj-lt"/>
+                          <a:sym typeface="Titillium Web"/>
+                        </a:rPr>
+                        <a:t> visualizzare il contenuto di una voce della barra dei menu è necessario cliccare</a:t>
+                      </a:r>
+                      <a:endParaRPr dirty="0">
                         <a:solidFill>
-                          <a:schemeClr val="dk1"/>
+                          <a:schemeClr val="tx1"/>
                         </a:solidFill>
+                        <a:latin typeface="+mj-lt"/>
                       </a:endParaRPr>
                     </a:p>
                     <a:p>
@@ -18288,7 +18908,7 @@
                         <a:buFont typeface="Arial"/>
                         <a:buNone/>
                       </a:pPr>
-                      <a:endParaRPr sz="900">
+                      <a:endParaRPr sz="900" dirty="0">
                         <a:solidFill>
                           <a:srgbClr val="5A6772"/>
                         </a:solidFill>
@@ -18321,18 +18941,26 @@
                         <a:buNone/>
                       </a:pPr>
                       <a:r>
-                        <a:rPr lang="it" sz="900">
+                        <a:rPr lang="it-IT" sz="900" dirty="0">
                           <a:solidFill>
                             <a:srgbClr val="5A6772"/>
                           </a:solidFill>
                           <a:latin typeface="Titillium Web"/>
-                          <a:ea typeface="Titillium Web"/>
-                          <a:cs typeface="Titillium Web"/>
                           <a:sym typeface="Titillium Web"/>
                         </a:rPr>
-                        <a:t>Descrivi qui la criticità...</a:t>
+                        <a:t>U</a:t>
                       </a:r>
-                      <a:endParaRPr>
+                      <a:r>
+                        <a:rPr lang="it" sz="900" dirty="0">
+                          <a:solidFill>
+                            <a:srgbClr val="5A6772"/>
+                          </a:solidFill>
+                          <a:latin typeface="Titillium Web"/>
+                          <a:sym typeface="Titillium Web"/>
+                        </a:rPr>
+                        <a:t>n partecipante ha espresso che preferirebbe visualizzare le sotto-voci delle voci della barra dei menu semplicemente passando il cursore sopra una voce, in modo da eseguire una ricerca più veloce.</a:t>
+                      </a:r>
+                      <a:endParaRPr dirty="0">
                         <a:solidFill>
                           <a:schemeClr val="dk1"/>
                         </a:solidFill>
@@ -18353,7 +18981,7 @@
                         <a:buFont typeface="Arial"/>
                         <a:buNone/>
                       </a:pPr>
-                      <a:endParaRPr sz="900">
+                      <a:endParaRPr sz="900" dirty="0">
                         <a:solidFill>
                           <a:srgbClr val="5A6772"/>
                         </a:solidFill>
@@ -18371,7 +18999,7 @@
                     <a:bodyPr/>
                     <a:lstStyle/>
                     <a:p>
-                      <a:pPr marL="0" lvl="0" indent="0" algn="l" rtl="0">
+                      <a:pPr marL="285750" lvl="0" indent="-285750" algn="l" rtl="0">
                         <a:spcBef>
                           <a:spcPts val="0"/>
                         </a:spcBef>
@@ -18382,24 +19010,22 @@
                           <a:schemeClr val="dk1"/>
                         </a:buClr>
                         <a:buSzPts val="1100"/>
-                        <a:buFont typeface="Arial"/>
-                        <a:buNone/>
+                        <a:buFont typeface="Arial" panose="020B0604020202020204" pitchFamily="34" charset="0"/>
+                        <a:buChar char="•"/>
                       </a:pPr>
                       <a:r>
-                        <a:rPr lang="it" sz="900">
+                        <a:rPr lang="it-IT" sz="900" dirty="0">
                           <a:solidFill>
-                            <a:srgbClr val="D9D9D9"/>
+                            <a:schemeClr val="tx1"/>
                           </a:solidFill>
                           <a:latin typeface="Titillium Web"/>
-                          <a:ea typeface="Titillium Web"/>
-                          <a:cs typeface="Titillium Web"/>
                           <a:sym typeface="Titillium Web"/>
                         </a:rPr>
-                        <a:t>(Opzionale) descrivi il principio collegato...</a:t>
+                        <a:t>Flessibilità ed efficienza d’uso</a:t>
                       </a:r>
-                      <a:endParaRPr>
+                      <a:endParaRPr lang="it-IT" sz="900" dirty="0">
                         <a:solidFill>
-                          <a:srgbClr val="D9D9D9"/>
+                          <a:schemeClr val="tx1"/>
                         </a:solidFill>
                       </a:endParaRPr>
                     </a:p>
@@ -18418,7 +19044,7 @@
                         <a:buFont typeface="Arial"/>
                         <a:buNone/>
                       </a:pPr>
-                      <a:endParaRPr sz="900">
+                      <a:endParaRPr sz="900" dirty="0">
                         <a:solidFill>
                           <a:srgbClr val="D9D9D9"/>
                         </a:solidFill>
@@ -18449,7 +19075,7 @@
         </p:nvSpPr>
         <p:spPr>
           <a:xfrm>
-            <a:off x="3078483" y="4401900"/>
+            <a:off x="3015730" y="4499970"/>
             <a:ext cx="5330400" cy="566700"/>
           </a:xfrm>
           <a:prstGeom prst="rect">
@@ -18479,7 +19105,7 @@
               <a:buNone/>
             </a:pPr>
             <a:r>
-              <a:rPr lang="it" sz="800" b="1">
+              <a:rPr lang="it" sz="800" b="1" dirty="0">
                 <a:solidFill>
                   <a:srgbClr val="0056CB"/>
                 </a:solidFill>
@@ -18491,7 +19117,7 @@
               <a:t>* </a:t>
             </a:r>
             <a:r>
-              <a:rPr lang="it" sz="800">
+              <a:rPr lang="it" sz="800" dirty="0">
                 <a:solidFill>
                   <a:srgbClr val="0056CB"/>
                 </a:solidFill>
@@ -18503,7 +19129,7 @@
               <a:t>Per “</a:t>
             </a:r>
             <a:r>
-              <a:rPr lang="it" sz="800" b="1">
+              <a:rPr lang="it" sz="800" b="1" dirty="0">
                 <a:solidFill>
                   <a:srgbClr val="0056CB"/>
                 </a:solidFill>
@@ -18515,7 +19141,7 @@
               <a:t>problema</a:t>
             </a:r>
             <a:r>
-              <a:rPr lang="it" sz="800">
+              <a:rPr lang="it" sz="800" dirty="0">
                 <a:solidFill>
                   <a:srgbClr val="0056CB"/>
                 </a:solidFill>
@@ -18526,7 +19152,7 @@
               </a:rPr>
               <a:t>” si intende una qualunque difficoltà manifestata dal partecipante durante il test, considerata con diversi gradi di gravità e trascritti/registrati dal conduttore. Per es.: il partecipante esita a lungo nel cliccare su un punto della pagina e dice che non sa dove andare, oppure commenta negativamente.</a:t>
             </a:r>
-            <a:endParaRPr sz="800">
+            <a:endParaRPr sz="800" dirty="0">
               <a:solidFill>
                 <a:srgbClr val="0056CB"/>
               </a:solidFill>
@@ -18549,7 +19175,7 @@
               </a:spcAft>
               <a:buNone/>
             </a:pPr>
-            <a:endParaRPr sz="800" b="1">
+            <a:endParaRPr sz="800" b="1" dirty="0">
               <a:solidFill>
                 <a:srgbClr val="0056CB"/>
               </a:solidFill>
@@ -18573,7 +19199,7 @@
               <a:buNone/>
             </a:pPr>
             <a:r>
-              <a:rPr lang="it" sz="800" b="1">
+              <a:rPr lang="it" sz="800" b="1" dirty="0">
                 <a:solidFill>
                   <a:srgbClr val="0056CB"/>
                 </a:solidFill>
@@ -18585,7 +19211,7 @@
               <a:t>** </a:t>
             </a:r>
             <a:r>
-              <a:rPr lang="it" sz="800">
+              <a:rPr lang="it" sz="800" dirty="0">
                 <a:solidFill>
                   <a:srgbClr val="0056CB"/>
                 </a:solidFill>
@@ -18597,7 +19223,7 @@
               <a:t>Per “</a:t>
             </a:r>
             <a:r>
-              <a:rPr lang="it" sz="800" b="1">
+              <a:rPr lang="it" sz="800" b="1" dirty="0">
                 <a:solidFill>
                   <a:srgbClr val="0056CB"/>
                 </a:solidFill>
@@ -18609,7 +19235,7 @@
               <a:t>criticità</a:t>
             </a:r>
             <a:r>
-              <a:rPr lang="it" sz="800">
+              <a:rPr lang="it" sz="800" dirty="0">
                 <a:solidFill>
                   <a:srgbClr val="0056CB"/>
                 </a:solidFill>
@@ -18620,7 +19246,7 @@
               </a:rPr>
               <a:t>” s’intende un qualunque punto o funzionalità dell’interfaccia collegato al verificarsi di un problema del partecipante e riferibile alla violazione di un qualunque principio euristico di usabilità o, prima ancora, di buon senso. Ad es. un menu, l’etichetta di un link o un contenuto testuale che si possa ipotizzare provochino un'esperienza negativa nell’utente. </a:t>
             </a:r>
-            <a:endParaRPr sz="800">
+            <a:endParaRPr sz="800" dirty="0">
               <a:solidFill>
                 <a:srgbClr val="0056CB"/>
               </a:solidFill>
@@ -18643,7 +19269,7 @@
               </a:spcAft>
               <a:buNone/>
             </a:pPr>
-            <a:endParaRPr sz="800">
+            <a:endParaRPr sz="800" dirty="0">
               <a:solidFill>
                 <a:srgbClr val="0056CB"/>
               </a:solidFill>
@@ -18666,7 +19292,7 @@
               </a:spcAft>
               <a:buNone/>
             </a:pPr>
-            <a:endParaRPr sz="800">
+            <a:endParaRPr sz="800" dirty="0">
               <a:solidFill>
                 <a:srgbClr val="0056CB"/>
               </a:solidFill>
@@ -18689,7 +19315,7 @@
               </a:spcAft>
               <a:buNone/>
             </a:pPr>
-            <a:endParaRPr sz="800">
+            <a:endParaRPr sz="800" dirty="0">
               <a:solidFill>
                 <a:srgbClr val="0056CB"/>
               </a:solidFill>
@@ -18712,7 +19338,7 @@
               </a:spcAft>
               <a:buNone/>
             </a:pPr>
-            <a:endParaRPr sz="800">
+            <a:endParaRPr sz="800" dirty="0">
               <a:solidFill>
                 <a:srgbClr val="0056CB"/>
               </a:solidFill>
@@ -18735,7 +19361,7 @@
               </a:spcAft>
               <a:buNone/>
             </a:pPr>
-            <a:endParaRPr sz="800">
+            <a:endParaRPr sz="800" dirty="0">
               <a:solidFill>
                 <a:srgbClr val="0056CB"/>
               </a:solidFill>
@@ -18758,7 +19384,7 @@
               </a:spcAft>
               <a:buNone/>
             </a:pPr>
-            <a:endParaRPr sz="800">
+            <a:endParaRPr sz="800" dirty="0">
               <a:solidFill>
                 <a:srgbClr val="0056CB"/>
               </a:solidFill>
@@ -18782,7 +19408,7 @@
               <a:buNone/>
             </a:pPr>
             <a:r>
-              <a:rPr lang="it" sz="800">
+              <a:rPr lang="it" sz="800" dirty="0">
                 <a:solidFill>
                   <a:srgbClr val="0056CB"/>
                 </a:solidFill>
@@ -18793,7 +19419,7 @@
               </a:rPr>
               <a:t> </a:t>
             </a:r>
-            <a:endParaRPr sz="800">
+            <a:endParaRPr sz="800" dirty="0">
               <a:solidFill>
                 <a:srgbClr val="0056CB"/>
               </a:solidFill>
